--- a/Y3-Sem1/ITゼミ演習１/SK3A04文家俊_5月発表.pptx
+++ b/Y3-Sem1/ITゼミ演習１/SK3A04文家俊_5月発表.pptx
@@ -12,8 +12,8 @@
     <p:sldId id="257" r:id="rId3"/>
     <p:sldId id="258" r:id="rId4"/>
     <p:sldId id="260" r:id="rId5"/>
-    <p:sldId id="261" r:id="rId6"/>
-    <p:sldId id="262" r:id="rId7"/>
+    <p:sldId id="264" r:id="rId6"/>
+    <p:sldId id="261" r:id="rId7"/>
     <p:sldId id="263" r:id="rId8"/>
   </p:sldIdLst>
   <p:sldSz cx="12192000" cy="6858000"/>
@@ -1073,64 +1073,147 @@
         <a:bodyPr/>
         <a:lstStyle/>
         <a:p>
-          <a:pPr algn="ctr"/>
+          <a:pPr algn="r"/>
           <a:r>
-            <a:rPr lang="zh-HK" altLang="en-US" sz="2200" b="0" i="0" dirty="0">
+            <a:rPr lang="zh-HK" altLang="en-US" sz="2000" b="0" i="0" dirty="0">
               <a:latin typeface="Meiryo UI" panose="020B0604030504040204" pitchFamily="34" charset="-128"/>
               <a:ea typeface="Meiryo UI" panose="020B0604030504040204" pitchFamily="34" charset="-128"/>
             </a:rPr>
-            <a:t>論文は資料</a:t>
+            <a:t>論文で資料</a:t>
           </a:r>
           <a:r>
-            <a:rPr lang="ja-JP" altLang="en-US" sz="2200" b="0" i="0">
+            <a:rPr lang="ja-JP" altLang="en-US" sz="2000" b="0" i="0">
               <a:latin typeface="Meiryo UI" panose="020B0604030504040204" pitchFamily="34" charset="-128"/>
               <a:ea typeface="Meiryo UI" panose="020B0604030504040204" pitchFamily="34" charset="-128"/>
             </a:rPr>
             <a:t>を</a:t>
           </a:r>
           <a:r>
-            <a:rPr lang="zh-HK" altLang="en-US" sz="2200" b="0" i="0" dirty="0">
+            <a:rPr lang="zh-HK" altLang="en-US" sz="2000" b="0" i="0" dirty="0">
               <a:latin typeface="Meiryo UI" panose="020B0604030504040204" pitchFamily="34" charset="-128"/>
               <a:ea typeface="Meiryo UI" panose="020B0604030504040204" pitchFamily="34" charset="-128"/>
             </a:rPr>
             <a:t>確保</a:t>
           </a:r>
           <a:r>
-            <a:rPr lang="ja-JP" altLang="en-US" sz="2200" b="0" i="0">
+            <a:rPr lang="ja-JP" altLang="en-US" sz="2000" b="0" i="0">
               <a:latin typeface="Meiryo UI" panose="020B0604030504040204" pitchFamily="34" charset="-128"/>
               <a:ea typeface="Meiryo UI" panose="020B0604030504040204" pitchFamily="34" charset="-128"/>
             </a:rPr>
-            <a:t>できるために</a:t>
+            <a:t>できるためにドメイン</a:t>
           </a:r>
           <a:r>
-            <a:rPr lang="zh-HK" altLang="en-US" sz="2200" b="0" i="0" dirty="0">
+            <a:rPr lang="zh-TW" altLang="en-US" sz="2000" b="0" i="0" dirty="0">
               <a:latin typeface="Meiryo UI" panose="020B0604030504040204" pitchFamily="34" charset="-128"/>
               <a:ea typeface="Meiryo UI" panose="020B0604030504040204" pitchFamily="34" charset="-128"/>
             </a:rPr>
-            <a:t>言語（</a:t>
+            <a:t>固有言語</a:t>
           </a:r>
           <a:r>
-            <a:rPr lang="en-US" sz="2200" b="0" i="0" dirty="0">
+            <a:rPr lang="en-US" altLang="zh-TW" sz="2000" b="0" i="0" dirty="0">
               <a:latin typeface="Meiryo UI" panose="020B0604030504040204" pitchFamily="34" charset="-128"/>
               <a:ea typeface="Meiryo UI" panose="020B0604030504040204" pitchFamily="34" charset="-128"/>
             </a:rPr>
-            <a:t>DSL）</a:t>
+            <a:t>(</a:t>
           </a:r>
           <a:r>
-            <a:rPr lang="ja-JP" altLang="en-US" sz="2200" b="0" i="0">
+            <a:rPr lang="en-US" sz="2000" b="0" i="0" dirty="0">
+              <a:latin typeface="Meiryo UI" panose="020B0604030504040204" pitchFamily="34" charset="-128"/>
+              <a:ea typeface="Meiryo UI" panose="020B0604030504040204" pitchFamily="34" charset="-128"/>
+            </a:rPr>
+            <a:t>DSL</a:t>
+          </a:r>
+          <a:r>
+            <a:rPr lang="en-US" altLang="zh-TW" sz="2000" b="0" i="0" dirty="0">
+              <a:latin typeface="Meiryo UI" panose="020B0604030504040204" pitchFamily="34" charset="-128"/>
+              <a:ea typeface="Meiryo UI" panose="020B0604030504040204" pitchFamily="34" charset="-128"/>
+            </a:rPr>
+            <a:t>)</a:t>
+          </a:r>
+          <a:r>
+            <a:rPr lang="ja-JP" altLang="en-US" sz="2000" b="0" i="0">
               <a:latin typeface="Meiryo UI" panose="020B0604030504040204" pitchFamily="34" charset="-128"/>
               <a:ea typeface="Meiryo UI" panose="020B0604030504040204" pitchFamily="34" charset="-128"/>
             </a:rPr>
             <a:t>という</a:t>
           </a:r>
           <a:r>
-            <a:rPr lang="zh-HK" altLang="en-US" sz="2200" b="0" i="0" dirty="0">
+            <a:rPr lang="zh-HK" altLang="en-US" sz="2000" b="0" i="0" dirty="0">
               <a:latin typeface="Meiryo UI" panose="020B0604030504040204" pitchFamily="34" charset="-128"/>
               <a:ea typeface="Meiryo UI" panose="020B0604030504040204" pitchFamily="34" charset="-128"/>
             </a:rPr>
             <a:t>意見＠４</a:t>
           </a:r>
-          <a:endParaRPr lang="zh-TW" altLang="en-US" sz="2200" dirty="0">
+          <a:br>
+            <a:rPr lang="en-US" altLang="zh-HK" sz="2000" b="0" i="0" dirty="0">
+              <a:latin typeface="Meiryo UI" panose="020B0604030504040204" pitchFamily="34" charset="-128"/>
+              <a:ea typeface="Meiryo UI" panose="020B0604030504040204" pitchFamily="34" charset="-128"/>
+            </a:rPr>
+          </a:br>
+          <a:r>
+            <a:rPr lang="en-US" altLang="zh-HK" sz="2000" b="0" i="0" dirty="0">
+              <a:latin typeface="Meiryo UI" panose="020B0604030504040204" pitchFamily="34" charset="-128"/>
+              <a:ea typeface="Meiryo UI" panose="020B0604030504040204" pitchFamily="34" charset="-128"/>
+            </a:rPr>
+            <a:t>DSL</a:t>
+          </a:r>
+          <a:r>
+            <a:rPr lang="zh-HK" altLang="en-US" sz="2000" b="0" i="0" dirty="0">
+              <a:latin typeface="Meiryo UI" panose="020B0604030504040204" pitchFamily="34" charset="-128"/>
+              <a:ea typeface="Meiryo UI" panose="020B0604030504040204" pitchFamily="34" charset="-128"/>
+            </a:rPr>
+            <a:t>の例：</a:t>
+          </a:r>
+          <a:r>
+            <a:rPr lang="en-US" altLang="zh-HK" sz="2000" b="0" i="0" dirty="0">
+              <a:latin typeface="Meiryo UI" panose="020B0604030504040204" pitchFamily="34" charset="-128"/>
+              <a:ea typeface="Meiryo UI" panose="020B0604030504040204" pitchFamily="34" charset="-128"/>
+            </a:rPr>
+            <a:t>HTML</a:t>
+          </a:r>
+          <a:r>
+            <a:rPr lang="zh-HK" altLang="en-US" sz="2000" b="0" i="0" dirty="0">
+              <a:latin typeface="Meiryo UI" panose="020B0604030504040204" pitchFamily="34" charset="-128"/>
+              <a:ea typeface="Meiryo UI" panose="020B0604030504040204" pitchFamily="34" charset="-128"/>
+            </a:rPr>
+            <a:t>，</a:t>
+          </a:r>
+          <a:r>
+            <a:rPr lang="en-US" altLang="zh-HK" sz="2000" b="0" i="0" dirty="0">
+              <a:latin typeface="Meiryo UI" panose="020B0604030504040204" pitchFamily="34" charset="-128"/>
+              <a:ea typeface="Meiryo UI" panose="020B0604030504040204" pitchFamily="34" charset="-128"/>
+            </a:rPr>
+            <a:t>CSS</a:t>
+          </a:r>
+          <a:r>
+            <a:rPr lang="zh-HK" altLang="en-US" sz="2000" b="0" i="0" dirty="0">
+              <a:latin typeface="Meiryo UI" panose="020B0604030504040204" pitchFamily="34" charset="-128"/>
+              <a:ea typeface="Meiryo UI" panose="020B0604030504040204" pitchFamily="34" charset="-128"/>
+            </a:rPr>
+            <a:t>，</a:t>
+          </a:r>
+          <a:r>
+            <a:rPr lang="en-US" altLang="zh-HK" sz="2000" b="0" i="0" dirty="0">
+              <a:latin typeface="Meiryo UI" panose="020B0604030504040204" pitchFamily="34" charset="-128"/>
+              <a:ea typeface="Meiryo UI" panose="020B0604030504040204" pitchFamily="34" charset="-128"/>
+            </a:rPr>
+            <a:t>SVG</a:t>
+          </a:r>
+          <a:r>
+            <a:rPr lang="zh-HK" altLang="en-US" sz="2000" b="0" i="0" dirty="0">
+              <a:latin typeface="Meiryo UI" panose="020B0604030504040204" pitchFamily="34" charset="-128"/>
+              <a:ea typeface="Meiryo UI" panose="020B0604030504040204" pitchFamily="34" charset="-128"/>
+            </a:rPr>
+            <a:t>，</a:t>
+          </a:r>
+          <a:r>
+            <a:rPr lang="en-US" altLang="en-US" sz="2000" b="0" i="0" dirty="0">
+              <a:latin typeface="Meiryo UI" panose="020B0604030504040204" pitchFamily="34" charset="-128"/>
+              <a:ea typeface="Meiryo UI" panose="020B0604030504040204" pitchFamily="34" charset="-128"/>
+            </a:rPr>
+            <a:t>Unity Script</a:t>
+          </a:r>
+          <a:endParaRPr lang="zh-TW" altLang="en-US" sz="2000" dirty="0">
             <a:latin typeface="Meiryo UI" panose="020B0604030504040204" pitchFamily="34" charset="-128"/>
             <a:ea typeface="Meiryo UI" panose="020B0604030504040204" pitchFamily="34" charset="-128"/>
           </a:endParaRPr>
@@ -1179,7 +1262,7 @@
               <a:latin typeface="Meiryo UI" panose="020B0604030504040204" pitchFamily="34" charset="-128"/>
               <a:ea typeface="Meiryo UI" panose="020B0604030504040204" pitchFamily="34" charset="-128"/>
             </a:rPr>
-            <a:t>でブロックチェーンの基本コードを学習</a:t>
+            <a:t>でブロックチェーンの基本コードを学習＠６</a:t>
           </a:r>
           <a:endParaRPr lang="zh-TW" altLang="en-US" sz="2200" dirty="0"/>
         </a:p>
@@ -1557,7 +1640,7 @@
   <dgm:whole/>
   <dgm:extLst>
     <a:ext uri="http://schemas.microsoft.com/office/drawing/2008/diagram">
-      <dsp:dataModelExt xmlns:dsp="http://schemas.microsoft.com/office/drawing/2008/diagram" relId="rId6" minVer="http://schemas.openxmlformats.org/drawingml/2006/diagram"/>
+      <dsp:dataModelExt xmlns:dsp="http://schemas.microsoft.com/office/drawing/2008/diagram" relId="rId7" minVer="http://schemas.openxmlformats.org/drawingml/2006/diagram"/>
     </a:ext>
   </dgm:extLst>
 </dgm:dataModel>
@@ -1579,7 +1662,7 @@
       <dsp:spPr>
         <a:xfrm>
           <a:off x="0" y="0"/>
-          <a:ext cx="8884921" cy="705788"/>
+          <a:ext cx="9387839" cy="839238"/>
         </a:xfrm>
         <a:prstGeom prst="roundRect">
           <a:avLst>
@@ -1721,8 +1804,8 @@
         </a:p>
       </dsp:txBody>
       <dsp:txXfrm>
-        <a:off x="20672" y="20672"/>
-        <a:ext cx="8040742" cy="664444"/>
+        <a:off x="24580" y="24580"/>
+        <a:ext cx="8384045" cy="790078"/>
       </dsp:txXfrm>
     </dsp:sp>
     <dsp:sp modelId="{374E5E08-6AF1-2340-A7B2-A1ED59DEA5B1}">
@@ -1732,8 +1815,8 @@
       </dsp:nvSpPr>
       <dsp:spPr>
         <a:xfrm>
-          <a:off x="663484" y="803814"/>
-          <a:ext cx="8884921" cy="705788"/>
+          <a:off x="701039" y="955798"/>
+          <a:ext cx="9387839" cy="839238"/>
         </a:xfrm>
         <a:prstGeom prst="roundRect">
           <a:avLst>
@@ -1815,8 +1898,8 @@
         </a:p>
       </dsp:txBody>
       <dsp:txXfrm>
-        <a:off x="684156" y="824486"/>
-        <a:ext cx="7721330" cy="664444"/>
+        <a:off x="725619" y="980378"/>
+        <a:ext cx="8092134" cy="790078"/>
       </dsp:txXfrm>
     </dsp:sp>
     <dsp:sp modelId="{D1E0279E-0B7D-4A46-915D-58A666877C65}">
@@ -1826,8 +1909,8 @@
       </dsp:nvSpPr>
       <dsp:spPr>
         <a:xfrm>
-          <a:off x="1326968" y="1607629"/>
-          <a:ext cx="8884921" cy="705788"/>
+          <a:off x="1402079" y="1911597"/>
+          <a:ext cx="9387839" cy="839238"/>
         </a:xfrm>
         <a:prstGeom prst="roundRect">
           <a:avLst>
@@ -1871,12 +1954,12 @@
         </a:fontRef>
       </dsp:style>
       <dsp:txBody>
-        <a:bodyPr spcFirstLastPara="0" vert="horz" wrap="square" lIns="83820" tIns="83820" rIns="83820" bIns="83820" numCol="1" spcCol="1270" anchor="ctr" anchorCtr="0">
+        <a:bodyPr spcFirstLastPara="0" vert="horz" wrap="square" lIns="76200" tIns="76200" rIns="76200" bIns="76200" numCol="1" spcCol="1270" anchor="ctr" anchorCtr="0">
           <a:noAutofit/>
         </a:bodyPr>
         <a:lstStyle/>
         <a:p>
-          <a:pPr marL="0" lvl="0" indent="0" algn="ctr" defTabSz="977900">
+          <a:pPr marL="0" lvl="0" indent="0" algn="r" defTabSz="889000">
             <a:lnSpc>
               <a:spcPct val="90000"/>
             </a:lnSpc>
@@ -1889,70 +1972,153 @@
             <a:buNone/>
           </a:pPr>
           <a:r>
-            <a:rPr lang="zh-HK" altLang="en-US" sz="2200" b="0" i="0" kern="1200" dirty="0">
+            <a:rPr lang="zh-HK" altLang="en-US" sz="2000" b="0" i="0" kern="1200" dirty="0">
               <a:latin typeface="Meiryo UI" panose="020B0604030504040204" pitchFamily="34" charset="-128"/>
               <a:ea typeface="Meiryo UI" panose="020B0604030504040204" pitchFamily="34" charset="-128"/>
             </a:rPr>
-            <a:t>論文は資料</a:t>
+            <a:t>論文で資料</a:t>
           </a:r>
           <a:r>
-            <a:rPr lang="ja-JP" altLang="en-US" sz="2200" b="0" i="0" kern="1200">
+            <a:rPr lang="ja-JP" altLang="en-US" sz="2000" b="0" i="0" kern="1200">
               <a:latin typeface="Meiryo UI" panose="020B0604030504040204" pitchFamily="34" charset="-128"/>
               <a:ea typeface="Meiryo UI" panose="020B0604030504040204" pitchFamily="34" charset="-128"/>
             </a:rPr>
             <a:t>を</a:t>
           </a:r>
           <a:r>
-            <a:rPr lang="zh-HK" altLang="en-US" sz="2200" b="0" i="0" kern="1200" dirty="0">
+            <a:rPr lang="zh-HK" altLang="en-US" sz="2000" b="0" i="0" kern="1200" dirty="0">
               <a:latin typeface="Meiryo UI" panose="020B0604030504040204" pitchFamily="34" charset="-128"/>
               <a:ea typeface="Meiryo UI" panose="020B0604030504040204" pitchFamily="34" charset="-128"/>
             </a:rPr>
             <a:t>確保</a:t>
           </a:r>
           <a:r>
-            <a:rPr lang="ja-JP" altLang="en-US" sz="2200" b="0" i="0" kern="1200">
+            <a:rPr lang="ja-JP" altLang="en-US" sz="2000" b="0" i="0" kern="1200">
               <a:latin typeface="Meiryo UI" panose="020B0604030504040204" pitchFamily="34" charset="-128"/>
               <a:ea typeface="Meiryo UI" panose="020B0604030504040204" pitchFamily="34" charset="-128"/>
             </a:rPr>
-            <a:t>できるために</a:t>
+            <a:t>できるためにドメイン</a:t>
           </a:r>
           <a:r>
-            <a:rPr lang="zh-HK" altLang="en-US" sz="2200" b="0" i="0" kern="1200" dirty="0">
+            <a:rPr lang="zh-TW" altLang="en-US" sz="2000" b="0" i="0" kern="1200" dirty="0">
               <a:latin typeface="Meiryo UI" panose="020B0604030504040204" pitchFamily="34" charset="-128"/>
               <a:ea typeface="Meiryo UI" panose="020B0604030504040204" pitchFamily="34" charset="-128"/>
             </a:rPr>
-            <a:t>言語（</a:t>
+            <a:t>固有言語</a:t>
           </a:r>
           <a:r>
-            <a:rPr lang="en-US" sz="2200" b="0" i="0" kern="1200" dirty="0">
+            <a:rPr lang="en-US" altLang="zh-TW" sz="2000" b="0" i="0" kern="1200" dirty="0">
               <a:latin typeface="Meiryo UI" panose="020B0604030504040204" pitchFamily="34" charset="-128"/>
               <a:ea typeface="Meiryo UI" panose="020B0604030504040204" pitchFamily="34" charset="-128"/>
             </a:rPr>
-            <a:t>DSL）</a:t>
+            <a:t>(</a:t>
           </a:r>
           <a:r>
-            <a:rPr lang="ja-JP" altLang="en-US" sz="2200" b="0" i="0" kern="1200">
+            <a:rPr lang="en-US" sz="2000" b="0" i="0" kern="1200" dirty="0">
+              <a:latin typeface="Meiryo UI" panose="020B0604030504040204" pitchFamily="34" charset="-128"/>
+              <a:ea typeface="Meiryo UI" panose="020B0604030504040204" pitchFamily="34" charset="-128"/>
+            </a:rPr>
+            <a:t>DSL</a:t>
+          </a:r>
+          <a:r>
+            <a:rPr lang="en-US" altLang="zh-TW" sz="2000" b="0" i="0" kern="1200" dirty="0">
+              <a:latin typeface="Meiryo UI" panose="020B0604030504040204" pitchFamily="34" charset="-128"/>
+              <a:ea typeface="Meiryo UI" panose="020B0604030504040204" pitchFamily="34" charset="-128"/>
+            </a:rPr>
+            <a:t>)</a:t>
+          </a:r>
+          <a:r>
+            <a:rPr lang="ja-JP" altLang="en-US" sz="2000" b="0" i="0" kern="1200">
               <a:latin typeface="Meiryo UI" panose="020B0604030504040204" pitchFamily="34" charset="-128"/>
               <a:ea typeface="Meiryo UI" panose="020B0604030504040204" pitchFamily="34" charset="-128"/>
             </a:rPr>
             <a:t>という</a:t>
           </a:r>
           <a:r>
-            <a:rPr lang="zh-HK" altLang="en-US" sz="2200" b="0" i="0" kern="1200" dirty="0">
+            <a:rPr lang="zh-HK" altLang="en-US" sz="2000" b="0" i="0" kern="1200" dirty="0">
               <a:latin typeface="Meiryo UI" panose="020B0604030504040204" pitchFamily="34" charset="-128"/>
               <a:ea typeface="Meiryo UI" panose="020B0604030504040204" pitchFamily="34" charset="-128"/>
             </a:rPr>
             <a:t>意見＠４</a:t>
           </a:r>
-          <a:endParaRPr lang="zh-TW" altLang="en-US" sz="2200" kern="1200" dirty="0">
+          <a:br>
+            <a:rPr lang="en-US" altLang="zh-HK" sz="2000" b="0" i="0" kern="1200" dirty="0">
+              <a:latin typeface="Meiryo UI" panose="020B0604030504040204" pitchFamily="34" charset="-128"/>
+              <a:ea typeface="Meiryo UI" panose="020B0604030504040204" pitchFamily="34" charset="-128"/>
+            </a:rPr>
+          </a:br>
+          <a:r>
+            <a:rPr lang="en-US" altLang="zh-HK" sz="2000" b="0" i="0" kern="1200" dirty="0">
+              <a:latin typeface="Meiryo UI" panose="020B0604030504040204" pitchFamily="34" charset="-128"/>
+              <a:ea typeface="Meiryo UI" panose="020B0604030504040204" pitchFamily="34" charset="-128"/>
+            </a:rPr>
+            <a:t>DSL</a:t>
+          </a:r>
+          <a:r>
+            <a:rPr lang="zh-HK" altLang="en-US" sz="2000" b="0" i="0" kern="1200" dirty="0">
+              <a:latin typeface="Meiryo UI" panose="020B0604030504040204" pitchFamily="34" charset="-128"/>
+              <a:ea typeface="Meiryo UI" panose="020B0604030504040204" pitchFamily="34" charset="-128"/>
+            </a:rPr>
+            <a:t>の例：</a:t>
+          </a:r>
+          <a:r>
+            <a:rPr lang="en-US" altLang="zh-HK" sz="2000" b="0" i="0" kern="1200" dirty="0">
+              <a:latin typeface="Meiryo UI" panose="020B0604030504040204" pitchFamily="34" charset="-128"/>
+              <a:ea typeface="Meiryo UI" panose="020B0604030504040204" pitchFamily="34" charset="-128"/>
+            </a:rPr>
+            <a:t>HTML</a:t>
+          </a:r>
+          <a:r>
+            <a:rPr lang="zh-HK" altLang="en-US" sz="2000" b="0" i="0" kern="1200" dirty="0">
+              <a:latin typeface="Meiryo UI" panose="020B0604030504040204" pitchFamily="34" charset="-128"/>
+              <a:ea typeface="Meiryo UI" panose="020B0604030504040204" pitchFamily="34" charset="-128"/>
+            </a:rPr>
+            <a:t>，</a:t>
+          </a:r>
+          <a:r>
+            <a:rPr lang="en-US" altLang="zh-HK" sz="2000" b="0" i="0" kern="1200" dirty="0">
+              <a:latin typeface="Meiryo UI" panose="020B0604030504040204" pitchFamily="34" charset="-128"/>
+              <a:ea typeface="Meiryo UI" panose="020B0604030504040204" pitchFamily="34" charset="-128"/>
+            </a:rPr>
+            <a:t>CSS</a:t>
+          </a:r>
+          <a:r>
+            <a:rPr lang="zh-HK" altLang="en-US" sz="2000" b="0" i="0" kern="1200" dirty="0">
+              <a:latin typeface="Meiryo UI" panose="020B0604030504040204" pitchFamily="34" charset="-128"/>
+              <a:ea typeface="Meiryo UI" panose="020B0604030504040204" pitchFamily="34" charset="-128"/>
+            </a:rPr>
+            <a:t>，</a:t>
+          </a:r>
+          <a:r>
+            <a:rPr lang="en-US" altLang="zh-HK" sz="2000" b="0" i="0" kern="1200" dirty="0">
+              <a:latin typeface="Meiryo UI" panose="020B0604030504040204" pitchFamily="34" charset="-128"/>
+              <a:ea typeface="Meiryo UI" panose="020B0604030504040204" pitchFamily="34" charset="-128"/>
+            </a:rPr>
+            <a:t>SVG</a:t>
+          </a:r>
+          <a:r>
+            <a:rPr lang="zh-HK" altLang="en-US" sz="2000" b="0" i="0" kern="1200" dirty="0">
+              <a:latin typeface="Meiryo UI" panose="020B0604030504040204" pitchFamily="34" charset="-128"/>
+              <a:ea typeface="Meiryo UI" panose="020B0604030504040204" pitchFamily="34" charset="-128"/>
+            </a:rPr>
+            <a:t>，</a:t>
+          </a:r>
+          <a:r>
+            <a:rPr lang="en-US" altLang="en-US" sz="2000" b="0" i="0" kern="1200" dirty="0">
+              <a:latin typeface="Meiryo UI" panose="020B0604030504040204" pitchFamily="34" charset="-128"/>
+              <a:ea typeface="Meiryo UI" panose="020B0604030504040204" pitchFamily="34" charset="-128"/>
+            </a:rPr>
+            <a:t>Unity Script</a:t>
+          </a:r>
+          <a:endParaRPr lang="zh-TW" altLang="en-US" sz="2000" kern="1200" dirty="0">
             <a:latin typeface="Meiryo UI" panose="020B0604030504040204" pitchFamily="34" charset="-128"/>
             <a:ea typeface="Meiryo UI" panose="020B0604030504040204" pitchFamily="34" charset="-128"/>
           </a:endParaRPr>
         </a:p>
       </dsp:txBody>
       <dsp:txXfrm>
-        <a:off x="1347640" y="1628301"/>
-        <a:ext cx="7721330" cy="664444"/>
+        <a:off x="1426659" y="1936177"/>
+        <a:ext cx="8092134" cy="790078"/>
       </dsp:txXfrm>
     </dsp:sp>
     <dsp:sp modelId="{BBBCF3DB-D71D-344A-984D-4735EDA8F9D5}">
@@ -1962,8 +2128,8 @@
       </dsp:nvSpPr>
       <dsp:spPr>
         <a:xfrm>
-          <a:off x="1990453" y="2411444"/>
-          <a:ext cx="8884921" cy="705788"/>
+          <a:off x="2103119" y="2867396"/>
+          <a:ext cx="9387839" cy="839238"/>
         </a:xfrm>
         <a:prstGeom prst="roundRect">
           <a:avLst>
@@ -2063,8 +2229,8 @@
         </a:p>
       </dsp:txBody>
       <dsp:txXfrm>
-        <a:off x="2011125" y="2432116"/>
-        <a:ext cx="7721330" cy="664444"/>
+        <a:off x="2127699" y="2891976"/>
+        <a:ext cx="8092134" cy="790078"/>
       </dsp:txXfrm>
     </dsp:sp>
     <dsp:sp modelId="{D276763F-24E8-9546-9981-DD4471FB9684}">
@@ -2074,8 +2240,8 @@
       </dsp:nvSpPr>
       <dsp:spPr>
         <a:xfrm>
-          <a:off x="2653937" y="3215259"/>
-          <a:ext cx="8884921" cy="705788"/>
+          <a:off x="2804159" y="3823195"/>
+          <a:ext cx="9387839" cy="839238"/>
         </a:xfrm>
         <a:prstGeom prst="roundRect">
           <a:avLst>
@@ -2148,14 +2314,14 @@
               <a:latin typeface="Meiryo UI" panose="020B0604030504040204" pitchFamily="34" charset="-128"/>
               <a:ea typeface="Meiryo UI" panose="020B0604030504040204" pitchFamily="34" charset="-128"/>
             </a:rPr>
-            <a:t>でブロックチェーンの基本コードを学習</a:t>
+            <a:t>でブロックチェーンの基本コードを学習＠６</a:t>
           </a:r>
           <a:endParaRPr lang="zh-TW" altLang="en-US" sz="2200" kern="1200" dirty="0"/>
         </a:p>
       </dsp:txBody>
       <dsp:txXfrm>
-        <a:off x="2674609" y="3235931"/>
-        <a:ext cx="7721330" cy="664444"/>
+        <a:off x="2828739" y="3847775"/>
+        <a:ext cx="8092134" cy="790078"/>
       </dsp:txXfrm>
     </dsp:sp>
     <dsp:sp modelId="{B0388D05-54B5-FE44-9375-47C1B3E127BA}">
@@ -2165,8 +2331,8 @@
       </dsp:nvSpPr>
       <dsp:spPr>
         <a:xfrm>
-          <a:off x="8426158" y="515617"/>
-          <a:ext cx="458762" cy="458762"/>
+          <a:off x="8842334" y="613110"/>
+          <a:ext cx="545504" cy="545504"/>
         </a:xfrm>
         <a:prstGeom prst="downArrow">
           <a:avLst>
@@ -2212,12 +2378,12 @@
         <a:fontRef idx="minor"/>
       </dsp:style>
       <dsp:txBody>
-        <a:bodyPr spcFirstLastPara="0" vert="horz" wrap="square" lIns="25400" tIns="25400" rIns="25400" bIns="25400" numCol="1" spcCol="1270" anchor="ctr" anchorCtr="0">
+        <a:bodyPr spcFirstLastPara="0" vert="horz" wrap="square" lIns="30480" tIns="30480" rIns="30480" bIns="30480" numCol="1" spcCol="1270" anchor="ctr" anchorCtr="0">
           <a:noAutofit/>
         </a:bodyPr>
         <a:lstStyle/>
         <a:p>
-          <a:pPr marL="0" lvl="0" indent="0" algn="ctr" defTabSz="889000">
+          <a:pPr marL="0" lvl="0" indent="0" algn="ctr" defTabSz="1066800">
             <a:lnSpc>
               <a:spcPct val="90000"/>
             </a:lnSpc>
@@ -2229,12 +2395,12 @@
             </a:spcAft>
             <a:buNone/>
           </a:pPr>
-          <a:endParaRPr lang="zh-TW" altLang="en-US" sz="2000" kern="1200"/>
+          <a:endParaRPr lang="zh-TW" altLang="en-US" sz="2400" kern="1200"/>
         </a:p>
       </dsp:txBody>
       <dsp:txXfrm>
-        <a:off x="8529379" y="515617"/>
-        <a:ext cx="252320" cy="345218"/>
+        <a:off x="8965072" y="613110"/>
+        <a:ext cx="300028" cy="410492"/>
       </dsp:txXfrm>
     </dsp:sp>
     <dsp:sp modelId="{89E79A14-C6F5-2B4B-B03B-720B6429821B}">
@@ -2244,8 +2410,8 @@
       </dsp:nvSpPr>
       <dsp:spPr>
         <a:xfrm>
-          <a:off x="9089643" y="1319432"/>
-          <a:ext cx="458762" cy="458762"/>
+          <a:off x="9543374" y="1568909"/>
+          <a:ext cx="545504" cy="545504"/>
         </a:xfrm>
         <a:prstGeom prst="downArrow">
           <a:avLst>
@@ -2291,12 +2457,12 @@
         <a:fontRef idx="minor"/>
       </dsp:style>
       <dsp:txBody>
-        <a:bodyPr spcFirstLastPara="0" vert="horz" wrap="square" lIns="25400" tIns="25400" rIns="25400" bIns="25400" numCol="1" spcCol="1270" anchor="ctr" anchorCtr="0">
+        <a:bodyPr spcFirstLastPara="0" vert="horz" wrap="square" lIns="30480" tIns="30480" rIns="30480" bIns="30480" numCol="1" spcCol="1270" anchor="ctr" anchorCtr="0">
           <a:noAutofit/>
         </a:bodyPr>
         <a:lstStyle/>
         <a:p>
-          <a:pPr marL="0" lvl="0" indent="0" algn="ctr" defTabSz="889000">
+          <a:pPr marL="0" lvl="0" indent="0" algn="ctr" defTabSz="1066800">
             <a:lnSpc>
               <a:spcPct val="90000"/>
             </a:lnSpc>
@@ -2308,12 +2474,12 @@
             </a:spcAft>
             <a:buNone/>
           </a:pPr>
-          <a:endParaRPr lang="zh-TW" altLang="en-US" sz="2000" kern="1200"/>
+          <a:endParaRPr lang="zh-TW" altLang="en-US" sz="2400" kern="1200"/>
         </a:p>
       </dsp:txBody>
       <dsp:txXfrm>
-        <a:off x="9192864" y="1319432"/>
-        <a:ext cx="252320" cy="345218"/>
+        <a:off x="9666112" y="1568909"/>
+        <a:ext cx="300028" cy="410492"/>
       </dsp:txXfrm>
     </dsp:sp>
     <dsp:sp modelId="{6CB7D3DF-ED30-C744-8EF9-574F4A7A0C95}">
@@ -2323,8 +2489,8 @@
       </dsp:nvSpPr>
       <dsp:spPr>
         <a:xfrm>
-          <a:off x="9753127" y="2111484"/>
-          <a:ext cx="458762" cy="458762"/>
+          <a:off x="10244414" y="2510720"/>
+          <a:ext cx="545504" cy="545504"/>
         </a:xfrm>
         <a:prstGeom prst="downArrow">
           <a:avLst>
@@ -2370,12 +2536,12 @@
         <a:fontRef idx="minor"/>
       </dsp:style>
       <dsp:txBody>
-        <a:bodyPr spcFirstLastPara="0" vert="horz" wrap="square" lIns="25400" tIns="25400" rIns="25400" bIns="25400" numCol="1" spcCol="1270" anchor="ctr" anchorCtr="0">
+        <a:bodyPr spcFirstLastPara="0" vert="horz" wrap="square" lIns="30480" tIns="30480" rIns="30480" bIns="30480" numCol="1" spcCol="1270" anchor="ctr" anchorCtr="0">
           <a:noAutofit/>
         </a:bodyPr>
         <a:lstStyle/>
         <a:p>
-          <a:pPr marL="0" lvl="0" indent="0" algn="ctr" defTabSz="889000">
+          <a:pPr marL="0" lvl="0" indent="0" algn="ctr" defTabSz="1066800">
             <a:lnSpc>
               <a:spcPct val="90000"/>
             </a:lnSpc>
@@ -2387,12 +2553,12 @@
             </a:spcAft>
             <a:buNone/>
           </a:pPr>
-          <a:endParaRPr lang="zh-TW" altLang="en-US" sz="2000" kern="1200"/>
+          <a:endParaRPr lang="zh-TW" altLang="en-US" sz="2400" kern="1200"/>
         </a:p>
       </dsp:txBody>
       <dsp:txXfrm>
-        <a:off x="9856348" y="2111484"/>
-        <a:ext cx="252320" cy="345218"/>
+        <a:off x="10367152" y="2510720"/>
+        <a:ext cx="300028" cy="410492"/>
       </dsp:txXfrm>
     </dsp:sp>
     <dsp:sp modelId="{F41A6DE8-C852-9946-B7D5-255DFED1346B}">
@@ -2402,8 +2568,8 @@
       </dsp:nvSpPr>
       <dsp:spPr>
         <a:xfrm>
-          <a:off x="10416611" y="2923141"/>
-          <a:ext cx="458762" cy="458762"/>
+          <a:off x="10945454" y="3475844"/>
+          <a:ext cx="545504" cy="545504"/>
         </a:xfrm>
         <a:prstGeom prst="downArrow">
           <a:avLst>
@@ -2449,12 +2615,12 @@
         <a:fontRef idx="minor"/>
       </dsp:style>
       <dsp:txBody>
-        <a:bodyPr spcFirstLastPara="0" vert="horz" wrap="square" lIns="25400" tIns="25400" rIns="25400" bIns="25400" numCol="1" spcCol="1270" anchor="ctr" anchorCtr="0">
+        <a:bodyPr spcFirstLastPara="0" vert="horz" wrap="square" lIns="30480" tIns="30480" rIns="30480" bIns="30480" numCol="1" spcCol="1270" anchor="ctr" anchorCtr="0">
           <a:noAutofit/>
         </a:bodyPr>
         <a:lstStyle/>
         <a:p>
-          <a:pPr marL="0" lvl="0" indent="0" algn="ctr" defTabSz="889000">
+          <a:pPr marL="0" lvl="0" indent="0" algn="ctr" defTabSz="1066800">
             <a:lnSpc>
               <a:spcPct val="90000"/>
             </a:lnSpc>
@@ -2466,12 +2632,12 @@
             </a:spcAft>
             <a:buNone/>
           </a:pPr>
-          <a:endParaRPr lang="zh-TW" altLang="en-US" sz="2000" kern="1200"/>
+          <a:endParaRPr lang="zh-TW" altLang="en-US" sz="2400" kern="1200"/>
         </a:p>
       </dsp:txBody>
       <dsp:txXfrm>
-        <a:off x="10519832" y="2923141"/>
-        <a:ext cx="252320" cy="345218"/>
+        <a:off x="11068192" y="3475844"/>
+        <a:ext cx="300028" cy="410492"/>
       </dsp:txXfrm>
     </dsp:sp>
   </dsp:spTree>
@@ -4820,7 +4986,7 @@
           <a:p>
             <a:fld id="{A25B1EB1-CDC4-F948-A361-2ADBE5BAC4B6}" type="datetimeFigureOut">
               <a:rPr kumimoji="1" lang="zh-HK" altLang="en-US" smtClean="0"/>
-              <a:t>23/05/24</a:t>
+              <a:t>24/05/24</a:t>
             </a:fld>
             <a:endParaRPr kumimoji="1" lang="zh-HK" altLang="en-US"/>
           </a:p>
@@ -5088,6 +5254,548 @@
 </p:notesMaster>
 </file>
 
+<file path=ppt/notesSlides/notesSlide1.xml><?xml version="1.0" encoding="utf-8"?>
+<p:notes xmlns:a="http://schemas.openxmlformats.org/drawingml/2006/main" xmlns:r="http://schemas.openxmlformats.org/officeDocument/2006/relationships" xmlns:p="http://schemas.openxmlformats.org/presentationml/2006/main">
+  <p:cSld>
+    <p:spTree>
+      <p:nvGrpSpPr>
+        <p:cNvPr id="1" name=""/>
+        <p:cNvGrpSpPr/>
+        <p:nvPr/>
+      </p:nvGrpSpPr>
+      <p:grpSpPr>
+        <a:xfrm>
+          <a:off x="0" y="0"/>
+          <a:ext cx="0" cy="0"/>
+          <a:chOff x="0" y="0"/>
+          <a:chExt cx="0" cy="0"/>
+        </a:xfrm>
+      </p:grpSpPr>
+      <p:sp>
+        <p:nvSpPr>
+          <p:cNvPr id="2" name="投影片影像版面配置區 1"/>
+          <p:cNvSpPr>
+            <a:spLocks noGrp="1" noRot="1" noChangeAspect="1"/>
+          </p:cNvSpPr>
+          <p:nvPr>
+            <p:ph type="sldImg"/>
+          </p:nvPr>
+        </p:nvSpPr>
+        <p:spPr/>
+      </p:sp>
+      <p:sp>
+        <p:nvSpPr>
+          <p:cNvPr id="3" name="備忘稿版面配置區 2"/>
+          <p:cNvSpPr>
+            <a:spLocks noGrp="1"/>
+          </p:cNvSpPr>
+          <p:nvPr>
+            <p:ph type="body" idx="1"/>
+          </p:nvPr>
+        </p:nvSpPr>
+        <p:spPr/>
+        <p:txBody>
+          <a:bodyPr/>
+          <a:lstStyle/>
+          <a:p>
+            <a:endParaRPr lang="ja-JP" altLang="en-US" sz="2400"/>
+          </a:p>
+          <a:p>
+            <a:r>
+              <a:rPr lang="ja-JP" altLang="en-US" sz="1200" kern="100">
+                <a:effectLst/>
+                <a:latin typeface="Yu Mincho" panose="02020400000000000000" pitchFamily="18" charset="-128"/>
+                <a:ea typeface="Meiryo UI" panose="020B0604030504040204" pitchFamily="34" charset="-128"/>
+                <a:cs typeface="Times New Roman" panose="02020603050405020304" pitchFamily="18" charset="0"/>
+              </a:rPr>
+              <a:t>漏洩（ろうえい）</a:t>
+            </a:r>
+            <a:br>
+              <a:rPr lang="en-US" altLang="ja-JP" sz="1200" kern="100" dirty="0">
+                <a:effectLst/>
+                <a:latin typeface="Yu Mincho" panose="02020400000000000000" pitchFamily="18" charset="-128"/>
+                <a:ea typeface="Meiryo UI" panose="020B0604030504040204" pitchFamily="34" charset="-128"/>
+                <a:cs typeface="Times New Roman" panose="02020603050405020304" pitchFamily="18" charset="0"/>
+              </a:rPr>
+            </a:br>
+            <a:r>
+              <a:rPr lang="zh-HK" altLang="en-US" sz="1200" kern="100" dirty="0">
+                <a:effectLst/>
+                <a:latin typeface="Yu Mincho" panose="02020400000000000000" pitchFamily="18" charset="-128"/>
+                <a:ea typeface="Meiryo UI" panose="020B0604030504040204" pitchFamily="34" charset="-128"/>
+                <a:cs typeface="Times New Roman" panose="02020603050405020304" pitchFamily="18" charset="0"/>
+              </a:rPr>
+              <a:t>多発（たはつ）</a:t>
+            </a:r>
+            <a:br>
+              <a:rPr lang="en-US" altLang="zh-HK" sz="1200" kern="100" dirty="0">
+                <a:effectLst/>
+                <a:latin typeface="Yu Mincho" panose="02020400000000000000" pitchFamily="18" charset="-128"/>
+                <a:ea typeface="Meiryo UI" panose="020B0604030504040204" pitchFamily="34" charset="-128"/>
+                <a:cs typeface="Times New Roman" panose="02020603050405020304" pitchFamily="18" charset="0"/>
+              </a:rPr>
+            </a:br>
+            <a:r>
+              <a:rPr lang="zh-HK" altLang="en-US" sz="1200" kern="100" dirty="0">
+                <a:effectLst/>
+                <a:latin typeface="Yu Mincho" panose="02020400000000000000" pitchFamily="18" charset="-128"/>
+                <a:ea typeface="Meiryo UI" panose="020B0604030504040204" pitchFamily="34" charset="-128"/>
+                <a:cs typeface="Times New Roman" panose="02020603050405020304" pitchFamily="18" charset="0"/>
+              </a:rPr>
+              <a:t>普及（ふきゅう）</a:t>
+            </a:r>
+            <a:endParaRPr kumimoji="1" lang="zh-HK" altLang="en-US" dirty="0"/>
+          </a:p>
+        </p:txBody>
+      </p:sp>
+      <p:sp>
+        <p:nvSpPr>
+          <p:cNvPr id="4" name="投影片編號版面配置區 3"/>
+          <p:cNvSpPr>
+            <a:spLocks noGrp="1"/>
+          </p:cNvSpPr>
+          <p:nvPr>
+            <p:ph type="sldNum" sz="quarter" idx="5"/>
+          </p:nvPr>
+        </p:nvSpPr>
+        <p:spPr/>
+        <p:txBody>
+          <a:bodyPr/>
+          <a:lstStyle/>
+          <a:p>
+            <a:fld id="{8102099C-06F5-764E-8D8C-32B506B98079}" type="slidenum">
+              <a:rPr kumimoji="1" lang="zh-HK" altLang="en-US" smtClean="0"/>
+              <a:t>2</a:t>
+            </a:fld>
+            <a:endParaRPr kumimoji="1" lang="zh-HK" altLang="en-US"/>
+          </a:p>
+        </p:txBody>
+      </p:sp>
+    </p:spTree>
+    <p:extLst>
+      <p:ext uri="{BB962C8B-B14F-4D97-AF65-F5344CB8AC3E}">
+        <p14:creationId xmlns:p14="http://schemas.microsoft.com/office/powerpoint/2010/main" val="2409882995"/>
+      </p:ext>
+    </p:extLst>
+  </p:cSld>
+  <p:clrMapOvr>
+    <a:masterClrMapping/>
+  </p:clrMapOvr>
+</p:notes>
+</file>
+
+<file path=ppt/notesSlides/notesSlide2.xml><?xml version="1.0" encoding="utf-8"?>
+<p:notes xmlns:a="http://schemas.openxmlformats.org/drawingml/2006/main" xmlns:r="http://schemas.openxmlformats.org/officeDocument/2006/relationships" xmlns:p="http://schemas.openxmlformats.org/presentationml/2006/main">
+  <p:cSld>
+    <p:spTree>
+      <p:nvGrpSpPr>
+        <p:cNvPr id="1" name=""/>
+        <p:cNvGrpSpPr/>
+        <p:nvPr/>
+      </p:nvGrpSpPr>
+      <p:grpSpPr>
+        <a:xfrm>
+          <a:off x="0" y="0"/>
+          <a:ext cx="0" cy="0"/>
+          <a:chOff x="0" y="0"/>
+          <a:chExt cx="0" cy="0"/>
+        </a:xfrm>
+      </p:grpSpPr>
+      <p:sp>
+        <p:nvSpPr>
+          <p:cNvPr id="2" name="投影片影像版面配置區 1"/>
+          <p:cNvSpPr>
+            <a:spLocks noGrp="1" noRot="1" noChangeAspect="1"/>
+          </p:cNvSpPr>
+          <p:nvPr>
+            <p:ph type="sldImg"/>
+          </p:nvPr>
+        </p:nvSpPr>
+        <p:spPr/>
+      </p:sp>
+      <p:sp>
+        <p:nvSpPr>
+          <p:cNvPr id="3" name="備忘稿版面配置區 2"/>
+          <p:cNvSpPr>
+            <a:spLocks noGrp="1"/>
+          </p:cNvSpPr>
+          <p:nvPr>
+            <p:ph type="body" idx="1"/>
+          </p:nvPr>
+        </p:nvSpPr>
+        <p:spPr/>
+        <p:txBody>
+          <a:bodyPr/>
+          <a:lstStyle/>
+          <a:p>
+            <a:pPr marL="0" marR="0" lvl="0" indent="0" algn="l" defTabSz="914400" rtl="0" eaLnBrk="1" fontAlgn="auto" latinLnBrk="0" hangingPunct="1">
+              <a:lnSpc>
+                <a:spcPct val="100000"/>
+              </a:lnSpc>
+              <a:spcBef>
+                <a:spcPts val="0"/>
+              </a:spcBef>
+              <a:spcAft>
+                <a:spcPts val="0"/>
+              </a:spcAft>
+              <a:buClrTx/>
+              <a:buSzTx/>
+              <a:buFontTx/>
+              <a:buNone/>
+              <a:tabLst/>
+              <a:defRPr/>
+            </a:pPr>
+            <a:r>
+              <a:rPr lang="zh-HK" altLang="en-US" sz="1200" b="0" i="0" dirty="0">
+                <a:latin typeface="Meiryo UI" panose="020B0604030504040204" pitchFamily="34" charset="-128"/>
+                <a:ea typeface="Meiryo UI" panose="020B0604030504040204" pitchFamily="34" charset="-128"/>
+              </a:rPr>
+              <a:t>脆弱性</a:t>
+            </a:r>
+            <a:r>
+              <a:rPr kumimoji="1" lang="zh-HK" altLang="en-US" sz="1200" b="0" i="0" dirty="0">
+                <a:latin typeface="Meiryo UI" panose="020B0604030504040204" pitchFamily="34" charset="-128"/>
+                <a:ea typeface="Meiryo UI" panose="020B0604030504040204" pitchFamily="34" charset="-128"/>
+              </a:rPr>
+              <a:t>（ぜっじゃくせい）</a:t>
+            </a:r>
+            <a:br>
+              <a:rPr kumimoji="1" lang="en-US" altLang="zh-HK" sz="1200" b="0" i="0" dirty="0">
+                <a:latin typeface="Meiryo UI" panose="020B0604030504040204" pitchFamily="34" charset="-128"/>
+                <a:ea typeface="Meiryo UI" panose="020B0604030504040204" pitchFamily="34" charset="-128"/>
+              </a:rPr>
+            </a:br>
+            <a:r>
+              <a:rPr kumimoji="1" lang="zh-HK" altLang="en-US" sz="1200" b="0" i="0" dirty="0">
+                <a:latin typeface="Meiryo UI" panose="020B0604030504040204" pitchFamily="34" charset="-128"/>
+                <a:ea typeface="Meiryo UI" panose="020B0604030504040204" pitchFamily="34" charset="-128"/>
+              </a:rPr>
+              <a:t>固有（こゆう）</a:t>
+            </a:r>
+            <a:endParaRPr lang="zh-TW" altLang="en-US" dirty="0"/>
+          </a:p>
+        </p:txBody>
+      </p:sp>
+      <p:sp>
+        <p:nvSpPr>
+          <p:cNvPr id="4" name="投影片編號版面配置區 3"/>
+          <p:cNvSpPr>
+            <a:spLocks noGrp="1"/>
+          </p:cNvSpPr>
+          <p:nvPr>
+            <p:ph type="sldNum" sz="quarter" idx="5"/>
+          </p:nvPr>
+        </p:nvSpPr>
+        <p:spPr/>
+        <p:txBody>
+          <a:bodyPr/>
+          <a:lstStyle/>
+          <a:p>
+            <a:fld id="{8102099C-06F5-764E-8D8C-32B506B98079}" type="slidenum">
+              <a:rPr kumimoji="1" lang="zh-HK" altLang="en-US" smtClean="0"/>
+              <a:t>4</a:t>
+            </a:fld>
+            <a:endParaRPr kumimoji="1" lang="zh-HK" altLang="en-US"/>
+          </a:p>
+        </p:txBody>
+      </p:sp>
+    </p:spTree>
+    <p:extLst>
+      <p:ext uri="{BB962C8B-B14F-4D97-AF65-F5344CB8AC3E}">
+        <p14:creationId xmlns:p14="http://schemas.microsoft.com/office/powerpoint/2010/main" val="3826641515"/>
+      </p:ext>
+    </p:extLst>
+  </p:cSld>
+  <p:clrMapOvr>
+    <a:masterClrMapping/>
+  </p:clrMapOvr>
+</p:notes>
+</file>
+
+<file path=ppt/notesSlides/notesSlide3.xml><?xml version="1.0" encoding="utf-8"?>
+<p:notes xmlns:a="http://schemas.openxmlformats.org/drawingml/2006/main" xmlns:r="http://schemas.openxmlformats.org/officeDocument/2006/relationships" xmlns:p="http://schemas.openxmlformats.org/presentationml/2006/main">
+  <p:cSld>
+    <p:spTree>
+      <p:nvGrpSpPr>
+        <p:cNvPr id="1" name=""/>
+        <p:cNvGrpSpPr/>
+        <p:nvPr/>
+      </p:nvGrpSpPr>
+      <p:grpSpPr>
+        <a:xfrm>
+          <a:off x="0" y="0"/>
+          <a:ext cx="0" cy="0"/>
+          <a:chOff x="0" y="0"/>
+          <a:chExt cx="0" cy="0"/>
+        </a:xfrm>
+      </p:grpSpPr>
+      <p:sp>
+        <p:nvSpPr>
+          <p:cNvPr id="2" name="投影片影像版面配置區 1"/>
+          <p:cNvSpPr>
+            <a:spLocks noGrp="1" noRot="1" noChangeAspect="1"/>
+          </p:cNvSpPr>
+          <p:nvPr>
+            <p:ph type="sldImg"/>
+          </p:nvPr>
+        </p:nvSpPr>
+        <p:spPr/>
+      </p:sp>
+      <p:sp>
+        <p:nvSpPr>
+          <p:cNvPr id="3" name="備忘稿版面配置區 2"/>
+          <p:cNvSpPr>
+            <a:spLocks noGrp="1"/>
+          </p:cNvSpPr>
+          <p:nvPr>
+            <p:ph type="body" idx="1"/>
+          </p:nvPr>
+        </p:nvSpPr>
+        <p:spPr/>
+        <p:txBody>
+          <a:bodyPr/>
+          <a:lstStyle/>
+          <a:p>
+            <a:endParaRPr kumimoji="1" lang="zh-HK" altLang="en-US" dirty="0"/>
+          </a:p>
+        </p:txBody>
+      </p:sp>
+      <p:sp>
+        <p:nvSpPr>
+          <p:cNvPr id="4" name="投影片編號版面配置區 3"/>
+          <p:cNvSpPr>
+            <a:spLocks noGrp="1"/>
+          </p:cNvSpPr>
+          <p:nvPr>
+            <p:ph type="sldNum" sz="quarter" idx="5"/>
+          </p:nvPr>
+        </p:nvSpPr>
+        <p:spPr/>
+        <p:txBody>
+          <a:bodyPr/>
+          <a:lstStyle/>
+          <a:p>
+            <a:fld id="{8102099C-06F5-764E-8D8C-32B506B98079}" type="slidenum">
+              <a:rPr kumimoji="1" lang="zh-HK" altLang="en-US" smtClean="0"/>
+              <a:t>5</a:t>
+            </a:fld>
+            <a:endParaRPr kumimoji="1" lang="zh-HK" altLang="en-US"/>
+          </a:p>
+        </p:txBody>
+      </p:sp>
+    </p:spTree>
+    <p:extLst>
+      <p:ext uri="{BB962C8B-B14F-4D97-AF65-F5344CB8AC3E}">
+        <p14:creationId xmlns:p14="http://schemas.microsoft.com/office/powerpoint/2010/main" val="1996949228"/>
+      </p:ext>
+    </p:extLst>
+  </p:cSld>
+  <p:clrMapOvr>
+    <a:masterClrMapping/>
+  </p:clrMapOvr>
+</p:notes>
+</file>
+
+<file path=ppt/notesSlides/notesSlide4.xml><?xml version="1.0" encoding="utf-8"?>
+<p:notes xmlns:a="http://schemas.openxmlformats.org/drawingml/2006/main" xmlns:r="http://schemas.openxmlformats.org/officeDocument/2006/relationships" xmlns:p="http://schemas.openxmlformats.org/presentationml/2006/main">
+  <p:cSld>
+    <p:spTree>
+      <p:nvGrpSpPr>
+        <p:cNvPr id="1" name=""/>
+        <p:cNvGrpSpPr/>
+        <p:nvPr/>
+      </p:nvGrpSpPr>
+      <p:grpSpPr>
+        <a:xfrm>
+          <a:off x="0" y="0"/>
+          <a:ext cx="0" cy="0"/>
+          <a:chOff x="0" y="0"/>
+          <a:chExt cx="0" cy="0"/>
+        </a:xfrm>
+      </p:grpSpPr>
+      <p:sp>
+        <p:nvSpPr>
+          <p:cNvPr id="2" name="投影片影像版面配置區 1"/>
+          <p:cNvSpPr>
+            <a:spLocks noGrp="1" noRot="1" noChangeAspect="1"/>
+          </p:cNvSpPr>
+          <p:nvPr>
+            <p:ph type="sldImg"/>
+          </p:nvPr>
+        </p:nvSpPr>
+        <p:spPr/>
+      </p:sp>
+      <p:sp>
+        <p:nvSpPr>
+          <p:cNvPr id="3" name="備忘稿版面配置區 2"/>
+          <p:cNvSpPr>
+            <a:spLocks noGrp="1"/>
+          </p:cNvSpPr>
+          <p:nvPr>
+            <p:ph type="body" idx="1"/>
+          </p:nvPr>
+        </p:nvSpPr>
+        <p:spPr/>
+        <p:txBody>
+          <a:bodyPr/>
+          <a:lstStyle/>
+          <a:p>
+            <a:endParaRPr kumimoji="1" lang="zh-HK" altLang="en-US" dirty="0"/>
+          </a:p>
+        </p:txBody>
+      </p:sp>
+      <p:sp>
+        <p:nvSpPr>
+          <p:cNvPr id="4" name="投影片編號版面配置區 3"/>
+          <p:cNvSpPr>
+            <a:spLocks noGrp="1"/>
+          </p:cNvSpPr>
+          <p:nvPr>
+            <p:ph type="sldNum" sz="quarter" idx="5"/>
+          </p:nvPr>
+        </p:nvSpPr>
+        <p:spPr/>
+        <p:txBody>
+          <a:bodyPr/>
+          <a:lstStyle/>
+          <a:p>
+            <a:fld id="{8102099C-06F5-764E-8D8C-32B506B98079}" type="slidenum">
+              <a:rPr kumimoji="1" lang="zh-HK" altLang="en-US" smtClean="0"/>
+              <a:t>6</a:t>
+            </a:fld>
+            <a:endParaRPr kumimoji="1" lang="zh-HK" altLang="en-US"/>
+          </a:p>
+        </p:txBody>
+      </p:sp>
+    </p:spTree>
+    <p:extLst>
+      <p:ext uri="{BB962C8B-B14F-4D97-AF65-F5344CB8AC3E}">
+        <p14:creationId xmlns:p14="http://schemas.microsoft.com/office/powerpoint/2010/main" val="685389607"/>
+      </p:ext>
+    </p:extLst>
+  </p:cSld>
+  <p:clrMapOvr>
+    <a:masterClrMapping/>
+  </p:clrMapOvr>
+</p:notes>
+</file>
+
+<file path=ppt/notesSlides/notesSlide5.xml><?xml version="1.0" encoding="utf-8"?>
+<p:notes xmlns:a="http://schemas.openxmlformats.org/drawingml/2006/main" xmlns:r="http://schemas.openxmlformats.org/officeDocument/2006/relationships" xmlns:p="http://schemas.openxmlformats.org/presentationml/2006/main">
+  <p:cSld>
+    <p:spTree>
+      <p:nvGrpSpPr>
+        <p:cNvPr id="1" name=""/>
+        <p:cNvGrpSpPr/>
+        <p:nvPr/>
+      </p:nvGrpSpPr>
+      <p:grpSpPr>
+        <a:xfrm>
+          <a:off x="0" y="0"/>
+          <a:ext cx="0" cy="0"/>
+          <a:chOff x="0" y="0"/>
+          <a:chExt cx="0" cy="0"/>
+        </a:xfrm>
+      </p:grpSpPr>
+      <p:sp>
+        <p:nvSpPr>
+          <p:cNvPr id="2" name="投影片影像版面配置區 1"/>
+          <p:cNvSpPr>
+            <a:spLocks noGrp="1" noRot="1" noChangeAspect="1"/>
+          </p:cNvSpPr>
+          <p:nvPr>
+            <p:ph type="sldImg"/>
+          </p:nvPr>
+        </p:nvSpPr>
+        <p:spPr/>
+      </p:sp>
+      <p:sp>
+        <p:nvSpPr>
+          <p:cNvPr id="3" name="備忘稿版面配置區 2"/>
+          <p:cNvSpPr>
+            <a:spLocks noGrp="1"/>
+          </p:cNvSpPr>
+          <p:nvPr>
+            <p:ph type="body" idx="1"/>
+          </p:nvPr>
+        </p:nvSpPr>
+        <p:spPr/>
+        <p:txBody>
+          <a:bodyPr/>
+          <a:lstStyle/>
+          <a:p>
+            <a:pPr marL="0" marR="0" lvl="0" indent="0" algn="l" defTabSz="914400" rtl="0" eaLnBrk="1" fontAlgn="auto" latinLnBrk="0" hangingPunct="1">
+              <a:lnSpc>
+                <a:spcPct val="100000"/>
+              </a:lnSpc>
+              <a:spcBef>
+                <a:spcPts val="0"/>
+              </a:spcBef>
+              <a:spcAft>
+                <a:spcPts val="0"/>
+              </a:spcAft>
+              <a:buClrTx/>
+              <a:buSzTx/>
+              <a:buFontTx/>
+              <a:buNone/>
+              <a:tabLst/>
+              <a:defRPr/>
+            </a:pPr>
+            <a:r>
+              <a:rPr lang="en-US" altLang="zh-HK" b="1" i="0" dirty="0">
+                <a:solidFill>
+                  <a:srgbClr val="F1F1F1"/>
+                </a:solidFill>
+                <a:effectLst/>
+                <a:highlight>
+                  <a:srgbClr val="0F0F0F"/>
+                </a:highlight>
+                <a:latin typeface="Roboto" panose="02000000000000000000" pitchFamily="2" charset="0"/>
+              </a:rPr>
+              <a:t>Building a Blockchain with Go</a:t>
+            </a:r>
+          </a:p>
+          <a:p>
+            <a:endParaRPr kumimoji="1" lang="zh-HK" altLang="en-US" dirty="0"/>
+          </a:p>
+        </p:txBody>
+      </p:sp>
+      <p:sp>
+        <p:nvSpPr>
+          <p:cNvPr id="4" name="投影片編號版面配置區 3"/>
+          <p:cNvSpPr>
+            <a:spLocks noGrp="1"/>
+          </p:cNvSpPr>
+          <p:nvPr>
+            <p:ph type="sldNum" sz="quarter" idx="5"/>
+          </p:nvPr>
+        </p:nvSpPr>
+        <p:spPr/>
+        <p:txBody>
+          <a:bodyPr/>
+          <a:lstStyle/>
+          <a:p>
+            <a:fld id="{8102099C-06F5-764E-8D8C-32B506B98079}" type="slidenum">
+              <a:rPr kumimoji="1" lang="zh-HK" altLang="en-US" smtClean="0"/>
+              <a:t>7</a:t>
+            </a:fld>
+            <a:endParaRPr kumimoji="1" lang="zh-HK" altLang="en-US"/>
+          </a:p>
+        </p:txBody>
+      </p:sp>
+    </p:spTree>
+    <p:extLst>
+      <p:ext uri="{BB962C8B-B14F-4D97-AF65-F5344CB8AC3E}">
+        <p14:creationId xmlns:p14="http://schemas.microsoft.com/office/powerpoint/2010/main" val="379564690"/>
+      </p:ext>
+    </p:extLst>
+  </p:cSld>
+  <p:clrMapOvr>
+    <a:masterClrMapping/>
+  </p:clrMapOvr>
+</p:notes>
+</file>
+
 <file path=ppt/slideLayouts/slideLayout1.xml><?xml version="1.0" encoding="utf-8"?>
 <p:sldLayout xmlns:a="http://schemas.openxmlformats.org/drawingml/2006/main" xmlns:r="http://schemas.openxmlformats.org/officeDocument/2006/relationships" xmlns:p="http://schemas.openxmlformats.org/presentationml/2006/main" type="title" preserve="1">
   <p:cSld name="標題投影片">
@@ -5317,7 +6025,7 @@
           <a:p>
             <a:fld id="{6488FF91-0940-194F-9C77-DAE915FA224C}" type="datetime1">
               <a:rPr lang="zh-HK" altLang="en-US" smtClean="0"/>
-              <a:t>23/05/24</a:t>
+              <a:t>24/05/24</a:t>
             </a:fld>
             <a:endParaRPr lang="en-US" dirty="0"/>
           </a:p>
@@ -5647,7 +6355,7 @@
           <a:p>
             <a:fld id="{FA0DF90C-D644-6640-B8E0-8DE46E7F0644}" type="datetime1">
               <a:rPr lang="zh-HK" altLang="en-US" smtClean="0"/>
-              <a:t>23/05/24</a:t>
+              <a:t>24/05/24</a:t>
             </a:fld>
             <a:endParaRPr lang="en-US" dirty="0"/>
           </a:p>
@@ -5921,7 +6629,7 @@
           <a:p>
             <a:fld id="{A3E15762-F46E-5946-89D2-6B3C47526378}" type="datetime1">
               <a:rPr lang="zh-HK" altLang="en-US" smtClean="0"/>
-              <a:t>23/05/24</a:t>
+              <a:t>24/05/24</a:t>
             </a:fld>
             <a:endParaRPr lang="en-US" dirty="0"/>
           </a:p>
@@ -6485,7 +7193,7 @@
           <a:p>
             <a:fld id="{B1B66AF3-55CB-4E4C-8497-9B186D03A391}" type="datetime1">
               <a:rPr lang="zh-HK" altLang="en-US" smtClean="0"/>
-              <a:t>23/05/24</a:t>
+              <a:t>24/05/24</a:t>
             </a:fld>
             <a:endParaRPr lang="en-US" dirty="0"/>
           </a:p>
@@ -6759,7 +7467,7 @@
           <a:p>
             <a:fld id="{AD6D1AB9-DE2E-F74E-B26B-51B4C34E11D7}" type="datetime1">
               <a:rPr lang="zh-HK" altLang="en-US" smtClean="0"/>
-              <a:t>23/05/24</a:t>
+              <a:t>24/05/24</a:t>
             </a:fld>
             <a:endParaRPr lang="en-US" dirty="0"/>
           </a:p>
@@ -7317,7 +8025,7 @@
           <a:p>
             <a:fld id="{C604EF20-0F4F-5D4B-981E-76360C562C67}" type="datetime1">
               <a:rPr lang="zh-HK" altLang="en-US" smtClean="0"/>
-              <a:t>23/05/24</a:t>
+              <a:t>24/05/24</a:t>
             </a:fld>
             <a:endParaRPr lang="en-US" dirty="0"/>
           </a:p>
@@ -7640,7 +8348,7 @@
           <a:p>
             <a:fld id="{3CBAF90F-A823-E34C-A78F-4AE4CC7F67D9}" type="datetime1">
               <a:rPr lang="zh-HK" altLang="en-US" smtClean="0"/>
-              <a:t>23/05/24</a:t>
+              <a:t>24/05/24</a:t>
             </a:fld>
             <a:endParaRPr lang="en-US" dirty="0"/>
           </a:p>
@@ -7813,7 +8521,7 @@
           <a:p>
             <a:fld id="{360D99CF-A52E-1943-B2AF-2BB78B1FDB5F}" type="datetime1">
               <a:rPr lang="zh-HK" altLang="en-US" smtClean="0"/>
-              <a:t>23/05/24</a:t>
+              <a:t>24/05/24</a:t>
             </a:fld>
             <a:endParaRPr lang="en-US" dirty="0"/>
           </a:p>
@@ -8047,7 +8755,7 @@
           <a:p>
             <a:fld id="{8F0553CA-2D29-764D-AA8F-1197C6038739}" type="datetime1">
               <a:rPr lang="zh-HK" altLang="en-US" smtClean="0"/>
-              <a:t>23/05/24</a:t>
+              <a:t>24/05/24</a:t>
             </a:fld>
             <a:endParaRPr lang="en-US" dirty="0"/>
           </a:p>
@@ -8243,7 +8951,7 @@
           <a:p>
             <a:fld id="{090483E7-7DB3-3E42-9AA5-4E286FE4D513}" type="datetime1">
               <a:rPr lang="zh-HK" altLang="en-US" smtClean="0"/>
-              <a:t>23/05/24</a:t>
+              <a:t>24/05/24</a:t>
             </a:fld>
             <a:endParaRPr lang="en-US" dirty="0"/>
           </a:p>
@@ -8515,7 +9223,7 @@
           <a:p>
             <a:fld id="{88E40C52-B9B1-6D4B-AD30-EA6291ADE45B}" type="datetime1">
               <a:rPr lang="zh-HK" altLang="en-US" smtClean="0"/>
-              <a:t>23/05/24</a:t>
+              <a:t>24/05/24</a:t>
             </a:fld>
             <a:endParaRPr lang="en-US" dirty="0"/>
           </a:p>
@@ -8777,7 +9485,7 @@
           <a:p>
             <a:fld id="{B60E899F-DB52-CE42-A56D-2D8EF91025F2}" type="datetime1">
               <a:rPr lang="zh-HK" altLang="en-US" smtClean="0"/>
-              <a:t>23/05/24</a:t>
+              <a:t>24/05/24</a:t>
             </a:fld>
             <a:endParaRPr lang="en-US" dirty="0"/>
           </a:p>
@@ -9147,7 +9855,7 @@
           <a:p>
             <a:fld id="{5FEC8C46-8D78-CD47-8A77-31D3D7DDC27C}" type="datetime1">
               <a:rPr lang="zh-HK" altLang="en-US" smtClean="0"/>
-              <a:t>23/05/24</a:t>
+              <a:t>24/05/24</a:t>
             </a:fld>
             <a:endParaRPr lang="en-US" dirty="0"/>
           </a:p>
@@ -9291,7 +9999,7 @@
           <a:p>
             <a:fld id="{FE08F07B-E490-A64D-A8FD-15A7600DEDC6}" type="datetime1">
               <a:rPr lang="zh-HK" altLang="en-US" smtClean="0"/>
-              <a:t>23/05/24</a:t>
+              <a:t>24/05/24</a:t>
             </a:fld>
             <a:endParaRPr lang="en-US" dirty="0"/>
           </a:p>
@@ -9412,7 +10120,7 @@
           <a:p>
             <a:fld id="{0E7C8759-FE0A-E346-957B-D93FCC1699B5}" type="datetime1">
               <a:rPr lang="zh-HK" altLang="en-US" smtClean="0"/>
-              <a:t>23/05/24</a:t>
+              <a:t>24/05/24</a:t>
             </a:fld>
             <a:endParaRPr lang="en-US" dirty="0"/>
           </a:p>
@@ -9693,7 +10401,7 @@
           <a:p>
             <a:fld id="{D9D2399D-36B5-7243-824A-D8DDB2F38D52}" type="datetime1">
               <a:rPr lang="zh-HK" altLang="en-US" smtClean="0"/>
-              <a:t>23/05/24</a:t>
+              <a:t>24/05/24</a:t>
             </a:fld>
             <a:endParaRPr lang="en-US" dirty="0"/>
           </a:p>
@@ -10013,7 +10721,7 @@
           <a:p>
             <a:fld id="{A75A1BCC-89DB-FD42-9808-1E6C9FD979D2}" type="datetime1">
               <a:rPr lang="zh-HK" altLang="en-US" smtClean="0"/>
-              <a:t>23/05/24</a:t>
+              <a:t>24/05/24</a:t>
             </a:fld>
             <a:endParaRPr lang="en-US" dirty="0"/>
           </a:p>
@@ -10223,7 +10931,7 @@
           <a:p>
             <a:fld id="{6D0A750E-E3A6-1740-A438-6E87315FF5E3}" type="datetime1">
               <a:rPr lang="zh-HK" altLang="en-US" smtClean="0"/>
-              <a:t>23/05/24</a:t>
+              <a:t>24/05/24</a:t>
             </a:fld>
             <a:endParaRPr lang="en-US" dirty="0"/>
           </a:p>
@@ -10932,52 +11640,49 @@
           </a:bodyPr>
           <a:lstStyle/>
           <a:p>
-            <a:pPr algn="just"/>
-            <a:r>
-              <a:rPr lang="ja-JP" altLang="zh-HK" sz="2400" kern="100">
+            <a:pPr marL="0" indent="0">
+              <a:buNone/>
+            </a:pPr>
+            <a:r>
+              <a:rPr lang="ja-JP" altLang="en-US" sz="2800" kern="100">
                 <a:effectLst/>
                 <a:latin typeface="Yu Mincho" panose="02020400000000000000" pitchFamily="18" charset="-128"/>
                 <a:ea typeface="Meiryo UI" panose="020B0604030504040204" pitchFamily="34" charset="-128"/>
                 <a:cs typeface="Times New Roman" panose="02020603050405020304" pitchFamily="18" charset="0"/>
               </a:rPr>
-              <a:t>現在、セキュリティーの漏れる事件が多くなっています。ブロックチェーンは高いセキュリティの特徴である技術</a:t>
-            </a:r>
-            <a:endParaRPr lang="en-US" altLang="ja-JP" sz="2400" kern="100" dirty="0">
+              <a:t>現在、セキュリティーにおいてデータ漏洩事件が多発しています。ブロックチェーンは高いセキュリティ特性を持つ技術であるため、</a:t>
+            </a:r>
+            <a:br>
+              <a:rPr lang="en-US" altLang="ja-JP" sz="2800" kern="100" dirty="0">
+                <a:effectLst/>
+                <a:latin typeface="Yu Mincho" panose="02020400000000000000" pitchFamily="18" charset="-128"/>
+                <a:ea typeface="Meiryo UI" panose="020B0604030504040204" pitchFamily="34" charset="-128"/>
+                <a:cs typeface="Times New Roman" panose="02020603050405020304" pitchFamily="18" charset="0"/>
+              </a:rPr>
+            </a:br>
+            <a:br>
+              <a:rPr lang="en-US" altLang="ja-JP" sz="2800" kern="100" dirty="0">
+                <a:effectLst/>
+                <a:latin typeface="Yu Mincho" panose="02020400000000000000" pitchFamily="18" charset="-128"/>
+                <a:ea typeface="Meiryo UI" panose="020B0604030504040204" pitchFamily="34" charset="-128"/>
+                <a:cs typeface="Times New Roman" panose="02020603050405020304" pitchFamily="18" charset="0"/>
+              </a:rPr>
+            </a:br>
+            <a:r>
+              <a:rPr lang="ja-JP" altLang="en-US" sz="2800" kern="100">
+                <a:effectLst/>
+                <a:latin typeface="Yu Mincho" panose="02020400000000000000" pitchFamily="18" charset="-128"/>
+                <a:ea typeface="Meiryo UI" panose="020B0604030504040204" pitchFamily="34" charset="-128"/>
+                <a:cs typeface="Times New Roman" panose="02020603050405020304" pitchFamily="18" charset="0"/>
+              </a:rPr>
+              <a:t>もし広く普及すれば、セキュリティがある程度強化されると思います。</a:t>
+            </a:r>
+            <a:endParaRPr lang="en-US" altLang="ja-JP" sz="2800" kern="100" dirty="0">
               <a:effectLst/>
               <a:latin typeface="Yu Mincho" panose="02020400000000000000" pitchFamily="18" charset="-128"/>
               <a:ea typeface="Meiryo UI" panose="020B0604030504040204" pitchFamily="34" charset="-128"/>
               <a:cs typeface="Times New Roman" panose="02020603050405020304" pitchFamily="18" charset="0"/>
             </a:endParaRPr>
-          </a:p>
-          <a:p>
-            <a:pPr algn="just"/>
-            <a:endParaRPr lang="zh-TW" altLang="zh-HK" sz="2400" kern="100" dirty="0">
-              <a:effectLst/>
-              <a:latin typeface="Yu Mincho" panose="02020400000000000000" pitchFamily="18" charset="-128"/>
-              <a:ea typeface="Yu Mincho" panose="02020400000000000000" pitchFamily="18" charset="-128"/>
-              <a:cs typeface="Times New Roman" panose="02020603050405020304" pitchFamily="18" charset="0"/>
-            </a:endParaRPr>
-          </a:p>
-          <a:p>
-            <a:pPr algn="just"/>
-            <a:r>
-              <a:rPr lang="ja-JP" altLang="zh-HK" sz="2400" kern="100">
-                <a:effectLst/>
-                <a:latin typeface="Yu Mincho" panose="02020400000000000000" pitchFamily="18" charset="-128"/>
-                <a:ea typeface="Meiryo UI" panose="020B0604030504040204" pitchFamily="34" charset="-128"/>
-                <a:cs typeface="Times New Roman" panose="02020603050405020304" pitchFamily="18" charset="0"/>
-              </a:rPr>
-              <a:t>一般的な使用している暗号化技術より、分散型台帳で管理する技術が高いセキュリティですから。</a:t>
-            </a:r>
-            <a:endParaRPr lang="zh-TW" altLang="zh-HK" sz="2400" kern="100" dirty="0">
-              <a:effectLst/>
-              <a:latin typeface="Yu Mincho" panose="02020400000000000000" pitchFamily="18" charset="-128"/>
-              <a:ea typeface="Yu Mincho" panose="02020400000000000000" pitchFamily="18" charset="-128"/>
-              <a:cs typeface="Times New Roman" panose="02020603050405020304" pitchFamily="18" charset="0"/>
-            </a:endParaRPr>
-          </a:p>
-          <a:p>
-            <a:endParaRPr kumimoji="1" lang="zh-HK" altLang="en-US" sz="1600" dirty="0"/>
           </a:p>
         </p:txBody>
       </p:sp>
@@ -11100,10 +11805,95 @@
           </a:xfrm>
         </p:spPr>
         <p:txBody>
-          <a:bodyPr/>
+          <a:bodyPr>
+            <a:normAutofit/>
+          </a:bodyPr>
           <a:lstStyle/>
           <a:p>
-            <a:endParaRPr kumimoji="1" lang="zh-HK" altLang="en-US" dirty="0"/>
+            <a:r>
+              <a:rPr kumimoji="1" lang="ja-JP" altLang="en-US" sz="2800">
+                <a:latin typeface="Meiryo UI" panose="020B0604030504040204" pitchFamily="34" charset="-128"/>
+                <a:ea typeface="Meiryo UI" panose="020B0604030504040204" pitchFamily="34" charset="-128"/>
+              </a:rPr>
+              <a:t>ブロックチェーン</a:t>
+            </a:r>
+            <a:r>
+              <a:rPr kumimoji="1" lang="zh-HK" altLang="en-US" sz="2800" dirty="0">
+                <a:latin typeface="Meiryo UI" panose="020B0604030504040204" pitchFamily="34" charset="-128"/>
+                <a:ea typeface="Meiryo UI" panose="020B0604030504040204" pitchFamily="34" charset="-128"/>
+              </a:rPr>
+              <a:t>技術</a:t>
+            </a:r>
+            <a:r>
+              <a:rPr kumimoji="1" lang="ja-JP" altLang="en-US" sz="2800">
+                <a:latin typeface="Meiryo UI" panose="020B0604030504040204" pitchFamily="34" charset="-128"/>
+                <a:ea typeface="Meiryo UI" panose="020B0604030504040204" pitchFamily="34" charset="-128"/>
+              </a:rPr>
+              <a:t>で</a:t>
+            </a:r>
+            <a:r>
+              <a:rPr kumimoji="1" lang="zh-HK" altLang="en-US" sz="2800" dirty="0">
+                <a:latin typeface="Meiryo UI" panose="020B0604030504040204" pitchFamily="34" charset="-128"/>
+                <a:ea typeface="Meiryo UI" panose="020B0604030504040204" pitchFamily="34" charset="-128"/>
+              </a:rPr>
+              <a:t>学生</a:t>
+            </a:r>
+            <a:r>
+              <a:rPr kumimoji="1" lang="ja-JP" altLang="en-US" sz="2800">
+                <a:latin typeface="Meiryo UI" panose="020B0604030504040204" pitchFamily="34" charset="-128"/>
+                <a:ea typeface="Meiryo UI" panose="020B0604030504040204" pitchFamily="34" charset="-128"/>
+              </a:rPr>
+              <a:t>の</a:t>
+            </a:r>
+            <a:r>
+              <a:rPr kumimoji="1" lang="zh-HK" altLang="en-US" sz="2800" dirty="0">
+                <a:latin typeface="Meiryo UI" panose="020B0604030504040204" pitchFamily="34" charset="-128"/>
+                <a:ea typeface="Meiryo UI" panose="020B0604030504040204" pitchFamily="34" charset="-128"/>
+              </a:rPr>
+              <a:t>作品</a:t>
+            </a:r>
+            <a:r>
+              <a:rPr kumimoji="1" lang="ja-JP" altLang="en-US" sz="2800">
+                <a:latin typeface="Meiryo UI" panose="020B0604030504040204" pitchFamily="34" charset="-128"/>
+                <a:ea typeface="Meiryo UI" panose="020B0604030504040204" pitchFamily="34" charset="-128"/>
+              </a:rPr>
+              <a:t>に</a:t>
+            </a:r>
+            <a:r>
+              <a:rPr kumimoji="1" lang="zh-HK" altLang="en-US" sz="2800" dirty="0">
+                <a:latin typeface="Meiryo UI" panose="020B0604030504040204" pitchFamily="34" charset="-128"/>
+                <a:ea typeface="Meiryo UI" panose="020B0604030504040204" pitchFamily="34" charset="-128"/>
+              </a:rPr>
+              <a:t>対</a:t>
+            </a:r>
+            <a:r>
+              <a:rPr kumimoji="1" lang="ja-JP" altLang="en-US" sz="2800">
+                <a:latin typeface="Meiryo UI" panose="020B0604030504040204" pitchFamily="34" charset="-128"/>
+                <a:ea typeface="Meiryo UI" panose="020B0604030504040204" pitchFamily="34" charset="-128"/>
+              </a:rPr>
+              <a:t>してどのように</a:t>
+            </a:r>
+            <a:r>
+              <a:rPr kumimoji="1" lang="zh-HK" altLang="en-US" sz="2800" dirty="0">
+                <a:latin typeface="Meiryo UI" panose="020B0604030504040204" pitchFamily="34" charset="-128"/>
+                <a:ea typeface="Meiryo UI" panose="020B0604030504040204" pitchFamily="34" charset="-128"/>
+              </a:rPr>
+              <a:t>利用</a:t>
+            </a:r>
+            <a:r>
+              <a:rPr kumimoji="1" lang="ja-JP" altLang="en-US" sz="2800">
+                <a:latin typeface="Meiryo UI" panose="020B0604030504040204" pitchFamily="34" charset="-128"/>
+                <a:ea typeface="Meiryo UI" panose="020B0604030504040204" pitchFamily="34" charset="-128"/>
+              </a:rPr>
+              <a:t>できるかについて</a:t>
+            </a:r>
+            <a:r>
+              <a:rPr kumimoji="1" lang="zh-HK" altLang="en-US" sz="2800" dirty="0">
+                <a:latin typeface="Meiryo UI" panose="020B0604030504040204" pitchFamily="34" charset="-128"/>
+                <a:ea typeface="Meiryo UI" panose="020B0604030504040204" pitchFamily="34" charset="-128"/>
+              </a:rPr>
+              <a:t>研修</a:t>
+            </a:r>
           </a:p>
         </p:txBody>
       </p:sp>
@@ -11223,18 +12013,18 @@
             <p:ph idx="1"/>
             <p:extLst>
               <p:ext uri="{D42A27DB-BD31-4B8C-83A1-F6EECF244321}">
-                <p14:modId xmlns:p14="http://schemas.microsoft.com/office/powerpoint/2010/main" val="3393882192"/>
+                <p14:modId xmlns:p14="http://schemas.microsoft.com/office/powerpoint/2010/main" val="3475342782"/>
               </p:ext>
             </p:extLst>
           </p:nvPr>
         </p:nvGraphicFramePr>
         <p:xfrm>
-          <a:off x="326570" y="1468476"/>
-          <a:ext cx="11538859" cy="3921048"/>
+          <a:off x="0" y="1105320"/>
+          <a:ext cx="12191999" cy="4662434"/>
         </p:xfrm>
         <a:graphic>
           <a:graphicData uri="http://schemas.openxmlformats.org/drawingml/2006/diagram">
-            <dgm:relIds xmlns:dgm="http://schemas.openxmlformats.org/drawingml/2006/diagram" xmlns:r="http://schemas.openxmlformats.org/officeDocument/2006/relationships" r:dm="rId2" r:lo="rId3" r:qs="rId4" r:cs="rId5"/>
+            <dgm:relIds xmlns:dgm="http://schemas.openxmlformats.org/drawingml/2006/diagram" xmlns:r="http://schemas.openxmlformats.org/officeDocument/2006/relationships" r:dm="rId3" r:lo="rId4" r:qs="rId5" r:cs="rId6"/>
           </a:graphicData>
         </a:graphic>
       </p:graphicFrame>
@@ -11347,12 +12137,40 @@
           <a:chExt cx="0" cy="0"/>
         </a:xfrm>
       </p:grpSpPr>
-      <p:sp>
-        <p:nvSpPr>
-          <p:cNvPr id="2" name="標題 1">
+      <p:pic>
+        <p:nvPicPr>
+          <p:cNvPr id="6" name="內容版面配置區 5" descr="一張含有 文字, 螢幕擷取畫面 的圖片&#10;&#10;自動產生的描述">
             <a:extLst>
               <a:ext uri="{FF2B5EF4-FFF2-40B4-BE49-F238E27FC236}">
-                <a16:creationId xmlns:a16="http://schemas.microsoft.com/office/drawing/2014/main" id="{5119BE88-FD0B-131B-75F2-DB3D052E7252}"/>
+                <a16:creationId xmlns:a16="http://schemas.microsoft.com/office/drawing/2014/main" id="{6EB1A269-598E-B2DF-7868-84BA08A56098}"/>
+              </a:ext>
+            </a:extLst>
+          </p:cNvPr>
+          <p:cNvPicPr>
+            <a:picLocks noGrp="1" noChangeAspect="1"/>
+          </p:cNvPicPr>
+          <p:nvPr>
+            <p:ph idx="1"/>
+          </p:nvPr>
+        </p:nvPicPr>
+        <p:blipFill rotWithShape="1">
+          <a:blip r:embed="rId3"/>
+          <a:srcRect l="604" t="-22908" r="-1105" b="538"/>
+          <a:stretch/>
+        </p:blipFill>
+        <p:spPr>
+          <a:xfrm>
+            <a:off x="1246553" y="-457200"/>
+            <a:ext cx="9698894" cy="6071616"/>
+          </a:xfrm>
+        </p:spPr>
+      </p:pic>
+      <p:sp>
+        <p:nvSpPr>
+          <p:cNvPr id="4" name="投影片編號版面配置區 3">
+            <a:extLst>
+              <a:ext uri="{FF2B5EF4-FFF2-40B4-BE49-F238E27FC236}">
+                <a16:creationId xmlns:a16="http://schemas.microsoft.com/office/drawing/2014/main" id="{E9DF2EAF-0AFC-F667-2C1A-E961EFC914D3}"/>
               </a:ext>
             </a:extLst>
           </p:cNvPr>
@@ -11360,262 +12178,6 @@
             <a:spLocks noGrp="1"/>
           </p:cNvSpPr>
           <p:nvPr>
-            <p:ph type="title"/>
-          </p:nvPr>
-        </p:nvSpPr>
-        <p:spPr>
-          <a:xfrm>
-            <a:off x="1030287" y="10885"/>
-            <a:ext cx="10131425" cy="1456267"/>
-          </a:xfrm>
-        </p:spPr>
-        <p:txBody>
-          <a:bodyPr/>
-          <a:lstStyle/>
-          <a:p>
-            <a:r>
-              <a:rPr lang="zh-HK" altLang="en-US" dirty="0">
-                <a:latin typeface="Meiryo UI" panose="020B0604030504040204" pitchFamily="34" charset="-128"/>
-                <a:ea typeface="Meiryo UI" panose="020B0604030504040204" pitchFamily="34" charset="-128"/>
-              </a:rPr>
-              <a:t>今後</a:t>
-            </a:r>
-            <a:r>
-              <a:rPr lang="ja-JP" altLang="en-US">
-                <a:latin typeface="Meiryo UI" panose="020B0604030504040204" pitchFamily="34" charset="-128"/>
-                <a:ea typeface="Meiryo UI" panose="020B0604030504040204" pitchFamily="34" charset="-128"/>
-              </a:rPr>
-              <a:t>の</a:t>
-            </a:r>
-            <a:r>
-              <a:rPr lang="zh-HK" altLang="en-US" dirty="0">
-                <a:latin typeface="Meiryo UI" panose="020B0604030504040204" pitchFamily="34" charset="-128"/>
-                <a:ea typeface="Meiryo UI" panose="020B0604030504040204" pitchFamily="34" charset="-128"/>
-              </a:rPr>
-              <a:t>予定</a:t>
-            </a:r>
-            <a:r>
-              <a:rPr lang="ja-JP" altLang="en-US">
-                <a:latin typeface="Meiryo UI" panose="020B0604030504040204" pitchFamily="34" charset="-128"/>
-                <a:ea typeface="Meiryo UI" panose="020B0604030504040204" pitchFamily="34" charset="-128"/>
-              </a:rPr>
-              <a:t>と</a:t>
-            </a:r>
-            <a:r>
-              <a:rPr lang="zh-HK" altLang="en-US" dirty="0">
-                <a:latin typeface="Meiryo UI" panose="020B0604030504040204" pitchFamily="34" charset="-128"/>
-                <a:ea typeface="Meiryo UI" panose="020B0604030504040204" pitchFamily="34" charset="-128"/>
-              </a:rPr>
-              <a:t>課題</a:t>
-            </a:r>
-            <a:endParaRPr kumimoji="1" lang="zh-HK" altLang="en-US" dirty="0">
-              <a:latin typeface="Meiryo UI" panose="020B0604030504040204" pitchFamily="34" charset="-128"/>
-              <a:ea typeface="Meiryo UI" panose="020B0604030504040204" pitchFamily="34" charset="-128"/>
-            </a:endParaRPr>
-          </a:p>
-        </p:txBody>
-      </p:sp>
-      <p:sp>
-        <p:nvSpPr>
-          <p:cNvPr id="3" name="內容版面配置區 2">
-            <a:extLst>
-              <a:ext uri="{FF2B5EF4-FFF2-40B4-BE49-F238E27FC236}">
-                <a16:creationId xmlns:a16="http://schemas.microsoft.com/office/drawing/2014/main" id="{5FF3DE65-3E07-AE0F-83F1-1DB3CA622EA3}"/>
-              </a:ext>
-            </a:extLst>
-          </p:cNvPr>
-          <p:cNvSpPr>
-            <a:spLocks noGrp="1"/>
-          </p:cNvSpPr>
-          <p:nvPr>
-            <p:ph idx="1"/>
-          </p:nvPr>
-        </p:nvSpPr>
-        <p:spPr>
-          <a:xfrm>
-            <a:off x="1030287" y="1543352"/>
-            <a:ext cx="10131425" cy="3649133"/>
-          </a:xfrm>
-        </p:spPr>
-        <p:txBody>
-          <a:bodyPr>
-            <a:normAutofit/>
-          </a:bodyPr>
-          <a:lstStyle/>
-          <a:p>
-            <a:pPr marL="0" indent="0">
-              <a:buNone/>
-            </a:pPr>
-            <a:r>
-              <a:rPr kumimoji="1" lang="zh-HK" altLang="en-US" sz="2400" dirty="0">
-                <a:latin typeface="Meiryo UI" panose="020B0604030504040204" pitchFamily="34" charset="-128"/>
-                <a:ea typeface="Meiryo UI" panose="020B0604030504040204" pitchFamily="34" charset="-128"/>
-              </a:rPr>
-              <a:t>実践するアイディア：</a:t>
-            </a:r>
-            <a:br>
-              <a:rPr kumimoji="1" lang="en-US" altLang="ja-JP" sz="2400" dirty="0">
-                <a:latin typeface="Meiryo UI" panose="020B0604030504040204" pitchFamily="34" charset="-128"/>
-                <a:ea typeface="Meiryo UI" panose="020B0604030504040204" pitchFamily="34" charset="-128"/>
-              </a:rPr>
-            </a:br>
-            <a:r>
-              <a:rPr kumimoji="1" lang="en-US" altLang="ja-JP" sz="2400" dirty="0">
-                <a:latin typeface="Meiryo UI" panose="020B0604030504040204" pitchFamily="34" charset="-128"/>
-                <a:ea typeface="Meiryo UI" panose="020B0604030504040204" pitchFamily="34" charset="-128"/>
-              </a:rPr>
-              <a:t>	</a:t>
-            </a:r>
-            <a:r>
-              <a:rPr kumimoji="1" lang="ja-JP" altLang="en-US" sz="2400">
-                <a:latin typeface="Meiryo UI" panose="020B0604030504040204" pitchFamily="34" charset="-128"/>
-                <a:ea typeface="Meiryo UI" panose="020B0604030504040204" pitchFamily="34" charset="-128"/>
-              </a:rPr>
-              <a:t>ポートフォリオにウォレットみたいのボタンを</a:t>
-            </a:r>
-            <a:r>
-              <a:rPr kumimoji="1" lang="zh-HK" altLang="en-US" sz="2400" dirty="0">
-                <a:latin typeface="Meiryo UI" panose="020B0604030504040204" pitchFamily="34" charset="-128"/>
-                <a:ea typeface="Meiryo UI" panose="020B0604030504040204" pitchFamily="34" charset="-128"/>
-              </a:rPr>
-              <a:t>設置</a:t>
-            </a:r>
-            <a:r>
-              <a:rPr kumimoji="1" lang="ja-JP" altLang="en-US" sz="2400">
-                <a:latin typeface="Meiryo UI" panose="020B0604030504040204" pitchFamily="34" charset="-128"/>
-                <a:ea typeface="Meiryo UI" panose="020B0604030504040204" pitchFamily="34" charset="-128"/>
-              </a:rPr>
-              <a:t>して</a:t>
-            </a:r>
-            <a:r>
-              <a:rPr kumimoji="1" lang="zh-HK" altLang="en-US" sz="2400" dirty="0">
-                <a:latin typeface="Meiryo UI" panose="020B0604030504040204" pitchFamily="34" charset="-128"/>
-                <a:ea typeface="Meiryo UI" panose="020B0604030504040204" pitchFamily="34" charset="-128"/>
-              </a:rPr>
-              <a:t>押</a:t>
-            </a:r>
-            <a:r>
-              <a:rPr kumimoji="1" lang="ja-JP" altLang="en-US" sz="2400">
-                <a:latin typeface="Meiryo UI" panose="020B0604030504040204" pitchFamily="34" charset="-128"/>
-                <a:ea typeface="Meiryo UI" panose="020B0604030504040204" pitchFamily="34" charset="-128"/>
-              </a:rPr>
-              <a:t>したら、</a:t>
-            </a:r>
-          </a:p>
-          <a:p>
-            <a:pPr marL="0" indent="0">
-              <a:buNone/>
-            </a:pPr>
-            <a:r>
-              <a:rPr kumimoji="1" lang="en-US" altLang="ja-JP" sz="2400" dirty="0">
-                <a:latin typeface="Meiryo UI" panose="020B0604030504040204" pitchFamily="34" charset="-128"/>
-                <a:ea typeface="Meiryo UI" panose="020B0604030504040204" pitchFamily="34" charset="-128"/>
-              </a:rPr>
-              <a:t>	</a:t>
-            </a:r>
-            <a:r>
-              <a:rPr kumimoji="1" lang="ja-JP" altLang="en-US" sz="2400">
-                <a:latin typeface="Meiryo UI" panose="020B0604030504040204" pitchFamily="34" charset="-128"/>
-                <a:ea typeface="Meiryo UI" panose="020B0604030504040204" pitchFamily="34" charset="-128"/>
-              </a:rPr>
-              <a:t>アクセスをとる</a:t>
-            </a:r>
-            <a:r>
-              <a:rPr kumimoji="1" lang="en-US" altLang="zh-HK" sz="2400" dirty="0">
-                <a:latin typeface="Meiryo UI" panose="020B0604030504040204" pitchFamily="34" charset="-128"/>
-                <a:ea typeface="Meiryo UI" panose="020B0604030504040204" pitchFamily="34" charset="-128"/>
-              </a:rPr>
-              <a:t>QR</a:t>
-            </a:r>
-            <a:r>
-              <a:rPr kumimoji="1" lang="ja-JP" altLang="en-US" sz="2400">
-                <a:latin typeface="Meiryo UI" panose="020B0604030504040204" pitchFamily="34" charset="-128"/>
-                <a:ea typeface="Meiryo UI" panose="020B0604030504040204" pitchFamily="34" charset="-128"/>
-              </a:rPr>
-              <a:t>コードでスキャンしてから、</a:t>
-            </a:r>
-            <a:r>
-              <a:rPr kumimoji="1" lang="zh-HK" altLang="en-US" sz="2400">
-                <a:latin typeface="Meiryo UI" panose="020B0604030504040204" pitchFamily="34" charset="-128"/>
-                <a:ea typeface="Meiryo UI" panose="020B0604030504040204" pitchFamily="34" charset="-128"/>
-              </a:rPr>
-              <a:t>個人過去の書類</a:t>
-            </a:r>
-            <a:r>
-              <a:rPr kumimoji="1" lang="ja-JP" altLang="en-US" sz="2400">
-                <a:latin typeface="Meiryo UI" panose="020B0604030504040204" pitchFamily="34" charset="-128"/>
-                <a:ea typeface="Meiryo UI" panose="020B0604030504040204" pitchFamily="34" charset="-128"/>
-              </a:rPr>
-              <a:t>をとることです。</a:t>
-            </a:r>
-            <a:endParaRPr kumimoji="1" lang="en-US" altLang="ja-JP" sz="2400" dirty="0">
-              <a:latin typeface="Meiryo UI" panose="020B0604030504040204" pitchFamily="34" charset="-128"/>
-              <a:ea typeface="Meiryo UI" panose="020B0604030504040204" pitchFamily="34" charset="-128"/>
-            </a:endParaRPr>
-          </a:p>
-          <a:p>
-            <a:pPr marL="0" indent="0">
-              <a:buNone/>
-            </a:pPr>
-            <a:endParaRPr kumimoji="1" lang="en-US" altLang="zh-HK" sz="2400" dirty="0">
-              <a:latin typeface="Meiryo UI" panose="020B0604030504040204" pitchFamily="34" charset="-128"/>
-              <a:ea typeface="Meiryo UI" panose="020B0604030504040204" pitchFamily="34" charset="-128"/>
-            </a:endParaRPr>
-          </a:p>
-          <a:p>
-            <a:r>
-              <a:rPr kumimoji="1" lang="en-US" altLang="zh-HK" sz="2400" dirty="0">
-                <a:latin typeface="Meiryo UI" panose="020B0604030504040204" pitchFamily="34" charset="-128"/>
-                <a:ea typeface="Meiryo UI" panose="020B0604030504040204" pitchFamily="34" charset="-128"/>
-              </a:rPr>
-              <a:t>Golang</a:t>
-            </a:r>
-            <a:r>
-              <a:rPr kumimoji="1" lang="zh-HK" altLang="en-US" sz="2400" dirty="0">
-                <a:latin typeface="Meiryo UI" panose="020B0604030504040204" pitchFamily="34" charset="-128"/>
-                <a:ea typeface="Meiryo UI" panose="020B0604030504040204" pitchFamily="34" charset="-128"/>
-              </a:rPr>
-              <a:t>でブロックチェーンを作成</a:t>
-            </a:r>
-            <a:endParaRPr kumimoji="1" lang="en-US" altLang="zh-HK" sz="2400" dirty="0">
-              <a:latin typeface="Meiryo UI" panose="020B0604030504040204" pitchFamily="34" charset="-128"/>
-              <a:ea typeface="Meiryo UI" panose="020B0604030504040204" pitchFamily="34" charset="-128"/>
-            </a:endParaRPr>
-          </a:p>
-          <a:p>
-            <a:r>
-              <a:rPr kumimoji="1" lang="zh-HK" altLang="en-US" sz="2400" dirty="0">
-                <a:latin typeface="Meiryo UI" panose="020B0604030504040204" pitchFamily="34" charset="-128"/>
-                <a:ea typeface="Meiryo UI" panose="020B0604030504040204" pitchFamily="34" charset="-128"/>
-              </a:rPr>
-              <a:t>ポートフォリオに追加し、過去の書類（例：成績書の写真）で実践</a:t>
-            </a:r>
-            <a:endParaRPr kumimoji="1" lang="en-US" altLang="zh-HK" sz="2400" dirty="0">
-              <a:latin typeface="Meiryo UI" panose="020B0604030504040204" pitchFamily="34" charset="-128"/>
-              <a:ea typeface="Meiryo UI" panose="020B0604030504040204" pitchFamily="34" charset="-128"/>
-            </a:endParaRPr>
-          </a:p>
-          <a:p>
-            <a:endParaRPr kumimoji="1" lang="zh-HK" altLang="en-US" sz="2400" dirty="0">
-              <a:latin typeface="Meiryo UI" panose="020B0604030504040204" pitchFamily="34" charset="-128"/>
-              <a:ea typeface="Meiryo UI" panose="020B0604030504040204" pitchFamily="34" charset="-128"/>
-            </a:endParaRPr>
-          </a:p>
-        </p:txBody>
-      </p:sp>
-      <p:sp>
-        <p:nvSpPr>
-          <p:cNvPr id="4" name="投影片編號版面配置區 3">
-            <a:extLst>
-              <a:ext uri="{FF2B5EF4-FFF2-40B4-BE49-F238E27FC236}">
-                <a16:creationId xmlns:a16="http://schemas.microsoft.com/office/drawing/2014/main" id="{95D11E82-3436-AC05-85E9-467AF1D1E575}"/>
-              </a:ext>
-            </a:extLst>
-          </p:cNvPr>
-          <p:cNvSpPr>
-            <a:spLocks noGrp="1"/>
-          </p:cNvSpPr>
-          <p:nvPr>
             <p:ph type="sldNum" sz="quarter" idx="12"/>
           </p:nvPr>
         </p:nvSpPr>
@@ -11633,10 +12195,52 @@
           </a:p>
         </p:txBody>
       </p:sp>
+      <p:sp>
+        <p:nvSpPr>
+          <p:cNvPr id="7" name="文字方塊 6">
+            <a:extLst>
+              <a:ext uri="{FF2B5EF4-FFF2-40B4-BE49-F238E27FC236}">
+                <a16:creationId xmlns:a16="http://schemas.microsoft.com/office/drawing/2014/main" id="{CBB578C1-C4CE-30DE-05C2-E71B6054F3A4}"/>
+              </a:ext>
+            </a:extLst>
+          </p:cNvPr>
+          <p:cNvSpPr txBox="1"/>
+          <p:nvPr/>
+        </p:nvSpPr>
+        <p:spPr>
+          <a:xfrm>
+            <a:off x="863600" y="5879068"/>
+            <a:ext cx="8636000" cy="369332"/>
+          </a:xfrm>
+          <a:prstGeom prst="rect">
+            <a:avLst/>
+          </a:prstGeom>
+          <a:noFill/>
+        </p:spPr>
+        <p:txBody>
+          <a:bodyPr wrap="square" rtlCol="0">
+            <a:spAutoFit/>
+          </a:bodyPr>
+          <a:lstStyle/>
+          <a:p>
+            <a:r>
+              <a:rPr kumimoji="1" lang="en-US" altLang="zh-HK" dirty="0">
+                <a:hlinkClick r:id="rId4"/>
+              </a:rPr>
+              <a:t>https://etherscan.io/token/0xbc4ca0eda7647a8ab7c2061c2e118a18a936f13d#code</a:t>
+            </a:r>
+            <a:r>
+              <a:rPr kumimoji="1" lang="en-US" altLang="zh-HK" dirty="0"/>
+              <a:t> .  @ 5</a:t>
+            </a:r>
+            <a:endParaRPr kumimoji="1" lang="zh-HK" altLang="en-US" dirty="0"/>
+          </a:p>
+        </p:txBody>
+      </p:sp>
     </p:spTree>
     <p:extLst>
       <p:ext uri="{BB962C8B-B14F-4D97-AF65-F5344CB8AC3E}">
-        <p14:creationId xmlns:p14="http://schemas.microsoft.com/office/powerpoint/2010/main" val="4167462772"/>
+        <p14:creationId xmlns:p14="http://schemas.microsoft.com/office/powerpoint/2010/main" val="3725480565"/>
       </p:ext>
     </p:extLst>
   </p:cSld>
@@ -11668,7 +12272,7 @@
           <p:cNvPr id="2" name="標題 1">
             <a:extLst>
               <a:ext uri="{FF2B5EF4-FFF2-40B4-BE49-F238E27FC236}">
-                <a16:creationId xmlns:a16="http://schemas.microsoft.com/office/drawing/2014/main" id="{EE15BC4A-9FC1-38A4-DA57-142AAD05C689}"/>
+                <a16:creationId xmlns:a16="http://schemas.microsoft.com/office/drawing/2014/main" id="{5119BE88-FD0B-131B-75F2-DB3D052E7252}"/>
               </a:ext>
             </a:extLst>
           </p:cNvPr>
@@ -11681,7 +12285,7 @@
         </p:nvSpPr>
         <p:spPr>
           <a:xfrm>
-            <a:off x="1030287" y="10884"/>
+            <a:off x="1030287" y="10885"/>
             <a:ext cx="10131425" cy="1456267"/>
           </a:xfrm>
         </p:spPr>
@@ -11690,10 +12294,44 @@
           <a:lstStyle/>
           <a:p>
             <a:r>
-              <a:rPr lang="ja-JP" altLang="en-US"/>
-              <a:t>まとめ</a:t>
-            </a:r>
-            <a:endParaRPr kumimoji="1" lang="zh-HK" altLang="en-US" dirty="0"/>
+              <a:rPr lang="zh-HK" altLang="en-US" dirty="0">
+                <a:latin typeface="Meiryo UI" panose="020B0604030504040204" pitchFamily="34" charset="-128"/>
+                <a:ea typeface="Meiryo UI" panose="020B0604030504040204" pitchFamily="34" charset="-128"/>
+              </a:rPr>
+              <a:t>今後</a:t>
+            </a:r>
+            <a:r>
+              <a:rPr lang="ja-JP" altLang="en-US">
+                <a:latin typeface="Meiryo UI" panose="020B0604030504040204" pitchFamily="34" charset="-128"/>
+                <a:ea typeface="Meiryo UI" panose="020B0604030504040204" pitchFamily="34" charset="-128"/>
+              </a:rPr>
+              <a:t>の</a:t>
+            </a:r>
+            <a:r>
+              <a:rPr lang="zh-HK" altLang="en-US" dirty="0">
+                <a:latin typeface="Meiryo UI" panose="020B0604030504040204" pitchFamily="34" charset="-128"/>
+                <a:ea typeface="Meiryo UI" panose="020B0604030504040204" pitchFamily="34" charset="-128"/>
+              </a:rPr>
+              <a:t>予定</a:t>
+            </a:r>
+            <a:r>
+              <a:rPr lang="ja-JP" altLang="en-US">
+                <a:latin typeface="Meiryo UI" panose="020B0604030504040204" pitchFamily="34" charset="-128"/>
+                <a:ea typeface="Meiryo UI" panose="020B0604030504040204" pitchFamily="34" charset="-128"/>
+              </a:rPr>
+              <a:t>と</a:t>
+            </a:r>
+            <a:r>
+              <a:rPr lang="zh-HK" altLang="en-US" dirty="0">
+                <a:latin typeface="Meiryo UI" panose="020B0604030504040204" pitchFamily="34" charset="-128"/>
+                <a:ea typeface="Meiryo UI" panose="020B0604030504040204" pitchFamily="34" charset="-128"/>
+              </a:rPr>
+              <a:t>課題</a:t>
+            </a:r>
+            <a:endParaRPr kumimoji="1" lang="zh-HK" altLang="en-US" dirty="0">
+              <a:latin typeface="Meiryo UI" panose="020B0604030504040204" pitchFamily="34" charset="-128"/>
+              <a:ea typeface="Meiryo UI" panose="020B0604030504040204" pitchFamily="34" charset="-128"/>
+            </a:endParaRPr>
           </a:p>
         </p:txBody>
       </p:sp>
@@ -11702,7 +12340,7 @@
           <p:cNvPr id="3" name="內容版面配置區 2">
             <a:extLst>
               <a:ext uri="{FF2B5EF4-FFF2-40B4-BE49-F238E27FC236}">
-                <a16:creationId xmlns:a16="http://schemas.microsoft.com/office/drawing/2014/main" id="{8EF160D0-D1FB-884E-D9AB-45D6044864EB}"/>
+                <a16:creationId xmlns:a16="http://schemas.microsoft.com/office/drawing/2014/main" id="{5FF3DE65-3E07-AE0F-83F1-1DB3CA622EA3}"/>
               </a:ext>
             </a:extLst>
           </p:cNvPr>
@@ -11715,15 +12353,173 @@
         </p:nvSpPr>
         <p:spPr>
           <a:xfrm>
-            <a:off x="1030287" y="1604433"/>
-            <a:ext cx="10131425" cy="3649133"/>
+            <a:off x="1030287" y="1543352"/>
+            <a:ext cx="10131425" cy="4327223"/>
           </a:xfrm>
         </p:spPr>
         <p:txBody>
-          <a:bodyPr/>
+          <a:bodyPr>
+            <a:normAutofit/>
+          </a:bodyPr>
           <a:lstStyle/>
           <a:p>
-            <a:endParaRPr kumimoji="1" lang="zh-HK" altLang="en-US"/>
+            <a:pPr marL="0" indent="0">
+              <a:buNone/>
+            </a:pPr>
+            <a:r>
+              <a:rPr kumimoji="1" lang="zh-HK" altLang="en-US" sz="2400" dirty="0">
+                <a:latin typeface="Meiryo UI" panose="020B0604030504040204" pitchFamily="34" charset="-128"/>
+                <a:ea typeface="Meiryo UI" panose="020B0604030504040204" pitchFamily="34" charset="-128"/>
+              </a:rPr>
+              <a:t>実践するアイディア：</a:t>
+            </a:r>
+            <a:br>
+              <a:rPr kumimoji="1" lang="en-US" altLang="zh-HK" sz="2400" dirty="0">
+                <a:latin typeface="Meiryo UI" panose="020B0604030504040204" pitchFamily="34" charset="-128"/>
+                <a:ea typeface="Meiryo UI" panose="020B0604030504040204" pitchFamily="34" charset="-128"/>
+              </a:rPr>
+            </a:br>
+            <a:br>
+              <a:rPr kumimoji="1" lang="en-US" altLang="ja-JP" sz="2400" dirty="0">
+                <a:latin typeface="Meiryo UI" panose="020B0604030504040204" pitchFamily="34" charset="-128"/>
+                <a:ea typeface="Meiryo UI" panose="020B0604030504040204" pitchFamily="34" charset="-128"/>
+              </a:rPr>
+            </a:br>
+            <a:r>
+              <a:rPr kumimoji="1" lang="ja-JP" altLang="en-US" sz="2400">
+                <a:latin typeface="Meiryo UI" panose="020B0604030504040204" pitchFamily="34" charset="-128"/>
+                <a:ea typeface="Meiryo UI" panose="020B0604030504040204" pitchFamily="34" charset="-128"/>
+              </a:rPr>
+              <a:t>ポートフォリオにウォレットのようなボタンを設置し、そのボタンを押すと</a:t>
+            </a:r>
+            <a:r>
+              <a:rPr kumimoji="1" lang="en-US" altLang="ja-JP" sz="2400" dirty="0">
+                <a:latin typeface="Meiryo UI" panose="020B0604030504040204" pitchFamily="34" charset="-128"/>
+                <a:ea typeface="Meiryo UI" panose="020B0604030504040204" pitchFamily="34" charset="-128"/>
+              </a:rPr>
+              <a:t>QR</a:t>
+            </a:r>
+            <a:r>
+              <a:rPr kumimoji="1" lang="ja-JP" altLang="en-US" sz="2400">
+                <a:latin typeface="Meiryo UI" panose="020B0604030504040204" pitchFamily="34" charset="-128"/>
+                <a:ea typeface="Meiryo UI" panose="020B0604030504040204" pitchFamily="34" charset="-128"/>
+              </a:rPr>
+              <a:t>コードが</a:t>
+            </a:r>
+            <a:r>
+              <a:rPr kumimoji="1" lang="en-US" altLang="ja-JP" sz="2400" dirty="0">
+                <a:latin typeface="Meiryo UI" panose="020B0604030504040204" pitchFamily="34" charset="-128"/>
+                <a:ea typeface="Meiryo UI" panose="020B0604030504040204" pitchFamily="34" charset="-128"/>
+              </a:rPr>
+              <a:t>	</a:t>
+            </a:r>
+            <a:r>
+              <a:rPr kumimoji="1" lang="ja-JP" altLang="en-US" sz="2400">
+                <a:latin typeface="Meiryo UI" panose="020B0604030504040204" pitchFamily="34" charset="-128"/>
+                <a:ea typeface="Meiryo UI" panose="020B0604030504040204" pitchFamily="34" charset="-128"/>
+              </a:rPr>
+              <a:t>表示されます。</a:t>
+            </a:r>
+            <a:r>
+              <a:rPr kumimoji="1" lang="en-US" altLang="ja-JP" sz="2400" dirty="0">
+                <a:latin typeface="Meiryo UI" panose="020B0604030504040204" pitchFamily="34" charset="-128"/>
+                <a:ea typeface="Meiryo UI" panose="020B0604030504040204" pitchFamily="34" charset="-128"/>
+              </a:rPr>
+              <a:t>QR</a:t>
+            </a:r>
+            <a:r>
+              <a:rPr kumimoji="1" lang="ja-JP" altLang="en-US" sz="2400">
+                <a:latin typeface="Meiryo UI" panose="020B0604030504040204" pitchFamily="34" charset="-128"/>
+                <a:ea typeface="Meiryo UI" panose="020B0604030504040204" pitchFamily="34" charset="-128"/>
+              </a:rPr>
+              <a:t>コードをスキャンすると、個人の過去の書類にアクセスできる仕</a:t>
+            </a:r>
+            <a:r>
+              <a:rPr kumimoji="1" lang="en-US" altLang="ja-JP" sz="2400" dirty="0">
+                <a:latin typeface="Meiryo UI" panose="020B0604030504040204" pitchFamily="34" charset="-128"/>
+                <a:ea typeface="Meiryo UI" panose="020B0604030504040204" pitchFamily="34" charset="-128"/>
+              </a:rPr>
+              <a:t>	</a:t>
+            </a:r>
+            <a:r>
+              <a:rPr kumimoji="1" lang="ja-JP" altLang="en-US" sz="2400">
+                <a:latin typeface="Meiryo UI" panose="020B0604030504040204" pitchFamily="34" charset="-128"/>
+                <a:ea typeface="Meiryo UI" panose="020B0604030504040204" pitchFamily="34" charset="-128"/>
+              </a:rPr>
+              <a:t>組み</a:t>
+            </a:r>
+            <a:endParaRPr kumimoji="1" lang="en-US" altLang="ja-JP" sz="2400" dirty="0">
+              <a:latin typeface="Meiryo UI" panose="020B0604030504040204" pitchFamily="34" charset="-128"/>
+              <a:ea typeface="Meiryo UI" panose="020B0604030504040204" pitchFamily="34" charset="-128"/>
+            </a:endParaRPr>
+          </a:p>
+          <a:p>
+            <a:pPr marL="0" indent="0">
+              <a:buNone/>
+            </a:pPr>
+            <a:endParaRPr kumimoji="1" lang="en-US" altLang="zh-HK" sz="2400" dirty="0">
+              <a:latin typeface="Meiryo UI" panose="020B0604030504040204" pitchFamily="34" charset="-128"/>
+              <a:ea typeface="Meiryo UI" panose="020B0604030504040204" pitchFamily="34" charset="-128"/>
+            </a:endParaRPr>
+          </a:p>
+          <a:p>
+            <a:r>
+              <a:rPr kumimoji="1" lang="en-US" altLang="zh-HK" sz="2400" dirty="0">
+                <a:latin typeface="Meiryo UI" panose="020B0604030504040204" pitchFamily="34" charset="-128"/>
+                <a:ea typeface="Meiryo UI" panose="020B0604030504040204" pitchFamily="34" charset="-128"/>
+              </a:rPr>
+              <a:t>Golang</a:t>
+            </a:r>
+            <a:r>
+              <a:rPr kumimoji="1" lang="zh-HK" altLang="en-US" sz="2400" dirty="0">
+                <a:latin typeface="Meiryo UI" panose="020B0604030504040204" pitchFamily="34" charset="-128"/>
+                <a:ea typeface="Meiryo UI" panose="020B0604030504040204" pitchFamily="34" charset="-128"/>
+              </a:rPr>
+              <a:t>でブロックチェーンを作成</a:t>
+            </a:r>
+            <a:endParaRPr kumimoji="1" lang="en-US" altLang="zh-HK" sz="2400" dirty="0">
+              <a:latin typeface="Meiryo UI" panose="020B0604030504040204" pitchFamily="34" charset="-128"/>
+              <a:ea typeface="Meiryo UI" panose="020B0604030504040204" pitchFamily="34" charset="-128"/>
+            </a:endParaRPr>
+          </a:p>
+          <a:p>
+            <a:r>
+              <a:rPr kumimoji="1" lang="en-US" altLang="zh-HK" sz="2400" dirty="0">
+                <a:latin typeface="Meiryo UI" panose="020B0604030504040204" pitchFamily="34" charset="-128"/>
+                <a:ea typeface="Meiryo UI" panose="020B0604030504040204" pitchFamily="34" charset="-128"/>
+              </a:rPr>
+              <a:t>DSL</a:t>
+            </a:r>
+            <a:r>
+              <a:rPr kumimoji="1" lang="zh-HK" altLang="en-US" sz="2400" dirty="0">
+                <a:latin typeface="Meiryo UI" panose="020B0604030504040204" pitchFamily="34" charset="-128"/>
+                <a:ea typeface="Meiryo UI" panose="020B0604030504040204" pitchFamily="34" charset="-128"/>
+              </a:rPr>
+              <a:t>言語について研修</a:t>
+            </a:r>
+            <a:endParaRPr kumimoji="1" lang="en-US" altLang="zh-HK" sz="2400" dirty="0">
+              <a:latin typeface="Meiryo UI" panose="020B0604030504040204" pitchFamily="34" charset="-128"/>
+              <a:ea typeface="Meiryo UI" panose="020B0604030504040204" pitchFamily="34" charset="-128"/>
+            </a:endParaRPr>
+          </a:p>
+          <a:p>
+            <a:r>
+              <a:rPr kumimoji="1" lang="zh-HK" altLang="en-US" sz="2400" dirty="0">
+                <a:latin typeface="Meiryo UI" panose="020B0604030504040204" pitchFamily="34" charset="-128"/>
+                <a:ea typeface="Meiryo UI" panose="020B0604030504040204" pitchFamily="34" charset="-128"/>
+              </a:rPr>
+              <a:t>ポートフォリオに追加し、過去の書類（例：成績書の写真）で実践</a:t>
+            </a:r>
+            <a:endParaRPr kumimoji="1" lang="en-US" altLang="zh-HK" sz="2400" dirty="0">
+              <a:latin typeface="Meiryo UI" panose="020B0604030504040204" pitchFamily="34" charset="-128"/>
+              <a:ea typeface="Meiryo UI" panose="020B0604030504040204" pitchFamily="34" charset="-128"/>
+            </a:endParaRPr>
+          </a:p>
+          <a:p>
+            <a:endParaRPr kumimoji="1" lang="zh-HK" altLang="en-US" sz="2400" dirty="0">
+              <a:latin typeface="Meiryo UI" panose="020B0604030504040204" pitchFamily="34" charset="-128"/>
+              <a:ea typeface="Meiryo UI" panose="020B0604030504040204" pitchFamily="34" charset="-128"/>
+            </a:endParaRPr>
           </a:p>
         </p:txBody>
       </p:sp>
@@ -11732,7 +12528,7 @@
           <p:cNvPr id="4" name="投影片編號版面配置區 3">
             <a:extLst>
               <a:ext uri="{FF2B5EF4-FFF2-40B4-BE49-F238E27FC236}">
-                <a16:creationId xmlns:a16="http://schemas.microsoft.com/office/drawing/2014/main" id="{2C916DCF-B33B-DCBE-2F62-B9BC74ED494A}"/>
+                <a16:creationId xmlns:a16="http://schemas.microsoft.com/office/drawing/2014/main" id="{95D11E82-3436-AC05-85E9-467AF1D1E575}"/>
               </a:ext>
             </a:extLst>
           </p:cNvPr>
@@ -11760,7 +12556,7 @@
     </p:spTree>
     <p:extLst>
       <p:ext uri="{BB962C8B-B14F-4D97-AF65-F5344CB8AC3E}">
-        <p14:creationId xmlns:p14="http://schemas.microsoft.com/office/powerpoint/2010/main" val="882309778"/>
+        <p14:creationId xmlns:p14="http://schemas.microsoft.com/office/powerpoint/2010/main" val="4167462772"/>
       </p:ext>
     </p:extLst>
   </p:cSld>
@@ -11856,10 +12652,16 @@
               <a:buNone/>
             </a:pPr>
             <a:r>
-              <a:rPr kumimoji="1" lang="zh-HK" altLang="en-US" sz="2200" b="1" dirty="0"/>
+              <a:rPr kumimoji="1" lang="zh-HK" altLang="en-US" sz="2200" dirty="0">
+                <a:latin typeface="Meiryo UI" panose="020B0604030504040204" pitchFamily="34" charset="-128"/>
+                <a:ea typeface="Meiryo UI" panose="020B0604030504040204" pitchFamily="34" charset="-128"/>
+              </a:rPr>
               <a:t>参考文献</a:t>
             </a:r>
-            <a:endParaRPr kumimoji="1" lang="en-US" altLang="zh-HK" sz="2200" b="1" dirty="0"/>
+            <a:endParaRPr kumimoji="1" lang="en-US" altLang="zh-HK" sz="2200" dirty="0">
+              <a:latin typeface="Meiryo UI" panose="020B0604030504040204" pitchFamily="34" charset="-128"/>
+              <a:ea typeface="Meiryo UI" panose="020B0604030504040204" pitchFamily="34" charset="-128"/>
+            </a:endParaRPr>
           </a:p>
           <a:p>
             <a:pPr marL="342900" indent="-342900">
@@ -11867,51 +12669,86 @@
               <a:buAutoNum type="arabicPeriod"/>
             </a:pPr>
             <a:r>
-              <a:rPr kumimoji="1" lang="en-US" altLang="zh-HK" sz="1400" dirty="0" err="1"/>
+              <a:rPr kumimoji="1" lang="en-US" altLang="zh-HK" sz="1400" dirty="0" err="1">
+                <a:latin typeface="Meiryo UI" panose="020B0604030504040204" pitchFamily="34" charset="-128"/>
+                <a:ea typeface="Meiryo UI" panose="020B0604030504040204" pitchFamily="34" charset="-128"/>
+              </a:rPr>
               <a:t>CoinEx</a:t>
             </a:r>
             <a:r>
-              <a:rPr kumimoji="1" lang="ja-JP" altLang="en-US" sz="1400"/>
+              <a:rPr kumimoji="1" lang="ja-JP" altLang="en-US" sz="1400">
+                <a:latin typeface="Meiryo UI" panose="020B0604030504040204" pitchFamily="34" charset="-128"/>
+                <a:ea typeface="Meiryo UI" panose="020B0604030504040204" pitchFamily="34" charset="-128"/>
+              </a:rPr>
               <a:t>アカデミー ｜ ノードとは</a:t>
             </a:r>
             <a:r>
-              <a:rPr kumimoji="1" lang="zh-HK" altLang="en-US" sz="1400" dirty="0"/>
+              <a:rPr kumimoji="1" lang="zh-HK" altLang="en-US" sz="1400" dirty="0">
+                <a:latin typeface="Meiryo UI" panose="020B0604030504040204" pitchFamily="34" charset="-128"/>
+                <a:ea typeface="Meiryo UI" panose="020B0604030504040204" pitchFamily="34" charset="-128"/>
+              </a:rPr>
               <a:t>何</a:t>
             </a:r>
             <a:r>
-              <a:rPr kumimoji="1" lang="ja-JP" altLang="en-US" sz="1400"/>
+              <a:rPr kumimoji="1" lang="ja-JP" altLang="en-US" sz="1400">
+                <a:latin typeface="Meiryo UI" panose="020B0604030504040204" pitchFamily="34" charset="-128"/>
+                <a:ea typeface="Meiryo UI" panose="020B0604030504040204" pitchFamily="34" charset="-128"/>
+              </a:rPr>
               <a:t>か、ブロックチェーン</a:t>
             </a:r>
             <a:r>
-              <a:rPr kumimoji="1" lang="zh-HK" altLang="en-US" sz="1400" dirty="0"/>
+              <a:rPr kumimoji="1" lang="zh-HK" altLang="en-US" sz="1400" dirty="0">
+                <a:latin typeface="Meiryo UI" panose="020B0604030504040204" pitchFamily="34" charset="-128"/>
+                <a:ea typeface="Meiryo UI" panose="020B0604030504040204" pitchFamily="34" charset="-128"/>
+              </a:rPr>
               <a:t>業界</a:t>
             </a:r>
             <a:r>
-              <a:rPr kumimoji="1" lang="ja-JP" altLang="en-US" sz="1400"/>
+              <a:rPr kumimoji="1" lang="ja-JP" altLang="en-US" sz="1400">
+                <a:latin typeface="Meiryo UI" panose="020B0604030504040204" pitchFamily="34" charset="-128"/>
+                <a:ea typeface="Meiryo UI" panose="020B0604030504040204" pitchFamily="34" charset="-128"/>
+              </a:rPr>
               <a:t>におけるその</a:t>
             </a:r>
             <a:r>
-              <a:rPr kumimoji="1" lang="zh-HK" altLang="en-US" sz="1400" dirty="0"/>
+              <a:rPr kumimoji="1" lang="zh-HK" altLang="en-US" sz="1400" dirty="0">
+                <a:latin typeface="Meiryo UI" panose="020B0604030504040204" pitchFamily="34" charset="-128"/>
+                <a:ea typeface="Meiryo UI" panose="020B0604030504040204" pitchFamily="34" charset="-128"/>
+              </a:rPr>
               <a:t>重要性</a:t>
             </a:r>
             <a:r>
-              <a:rPr kumimoji="1" lang="ja-JP" altLang="en-US" sz="1400"/>
+              <a:rPr kumimoji="1" lang="ja-JP" altLang="en-US" sz="1400">
+                <a:latin typeface="Meiryo UI" panose="020B0604030504040204" pitchFamily="34" charset="-128"/>
+                <a:ea typeface="Meiryo UI" panose="020B0604030504040204" pitchFamily="34" charset="-128"/>
+              </a:rPr>
               <a:t>を</a:t>
             </a:r>
             <a:r>
-              <a:rPr kumimoji="1" lang="zh-HK" altLang="en-US" sz="1400" dirty="0"/>
+              <a:rPr kumimoji="1" lang="zh-HK" altLang="en-US" sz="1400" dirty="0">
+                <a:latin typeface="Meiryo UI" panose="020B0604030504040204" pitchFamily="34" charset="-128"/>
+                <a:ea typeface="Meiryo UI" panose="020B0604030504040204" pitchFamily="34" charset="-128"/>
+              </a:rPr>
               <a:t>徹底解説</a:t>
             </a:r>
             <a:br>
-              <a:rPr kumimoji="1" lang="en-US" altLang="zh-HK" sz="1400" dirty="0"/>
+              <a:rPr kumimoji="1" lang="en-US" altLang="zh-HK" sz="1400" dirty="0">
+                <a:latin typeface="Meiryo UI" panose="020B0604030504040204" pitchFamily="34" charset="-128"/>
+                <a:ea typeface="Meiryo UI" panose="020B0604030504040204" pitchFamily="34" charset="-128"/>
+              </a:rPr>
             </a:br>
             <a:r>
               <a:rPr kumimoji="1" lang="en-US" altLang="zh-HK" sz="1400" dirty="0">
-                <a:hlinkClick r:id="rId2"/>
+                <a:latin typeface="Meiryo UI" panose="020B0604030504040204" pitchFamily="34" charset="-128"/>
+                <a:ea typeface="Meiryo UI" panose="020B0604030504040204" pitchFamily="34" charset="-128"/>
+                <a:hlinkClick r:id="rId3"/>
               </a:rPr>
               <a:t>https://www.coinex.com/ja/blog/2147-what-are-nodes</a:t>
             </a:r>
-            <a:endParaRPr kumimoji="1" lang="en-US" altLang="zh-HK" sz="1400" dirty="0"/>
+            <a:endParaRPr kumimoji="1" lang="en-US" altLang="zh-HK" sz="1400" dirty="0">
+              <a:latin typeface="Meiryo UI" panose="020B0604030504040204" pitchFamily="34" charset="-128"/>
+              <a:ea typeface="Meiryo UI" panose="020B0604030504040204" pitchFamily="34" charset="-128"/>
+            </a:endParaRPr>
           </a:p>
           <a:p>
             <a:pPr marL="342900" indent="-342900">
@@ -11919,39 +12756,65 @@
               <a:buAutoNum type="arabicPeriod"/>
             </a:pPr>
             <a:r>
-              <a:rPr kumimoji="1" lang="ja-JP" altLang="en-US" sz="1400"/>
+              <a:rPr kumimoji="1" lang="ja-JP" altLang="en-US" sz="1400">
+                <a:latin typeface="Meiryo UI" panose="020B0604030504040204" pitchFamily="34" charset="-128"/>
+                <a:ea typeface="Meiryo UI" panose="020B0604030504040204" pitchFamily="34" charset="-128"/>
+              </a:rPr>
               <a:t>ブロックチェーン</a:t>
             </a:r>
             <a:r>
-              <a:rPr kumimoji="1" lang="zh-HK" altLang="en-US" sz="1400" dirty="0"/>
+              <a:rPr kumimoji="1" lang="zh-HK" altLang="en-US" sz="1400" dirty="0">
+                <a:latin typeface="Meiryo UI" panose="020B0604030504040204" pitchFamily="34" charset="-128"/>
+                <a:ea typeface="Meiryo UI" panose="020B0604030504040204" pitchFamily="34" charset="-128"/>
+              </a:rPr>
               <a:t>技術</a:t>
             </a:r>
             <a:r>
-              <a:rPr kumimoji="1" lang="ja-JP" altLang="en-US" sz="1400"/>
+              <a:rPr kumimoji="1" lang="ja-JP" altLang="en-US" sz="1400">
+                <a:latin typeface="Meiryo UI" panose="020B0604030504040204" pitchFamily="34" charset="-128"/>
+                <a:ea typeface="Meiryo UI" panose="020B0604030504040204" pitchFamily="34" charset="-128"/>
+              </a:rPr>
               <a:t>の</a:t>
             </a:r>
             <a:r>
-              <a:rPr kumimoji="1" lang="zh-HK" altLang="en-US" sz="1400" dirty="0"/>
+              <a:rPr kumimoji="1" lang="zh-HK" altLang="en-US" sz="1400" dirty="0">
+                <a:latin typeface="Meiryo UI" panose="020B0604030504040204" pitchFamily="34" charset="-128"/>
+                <a:ea typeface="Meiryo UI" panose="020B0604030504040204" pitchFamily="34" charset="-128"/>
+              </a:rPr>
               <a:t>歴史</a:t>
             </a:r>
             <a:r>
-              <a:rPr kumimoji="1" lang="ja-JP" altLang="en-US" sz="1400"/>
+              <a:rPr kumimoji="1" lang="ja-JP" altLang="en-US" sz="1400">
+                <a:latin typeface="Meiryo UI" panose="020B0604030504040204" pitchFamily="34" charset="-128"/>
+                <a:ea typeface="Meiryo UI" panose="020B0604030504040204" pitchFamily="34" charset="-128"/>
+              </a:rPr>
               <a:t>と</a:t>
             </a:r>
             <a:r>
-              <a:rPr kumimoji="1" lang="zh-HK" altLang="en-US" sz="1400" dirty="0"/>
+              <a:rPr kumimoji="1" lang="zh-HK" altLang="en-US" sz="1400" dirty="0">
+                <a:latin typeface="Meiryo UI" panose="020B0604030504040204" pitchFamily="34" charset="-128"/>
+                <a:ea typeface="Meiryo UI" panose="020B0604030504040204" pitchFamily="34" charset="-128"/>
+              </a:rPr>
               <a:t>展望</a:t>
             </a:r>
             <a:br>
-              <a:rPr kumimoji="1" lang="en-US" altLang="zh-HK" sz="1400" dirty="0"/>
+              <a:rPr kumimoji="1" lang="en-US" altLang="zh-HK" sz="1400" dirty="0">
+                <a:latin typeface="Meiryo UI" panose="020B0604030504040204" pitchFamily="34" charset="-128"/>
+                <a:ea typeface="Meiryo UI" panose="020B0604030504040204" pitchFamily="34" charset="-128"/>
+              </a:rPr>
             </a:br>
             <a:r>
               <a:rPr kumimoji="1" lang="en-US" altLang="zh-HK" sz="1400" dirty="0">
-                <a:hlinkClick r:id="rId3"/>
+                <a:latin typeface="Meiryo UI" panose="020B0604030504040204" pitchFamily="34" charset="-128"/>
+                <a:ea typeface="Meiryo UI" panose="020B0604030504040204" pitchFamily="34" charset="-128"/>
+                <a:hlinkClick r:id="rId4"/>
               </a:rPr>
               <a:t>https://cuc.repo.nii.ac.jp/records/6261</a:t>
             </a:r>
-            <a:endParaRPr kumimoji="1" lang="en-US" altLang="zh-HK" sz="1400" dirty="0"/>
+            <a:endParaRPr kumimoji="1" lang="en-US" altLang="zh-HK" sz="1400" dirty="0">
+              <a:latin typeface="Meiryo UI" panose="020B0604030504040204" pitchFamily="34" charset="-128"/>
+              <a:ea typeface="Meiryo UI" panose="020B0604030504040204" pitchFamily="34" charset="-128"/>
+            </a:endParaRPr>
           </a:p>
           <a:p>
             <a:pPr marL="342900" indent="-342900">
@@ -11959,63 +12822,107 @@
               <a:buAutoNum type="arabicPeriod"/>
             </a:pPr>
             <a:r>
-              <a:rPr kumimoji="1" lang="ja-JP" altLang="en-US" sz="1400"/>
+              <a:rPr kumimoji="1" lang="ja-JP" altLang="en-US" sz="1400">
+                <a:latin typeface="Meiryo UI" panose="020B0604030504040204" pitchFamily="34" charset="-128"/>
+                <a:ea typeface="Meiryo UI" panose="020B0604030504040204" pitchFamily="34" charset="-128"/>
+              </a:rPr>
               <a:t>ブロックチェーン</a:t>
             </a:r>
             <a:r>
-              <a:rPr kumimoji="1" lang="zh-HK" altLang="en-US" sz="1400" dirty="0"/>
+              <a:rPr kumimoji="1" lang="zh-HK" altLang="en-US" sz="1400" dirty="0">
+                <a:latin typeface="Meiryo UI" panose="020B0604030504040204" pitchFamily="34" charset="-128"/>
+                <a:ea typeface="Meiryo UI" panose="020B0604030504040204" pitchFamily="34" charset="-128"/>
+              </a:rPr>
               <a:t>技術 </a:t>
             </a:r>
             <a:r>
-              <a:rPr kumimoji="1" lang="ja-JP" altLang="en-US" sz="1400"/>
+              <a:rPr kumimoji="1" lang="ja-JP" altLang="en-US" sz="1400">
+                <a:latin typeface="Meiryo UI" panose="020B0604030504040204" pitchFamily="34" charset="-128"/>
+                <a:ea typeface="Meiryo UI" panose="020B0604030504040204" pitchFamily="34" charset="-128"/>
+              </a:rPr>
               <a:t>　</a:t>
             </a:r>
             <a:r>
-              <a:rPr kumimoji="1" lang="en-US" altLang="zh-HK" sz="1400" dirty="0"/>
+              <a:rPr kumimoji="1" lang="en-US" altLang="zh-HK" sz="1400" dirty="0">
+                <a:latin typeface="Meiryo UI" panose="020B0604030504040204" pitchFamily="34" charset="-128"/>
+                <a:ea typeface="Meiryo UI" panose="020B0604030504040204" pitchFamily="34" charset="-128"/>
+              </a:rPr>
               <a:t>—</a:t>
             </a:r>
             <a:r>
-              <a:rPr kumimoji="1" lang="zh-HK" altLang="en-US" sz="1400" dirty="0"/>
+              <a:rPr kumimoji="1" lang="zh-HK" altLang="en-US" sz="1400" dirty="0">
+                <a:latin typeface="Meiryo UI" panose="020B0604030504040204" pitchFamily="34" charset="-128"/>
+                <a:ea typeface="Meiryo UI" panose="020B0604030504040204" pitchFamily="34" charset="-128"/>
+              </a:rPr>
               <a:t>学生</a:t>
             </a:r>
             <a:r>
-              <a:rPr kumimoji="1" lang="ja-JP" altLang="en-US" sz="1400"/>
+              <a:rPr kumimoji="1" lang="ja-JP" altLang="en-US" sz="1400">
+                <a:latin typeface="Meiryo UI" panose="020B0604030504040204" pitchFamily="34" charset="-128"/>
+                <a:ea typeface="Meiryo UI" panose="020B0604030504040204" pitchFamily="34" charset="-128"/>
+              </a:rPr>
               <a:t>の</a:t>
             </a:r>
             <a:r>
-              <a:rPr kumimoji="1" lang="zh-HK" altLang="en-US" sz="1400" dirty="0"/>
+              <a:rPr kumimoji="1" lang="zh-HK" altLang="en-US" sz="1400" dirty="0">
+                <a:latin typeface="Meiryo UI" panose="020B0604030504040204" pitchFamily="34" charset="-128"/>
+                <a:ea typeface="Meiryo UI" panose="020B0604030504040204" pitchFamily="34" charset="-128"/>
+              </a:rPr>
               <a:t>視点</a:t>
             </a:r>
             <a:r>
-              <a:rPr kumimoji="1" lang="ja-JP" altLang="en-US" sz="1400"/>
+              <a:rPr kumimoji="1" lang="ja-JP" altLang="en-US" sz="1400">
+                <a:latin typeface="Meiryo UI" panose="020B0604030504040204" pitchFamily="34" charset="-128"/>
+                <a:ea typeface="Meiryo UI" panose="020B0604030504040204" pitchFamily="34" charset="-128"/>
+              </a:rPr>
               <a:t>から</a:t>
             </a:r>
             <a:r>
-              <a:rPr kumimoji="1" lang="zh-HK" altLang="en-US" sz="1400" dirty="0"/>
+              <a:rPr kumimoji="1" lang="zh-HK" altLang="en-US" sz="1400" dirty="0">
+                <a:latin typeface="Meiryo UI" panose="020B0604030504040204" pitchFamily="34" charset="-128"/>
+                <a:ea typeface="Meiryo UI" panose="020B0604030504040204" pitchFamily="34" charset="-128"/>
+              </a:rPr>
               <a:t>現状</a:t>
             </a:r>
             <a:r>
-              <a:rPr kumimoji="1" lang="ja-JP" altLang="en-US" sz="1400"/>
+              <a:rPr kumimoji="1" lang="ja-JP" altLang="en-US" sz="1400">
+                <a:latin typeface="Meiryo UI" panose="020B0604030504040204" pitchFamily="34" charset="-128"/>
+                <a:ea typeface="Meiryo UI" panose="020B0604030504040204" pitchFamily="34" charset="-128"/>
+              </a:rPr>
               <a:t>と</a:t>
             </a:r>
             <a:r>
-              <a:rPr kumimoji="1" lang="zh-HK" altLang="en-US" sz="1400" dirty="0"/>
+              <a:rPr kumimoji="1" lang="zh-HK" altLang="en-US" sz="1400" dirty="0">
+                <a:latin typeface="Meiryo UI" panose="020B0604030504040204" pitchFamily="34" charset="-128"/>
+                <a:ea typeface="Meiryo UI" panose="020B0604030504040204" pitchFamily="34" charset="-128"/>
+              </a:rPr>
               <a:t>期待</a:t>
             </a:r>
             <a:r>
-              <a:rPr kumimoji="1" lang="en-US" altLang="zh-HK" sz="1400" dirty="0"/>
+              <a:rPr kumimoji="1" lang="en-US" altLang="zh-HK" sz="1400" dirty="0">
+                <a:latin typeface="Meiryo UI" panose="020B0604030504040204" pitchFamily="34" charset="-128"/>
+                <a:ea typeface="Meiryo UI" panose="020B0604030504040204" pitchFamily="34" charset="-128"/>
+              </a:rPr>
               <a:t>—</a:t>
             </a:r>
             <a:br>
-              <a:rPr kumimoji="1" lang="en-US" altLang="zh-HK" sz="1400" dirty="0"/>
+              <a:rPr kumimoji="1" lang="en-US" altLang="zh-HK" sz="1400" dirty="0">
+                <a:latin typeface="Meiryo UI" panose="020B0604030504040204" pitchFamily="34" charset="-128"/>
+                <a:ea typeface="Meiryo UI" panose="020B0604030504040204" pitchFamily="34" charset="-128"/>
+              </a:rPr>
             </a:br>
             <a:r>
               <a:rPr kumimoji="1" lang="en-US" altLang="zh-HK" sz="1400" dirty="0">
-                <a:hlinkClick r:id="rId4"/>
+                <a:latin typeface="Meiryo UI" panose="020B0604030504040204" pitchFamily="34" charset="-128"/>
+                <a:ea typeface="Meiryo UI" panose="020B0604030504040204" pitchFamily="34" charset="-128"/>
+                <a:hlinkClick r:id="rId5"/>
               </a:rPr>
               <a:t>https://www.jstage.jst.go.jp/article/ieejjournal/137/10/137_708/_article/-char/ja/</a:t>
             </a:r>
-            <a:endParaRPr kumimoji="1" lang="en-US" altLang="zh-HK" sz="1400" dirty="0"/>
+            <a:endParaRPr kumimoji="1" lang="en-US" altLang="zh-HK" sz="1400" dirty="0">
+              <a:latin typeface="Meiryo UI" panose="020B0604030504040204" pitchFamily="34" charset="-128"/>
+              <a:ea typeface="Meiryo UI" panose="020B0604030504040204" pitchFamily="34" charset="-128"/>
+            </a:endParaRPr>
           </a:p>
           <a:p>
             <a:pPr marL="342900" indent="-342900">
@@ -12023,19 +12930,30 @@
               <a:buAutoNum type="arabicPeriod"/>
             </a:pPr>
             <a:r>
-              <a:rPr kumimoji="1" lang="en-US" altLang="zh-HK" sz="1400" dirty="0"/>
+              <a:rPr kumimoji="1" lang="en-US" altLang="zh-HK" sz="1400" dirty="0">
+                <a:latin typeface="Meiryo UI" panose="020B0604030504040204" pitchFamily="34" charset="-128"/>
+                <a:ea typeface="Meiryo UI" panose="020B0604030504040204" pitchFamily="34" charset="-128"/>
+              </a:rPr>
               <a:t>Blockchain smart contracts formalization: Approaches and challenges to address vulnerabilities</a:t>
             </a:r>
             <a:br>
-              <a:rPr kumimoji="1" lang="en-US" altLang="zh-HK" sz="1400" dirty="0"/>
+              <a:rPr kumimoji="1" lang="en-US" altLang="zh-HK" sz="1400" dirty="0">
+                <a:latin typeface="Meiryo UI" panose="020B0604030504040204" pitchFamily="34" charset="-128"/>
+                <a:ea typeface="Meiryo UI" panose="020B0604030504040204" pitchFamily="34" charset="-128"/>
+              </a:rPr>
             </a:br>
             <a:r>
               <a:rPr kumimoji="1" lang="en-US" altLang="zh-HK" sz="1400" dirty="0">
-                <a:hlinkClick r:id="rId5"/>
+                <a:latin typeface="Meiryo UI" panose="020B0604030504040204" pitchFamily="34" charset="-128"/>
+                <a:ea typeface="Meiryo UI" panose="020B0604030504040204" pitchFamily="34" charset="-128"/>
+                <a:hlinkClick r:id="rId6"/>
               </a:rPr>
               <a:t>https://www.sciencedirect.com/science/article/abs/pii/S0167404818310927</a:t>
             </a:r>
-            <a:endParaRPr kumimoji="1" lang="en-US" altLang="zh-HK" sz="1400" dirty="0"/>
+            <a:endParaRPr kumimoji="1" lang="en-US" altLang="zh-HK" sz="1400" dirty="0">
+              <a:latin typeface="Meiryo UI" panose="020B0604030504040204" pitchFamily="34" charset="-128"/>
+              <a:ea typeface="Meiryo UI" panose="020B0604030504040204" pitchFamily="34" charset="-128"/>
+            </a:endParaRPr>
           </a:p>
           <a:p>
             <a:pPr marL="342900" indent="-342900">
@@ -12043,54 +12961,88 @@
               <a:buAutoNum type="arabicPeriod"/>
             </a:pPr>
             <a:r>
-              <a:rPr kumimoji="1" lang="en-US" altLang="zh-HK" sz="1400" dirty="0" err="1"/>
+              <a:rPr kumimoji="1" lang="en-US" altLang="zh-HK" sz="1400" dirty="0" err="1">
+                <a:latin typeface="Meiryo UI" panose="020B0604030504040204" pitchFamily="34" charset="-128"/>
+                <a:ea typeface="Meiryo UI" panose="020B0604030504040204" pitchFamily="34" charset="-128"/>
+              </a:rPr>
               <a:t>Etherscan</a:t>
             </a:r>
             <a:r>
-              <a:rPr kumimoji="1" lang="en-US" altLang="zh-HK" sz="1400" dirty="0"/>
+              <a:rPr kumimoji="1" lang="en-US" altLang="zh-HK" sz="1400" dirty="0">
+                <a:latin typeface="Meiryo UI" panose="020B0604030504040204" pitchFamily="34" charset="-128"/>
+                <a:ea typeface="Meiryo UI" panose="020B0604030504040204" pitchFamily="34" charset="-128"/>
+              </a:rPr>
               <a:t> -NFT</a:t>
             </a:r>
             <a:br>
-              <a:rPr kumimoji="1" lang="en-US" altLang="zh-HK" sz="1400" dirty="0"/>
+              <a:rPr kumimoji="1" lang="en-US" altLang="zh-HK" sz="1400" dirty="0">
+                <a:latin typeface="Meiryo UI" panose="020B0604030504040204" pitchFamily="34" charset="-128"/>
+                <a:ea typeface="Meiryo UI" panose="020B0604030504040204" pitchFamily="34" charset="-128"/>
+              </a:rPr>
             </a:br>
             <a:r>
               <a:rPr kumimoji="1" lang="en-US" altLang="zh-HK" sz="1400" dirty="0">
-                <a:hlinkClick r:id="rId6"/>
+                <a:latin typeface="Meiryo UI" panose="020B0604030504040204" pitchFamily="34" charset="-128"/>
+                <a:ea typeface="Meiryo UI" panose="020B0604030504040204" pitchFamily="34" charset="-128"/>
+                <a:hlinkClick r:id="rId7"/>
               </a:rPr>
-              <a:t>https://</a:t>
-            </a:r>
-            <a:r>
-              <a:rPr kumimoji="1" lang="en-US" altLang="zh-HK" sz="1400" dirty="0" err="1">
-                <a:hlinkClick r:id="rId6"/>
-              </a:rPr>
-              <a:t>etherscan.io</a:t>
-            </a:r>
-            <a:r>
-              <a:rPr kumimoji="1" lang="en-US" altLang="zh-HK" sz="1400" dirty="0">
-                <a:hlinkClick r:id="rId6"/>
-              </a:rPr>
-              <a:t>/</a:t>
-            </a:r>
-            <a:r>
-              <a:rPr kumimoji="1" lang="en-US" altLang="zh-HK" sz="1400" dirty="0" err="1">
-                <a:hlinkClick r:id="rId6"/>
-              </a:rPr>
-              <a:t>nft</a:t>
-            </a:r>
-            <a:r>
-              <a:rPr kumimoji="1" lang="en-US" altLang="zh-HK" sz="1400" dirty="0">
-                <a:hlinkClick r:id="rId6"/>
-              </a:rPr>
-              <a:t>-top-contracts</a:t>
-            </a:r>
-            <a:endParaRPr kumimoji="1" lang="en-US" altLang="zh-HK" sz="1400" dirty="0"/>
+              <a:t>https://etherscan.io/nft-top-contracts</a:t>
+            </a:r>
+            <a:endParaRPr kumimoji="1" lang="en-US" altLang="zh-HK" sz="1400" dirty="0">
+              <a:latin typeface="Meiryo UI" panose="020B0604030504040204" pitchFamily="34" charset="-128"/>
+              <a:ea typeface="Meiryo UI" panose="020B0604030504040204" pitchFamily="34" charset="-128"/>
+            </a:endParaRPr>
           </a:p>
           <a:p>
             <a:pPr marL="342900" indent="-342900">
               <a:buFont typeface="+mj-lt"/>
               <a:buAutoNum type="arabicPeriod"/>
             </a:pPr>
-            <a:endParaRPr kumimoji="1" lang="en-US" altLang="zh-HK" sz="1400" dirty="0"/>
+            <a:r>
+              <a:rPr kumimoji="1" lang="en-US" altLang="zh-HK" sz="1400" dirty="0">
+                <a:latin typeface="Meiryo UI" panose="020B0604030504040204" pitchFamily="34" charset="-128"/>
+                <a:ea typeface="Meiryo UI" panose="020B0604030504040204" pitchFamily="34" charset="-128"/>
+              </a:rPr>
+              <a:t>Building a Blockchain with Go</a:t>
+            </a:r>
+            <a:br>
+              <a:rPr kumimoji="1" lang="en-US" altLang="zh-HK" sz="1400" dirty="0">
+                <a:latin typeface="Meiryo UI" panose="020B0604030504040204" pitchFamily="34" charset="-128"/>
+                <a:ea typeface="Meiryo UI" panose="020B0604030504040204" pitchFamily="34" charset="-128"/>
+              </a:rPr>
+            </a:br>
+            <a:r>
+              <a:rPr kumimoji="1" lang="en-US" altLang="zh-HK" sz="1400" dirty="0">
+                <a:latin typeface="Meiryo UI" panose="020B0604030504040204" pitchFamily="34" charset="-128"/>
+                <a:ea typeface="Meiryo UI" panose="020B0604030504040204" pitchFamily="34" charset="-128"/>
+                <a:hlinkClick r:id="rId8"/>
+              </a:rPr>
+              <a:t>https://www.youtube.com/playlist?list=PLpP5MQvVi4PGmNYGEsShrlvuE2B33xV1L</a:t>
+            </a:r>
+            <a:endParaRPr kumimoji="1" lang="en-US" altLang="zh-HK" sz="1400" dirty="0">
+              <a:latin typeface="Meiryo UI" panose="020B0604030504040204" pitchFamily="34" charset="-128"/>
+              <a:ea typeface="Meiryo UI" panose="020B0604030504040204" pitchFamily="34" charset="-128"/>
+            </a:endParaRPr>
+          </a:p>
+          <a:p>
+            <a:pPr marL="342900" indent="-342900">
+              <a:buFont typeface="+mj-lt"/>
+              <a:buAutoNum type="arabicPeriod"/>
+            </a:pPr>
+            <a:endParaRPr kumimoji="1" lang="en-US" altLang="zh-HK" sz="1400" dirty="0">
+              <a:latin typeface="Meiryo UI" panose="020B0604030504040204" pitchFamily="34" charset="-128"/>
+              <a:ea typeface="Meiryo UI" panose="020B0604030504040204" pitchFamily="34" charset="-128"/>
+            </a:endParaRPr>
+          </a:p>
+          <a:p>
+            <a:pPr marL="342900" indent="-342900">
+              <a:buFont typeface="+mj-lt"/>
+              <a:buAutoNum type="arabicPeriod"/>
+            </a:pPr>
+            <a:endParaRPr kumimoji="1" lang="en-US" altLang="zh-HK" sz="1400" dirty="0">
+              <a:latin typeface="Meiryo UI" panose="020B0604030504040204" pitchFamily="34" charset="-128"/>
+              <a:ea typeface="Meiryo UI" panose="020B0604030504040204" pitchFamily="34" charset="-128"/>
+            </a:endParaRPr>
           </a:p>
         </p:txBody>
       </p:sp>

--- a/Y3-Sem1/ITゼミ演習１/SK3A04文家俊_5月発表.pptx
+++ b/Y3-Sem1/ITゼミ演習１/SK3A04文家俊_5月発表.pptx
@@ -5,7 +5,7 @@
     <p:sldMasterId id="2147483648" r:id="rId1"/>
   </p:sldMasterIdLst>
   <p:notesMasterIdLst>
-    <p:notesMasterId r:id="rId9"/>
+    <p:notesMasterId r:id="rId10"/>
   </p:notesMasterIdLst>
   <p:sldIdLst>
     <p:sldId id="256" r:id="rId2"/>
@@ -13,8 +13,9 @@
     <p:sldId id="258" r:id="rId4"/>
     <p:sldId id="260" r:id="rId5"/>
     <p:sldId id="264" r:id="rId6"/>
-    <p:sldId id="261" r:id="rId7"/>
-    <p:sldId id="263" r:id="rId8"/>
+    <p:sldId id="266" r:id="rId7"/>
+    <p:sldId id="261" r:id="rId8"/>
+    <p:sldId id="263" r:id="rId9"/>
   </p:sldIdLst>
   <p:sldSz cx="12192000" cy="6858000"/>
   <p:notesSz cx="6858000" cy="9144000"/>
@@ -1073,7 +1074,7 @@
         <a:bodyPr/>
         <a:lstStyle/>
         <a:p>
-          <a:pPr algn="r"/>
+          <a:pPr algn="ctr"/>
           <a:r>
             <a:rPr lang="zh-HK" altLang="en-US" sz="2000" b="0" i="0" dirty="0">
               <a:latin typeface="Meiryo UI" panose="020B0604030504040204" pitchFamily="34" charset="-128"/>
@@ -1368,20 +1369,6 @@
         <a:p>
           <a:pPr algn="ctr"/>
           <a:r>
-            <a:rPr lang="en-US" altLang="ja-JP" sz="2200" dirty="0">
-              <a:latin typeface="Meiryo UI" panose="020B0604030504040204" pitchFamily="34" charset="-128"/>
-              <a:ea typeface="Meiryo UI" panose="020B0604030504040204" pitchFamily="34" charset="-128"/>
-            </a:rPr>
-            <a:t>ChatGPT</a:t>
-          </a:r>
-          <a:r>
-            <a:rPr lang="ja-JP" altLang="en-US" sz="2200">
-              <a:latin typeface="Meiryo UI" panose="020B0604030504040204" pitchFamily="34" charset="-128"/>
-              <a:ea typeface="Meiryo UI" panose="020B0604030504040204" pitchFamily="34" charset="-128"/>
-            </a:rPr>
-            <a:t>で</a:t>
-          </a:r>
-          <a:r>
             <a:rPr lang="zh-HK" altLang="en-US" sz="2200" dirty="0">
               <a:latin typeface="Meiryo UI" panose="020B0604030504040204" pitchFamily="34" charset="-128"/>
               <a:ea typeface="Meiryo UI" panose="020B0604030504040204" pitchFamily="34" charset="-128"/>
@@ -1662,7 +1649,7 @@
       <dsp:spPr>
         <a:xfrm>
           <a:off x="0" y="0"/>
-          <a:ext cx="9387839" cy="839238"/>
+          <a:ext cx="8642486" cy="790403"/>
         </a:xfrm>
         <a:prstGeom prst="roundRect">
           <a:avLst>
@@ -1723,20 +1710,6 @@
             </a:spcAft>
             <a:buNone/>
           </a:pPr>
-          <a:r>
-            <a:rPr lang="en-US" altLang="ja-JP" sz="2200" kern="1200" dirty="0">
-              <a:latin typeface="Meiryo UI" panose="020B0604030504040204" pitchFamily="34" charset="-128"/>
-              <a:ea typeface="Meiryo UI" panose="020B0604030504040204" pitchFamily="34" charset="-128"/>
-            </a:rPr>
-            <a:t>ChatGPT</a:t>
-          </a:r>
-          <a:r>
-            <a:rPr lang="ja-JP" altLang="en-US" sz="2200" kern="1200">
-              <a:latin typeface="Meiryo UI" panose="020B0604030504040204" pitchFamily="34" charset="-128"/>
-              <a:ea typeface="Meiryo UI" panose="020B0604030504040204" pitchFamily="34" charset="-128"/>
-            </a:rPr>
-            <a:t>で</a:t>
-          </a:r>
           <a:r>
             <a:rPr lang="zh-HK" altLang="en-US" sz="2200" kern="1200" dirty="0">
               <a:latin typeface="Meiryo UI" panose="020B0604030504040204" pitchFamily="34" charset="-128"/>
@@ -1804,8 +1777,8 @@
         </a:p>
       </dsp:txBody>
       <dsp:txXfrm>
-        <a:off x="24580" y="24580"/>
-        <a:ext cx="8384045" cy="790078"/>
+        <a:off x="23150" y="23150"/>
+        <a:ext cx="7697103" cy="744103"/>
       </dsp:txXfrm>
     </dsp:sp>
     <dsp:sp modelId="{374E5E08-6AF1-2340-A7B2-A1ED59DEA5B1}">
@@ -1815,8 +1788,8 @@
       </dsp:nvSpPr>
       <dsp:spPr>
         <a:xfrm>
-          <a:off x="701039" y="955798"/>
-          <a:ext cx="9387839" cy="839238"/>
+          <a:off x="645380" y="900181"/>
+          <a:ext cx="8642486" cy="790403"/>
         </a:xfrm>
         <a:prstGeom prst="roundRect">
           <a:avLst>
@@ -1898,8 +1871,8 @@
         </a:p>
       </dsp:txBody>
       <dsp:txXfrm>
-        <a:off x="725619" y="980378"/>
-        <a:ext cx="8092134" cy="790078"/>
+        <a:off x="668530" y="923331"/>
+        <a:ext cx="7437044" cy="744103"/>
       </dsp:txXfrm>
     </dsp:sp>
     <dsp:sp modelId="{D1E0279E-0B7D-4A46-915D-58A666877C65}">
@@ -1909,8 +1882,8 @@
       </dsp:nvSpPr>
       <dsp:spPr>
         <a:xfrm>
-          <a:off x="1402079" y="1911597"/>
-          <a:ext cx="9387839" cy="839238"/>
+          <a:off x="1290761" y="1800363"/>
+          <a:ext cx="8642486" cy="790403"/>
         </a:xfrm>
         <a:prstGeom prst="roundRect">
           <a:avLst>
@@ -1959,7 +1932,7 @@
         </a:bodyPr>
         <a:lstStyle/>
         <a:p>
-          <a:pPr marL="0" lvl="0" indent="0" algn="r" defTabSz="889000">
+          <a:pPr marL="0" lvl="0" indent="0" algn="ctr" defTabSz="889000">
             <a:lnSpc>
               <a:spcPct val="90000"/>
             </a:lnSpc>
@@ -2117,8 +2090,8 @@
         </a:p>
       </dsp:txBody>
       <dsp:txXfrm>
-        <a:off x="1426659" y="1936177"/>
-        <a:ext cx="8092134" cy="790078"/>
+        <a:off x="1313911" y="1823513"/>
+        <a:ext cx="7437044" cy="744103"/>
       </dsp:txXfrm>
     </dsp:sp>
     <dsp:sp modelId="{BBBCF3DB-D71D-344A-984D-4735EDA8F9D5}">
@@ -2128,8 +2101,8 @@
       </dsp:nvSpPr>
       <dsp:spPr>
         <a:xfrm>
-          <a:off x="2103119" y="2867396"/>
-          <a:ext cx="9387839" cy="839238"/>
+          <a:off x="1936141" y="2700544"/>
+          <a:ext cx="8642486" cy="790403"/>
         </a:xfrm>
         <a:prstGeom prst="roundRect">
           <a:avLst>
@@ -2229,8 +2202,8 @@
         </a:p>
       </dsp:txBody>
       <dsp:txXfrm>
-        <a:off x="2127699" y="2891976"/>
-        <a:ext cx="8092134" cy="790078"/>
+        <a:off x="1959291" y="2723694"/>
+        <a:ext cx="7437044" cy="744103"/>
       </dsp:txXfrm>
     </dsp:sp>
     <dsp:sp modelId="{D276763F-24E8-9546-9981-DD4471FB9684}">
@@ -2240,8 +2213,8 @@
       </dsp:nvSpPr>
       <dsp:spPr>
         <a:xfrm>
-          <a:off x="2804159" y="3823195"/>
-          <a:ext cx="9387839" cy="839238"/>
+          <a:off x="2581522" y="3600726"/>
+          <a:ext cx="8642486" cy="790403"/>
         </a:xfrm>
         <a:prstGeom prst="roundRect">
           <a:avLst>
@@ -2320,8 +2293,8 @@
         </a:p>
       </dsp:txBody>
       <dsp:txXfrm>
-        <a:off x="2828739" y="3847775"/>
-        <a:ext cx="8092134" cy="790078"/>
+        <a:off x="2604672" y="3623876"/>
+        <a:ext cx="7437044" cy="744103"/>
       </dsp:txXfrm>
     </dsp:sp>
     <dsp:sp modelId="{B0388D05-54B5-FE44-9375-47C1B3E127BA}">
@@ -2331,8 +2304,8 @@
       </dsp:nvSpPr>
       <dsp:spPr>
         <a:xfrm>
-          <a:off x="8842334" y="613110"/>
-          <a:ext cx="545504" cy="545504"/>
+          <a:off x="8128724" y="577433"/>
+          <a:ext cx="513762" cy="513762"/>
         </a:xfrm>
         <a:prstGeom prst="downArrow">
           <a:avLst>
@@ -2378,12 +2351,12 @@
         <a:fontRef idx="minor"/>
       </dsp:style>
       <dsp:txBody>
-        <a:bodyPr spcFirstLastPara="0" vert="horz" wrap="square" lIns="30480" tIns="30480" rIns="30480" bIns="30480" numCol="1" spcCol="1270" anchor="ctr" anchorCtr="0">
+        <a:bodyPr spcFirstLastPara="0" vert="horz" wrap="square" lIns="29210" tIns="29210" rIns="29210" bIns="29210" numCol="1" spcCol="1270" anchor="ctr" anchorCtr="0">
           <a:noAutofit/>
         </a:bodyPr>
         <a:lstStyle/>
         <a:p>
-          <a:pPr marL="0" lvl="0" indent="0" algn="ctr" defTabSz="1066800">
+          <a:pPr marL="0" lvl="0" indent="0" algn="ctr" defTabSz="1022350">
             <a:lnSpc>
               <a:spcPct val="90000"/>
             </a:lnSpc>
@@ -2395,12 +2368,12 @@
             </a:spcAft>
             <a:buNone/>
           </a:pPr>
-          <a:endParaRPr lang="zh-TW" altLang="en-US" sz="2400" kern="1200"/>
+          <a:endParaRPr lang="zh-TW" altLang="en-US" sz="2300" kern="1200"/>
         </a:p>
       </dsp:txBody>
       <dsp:txXfrm>
-        <a:off x="8965072" y="613110"/>
-        <a:ext cx="300028" cy="410492"/>
+        <a:off x="8244320" y="577433"/>
+        <a:ext cx="282570" cy="386606"/>
       </dsp:txXfrm>
     </dsp:sp>
     <dsp:sp modelId="{89E79A14-C6F5-2B4B-B03B-720B6429821B}">
@@ -2410,8 +2383,8 @@
       </dsp:nvSpPr>
       <dsp:spPr>
         <a:xfrm>
-          <a:off x="9543374" y="1568909"/>
-          <a:ext cx="545504" cy="545504"/>
+          <a:off x="8774105" y="1477615"/>
+          <a:ext cx="513762" cy="513762"/>
         </a:xfrm>
         <a:prstGeom prst="downArrow">
           <a:avLst>
@@ -2457,12 +2430,12 @@
         <a:fontRef idx="minor"/>
       </dsp:style>
       <dsp:txBody>
-        <a:bodyPr spcFirstLastPara="0" vert="horz" wrap="square" lIns="30480" tIns="30480" rIns="30480" bIns="30480" numCol="1" spcCol="1270" anchor="ctr" anchorCtr="0">
+        <a:bodyPr spcFirstLastPara="0" vert="horz" wrap="square" lIns="29210" tIns="29210" rIns="29210" bIns="29210" numCol="1" spcCol="1270" anchor="ctr" anchorCtr="0">
           <a:noAutofit/>
         </a:bodyPr>
         <a:lstStyle/>
         <a:p>
-          <a:pPr marL="0" lvl="0" indent="0" algn="ctr" defTabSz="1066800">
+          <a:pPr marL="0" lvl="0" indent="0" algn="ctr" defTabSz="1022350">
             <a:lnSpc>
               <a:spcPct val="90000"/>
             </a:lnSpc>
@@ -2474,12 +2447,12 @@
             </a:spcAft>
             <a:buNone/>
           </a:pPr>
-          <a:endParaRPr lang="zh-TW" altLang="en-US" sz="2400" kern="1200"/>
+          <a:endParaRPr lang="zh-TW" altLang="en-US" sz="2300" kern="1200"/>
         </a:p>
       </dsp:txBody>
       <dsp:txXfrm>
-        <a:off x="9666112" y="1568909"/>
-        <a:ext cx="300028" cy="410492"/>
+        <a:off x="8889701" y="1477615"/>
+        <a:ext cx="282570" cy="386606"/>
       </dsp:txXfrm>
     </dsp:sp>
     <dsp:sp modelId="{6CB7D3DF-ED30-C744-8EF9-574F4A7A0C95}">
@@ -2489,8 +2462,8 @@
       </dsp:nvSpPr>
       <dsp:spPr>
         <a:xfrm>
-          <a:off x="10244414" y="2510720"/>
-          <a:ext cx="545504" cy="545504"/>
+          <a:off x="9419485" y="2364623"/>
+          <a:ext cx="513762" cy="513762"/>
         </a:xfrm>
         <a:prstGeom prst="downArrow">
           <a:avLst>
@@ -2536,12 +2509,12 @@
         <a:fontRef idx="minor"/>
       </dsp:style>
       <dsp:txBody>
-        <a:bodyPr spcFirstLastPara="0" vert="horz" wrap="square" lIns="30480" tIns="30480" rIns="30480" bIns="30480" numCol="1" spcCol="1270" anchor="ctr" anchorCtr="0">
+        <a:bodyPr spcFirstLastPara="0" vert="horz" wrap="square" lIns="29210" tIns="29210" rIns="29210" bIns="29210" numCol="1" spcCol="1270" anchor="ctr" anchorCtr="0">
           <a:noAutofit/>
         </a:bodyPr>
         <a:lstStyle/>
         <a:p>
-          <a:pPr marL="0" lvl="0" indent="0" algn="ctr" defTabSz="1066800">
+          <a:pPr marL="0" lvl="0" indent="0" algn="ctr" defTabSz="1022350">
             <a:lnSpc>
               <a:spcPct val="90000"/>
             </a:lnSpc>
@@ -2553,12 +2526,12 @@
             </a:spcAft>
             <a:buNone/>
           </a:pPr>
-          <a:endParaRPr lang="zh-TW" altLang="en-US" sz="2400" kern="1200"/>
+          <a:endParaRPr lang="zh-TW" altLang="en-US" sz="2300" kern="1200"/>
         </a:p>
       </dsp:txBody>
       <dsp:txXfrm>
-        <a:off x="10367152" y="2510720"/>
-        <a:ext cx="300028" cy="410492"/>
+        <a:off x="9535081" y="2364623"/>
+        <a:ext cx="282570" cy="386606"/>
       </dsp:txXfrm>
     </dsp:sp>
     <dsp:sp modelId="{F41A6DE8-C852-9946-B7D5-255DFED1346B}">
@@ -2568,8 +2541,8 @@
       </dsp:nvSpPr>
       <dsp:spPr>
         <a:xfrm>
-          <a:off x="10945454" y="3475844"/>
-          <a:ext cx="545504" cy="545504"/>
+          <a:off x="10064866" y="3273587"/>
+          <a:ext cx="513762" cy="513762"/>
         </a:xfrm>
         <a:prstGeom prst="downArrow">
           <a:avLst>
@@ -2615,12 +2588,12 @@
         <a:fontRef idx="minor"/>
       </dsp:style>
       <dsp:txBody>
-        <a:bodyPr spcFirstLastPara="0" vert="horz" wrap="square" lIns="30480" tIns="30480" rIns="30480" bIns="30480" numCol="1" spcCol="1270" anchor="ctr" anchorCtr="0">
+        <a:bodyPr spcFirstLastPara="0" vert="horz" wrap="square" lIns="29210" tIns="29210" rIns="29210" bIns="29210" numCol="1" spcCol="1270" anchor="ctr" anchorCtr="0">
           <a:noAutofit/>
         </a:bodyPr>
         <a:lstStyle/>
         <a:p>
-          <a:pPr marL="0" lvl="0" indent="0" algn="ctr" defTabSz="1066800">
+          <a:pPr marL="0" lvl="0" indent="0" algn="ctr" defTabSz="1022350">
             <a:lnSpc>
               <a:spcPct val="90000"/>
             </a:lnSpc>
@@ -2632,12 +2605,12 @@
             </a:spcAft>
             <a:buNone/>
           </a:pPr>
-          <a:endParaRPr lang="zh-TW" altLang="en-US" sz="2400" kern="1200"/>
+          <a:endParaRPr lang="zh-TW" altLang="en-US" sz="2300" kern="1200"/>
         </a:p>
       </dsp:txBody>
       <dsp:txXfrm>
-        <a:off x="11068192" y="3475844"/>
-        <a:ext cx="300028" cy="410492"/>
+        <a:off x="10180462" y="3273587"/>
+        <a:ext cx="282570" cy="386606"/>
       </dsp:txXfrm>
     </dsp:sp>
   </dsp:spTree>
@@ -4986,7 +4959,7 @@
           <a:p>
             <a:fld id="{A25B1EB1-CDC4-F948-A361-2ADBE5BAC4B6}" type="datetimeFigureOut">
               <a:rPr kumimoji="1" lang="zh-HK" altLang="en-US" smtClean="0"/>
-              <a:t>24/05/24</a:t>
+              <a:t>28/05/24</a:t>
             </a:fld>
             <a:endParaRPr kumimoji="1" lang="zh-HK" altLang="en-US"/>
           </a:p>
@@ -5661,7 +5634,7 @@
           <a:p>
             <a:fld id="{8102099C-06F5-764E-8D8C-32B506B98079}" type="slidenum">
               <a:rPr kumimoji="1" lang="zh-HK" altLang="en-US" smtClean="0"/>
-              <a:t>6</a:t>
+              <a:t>7</a:t>
             </a:fld>
             <a:endParaRPr kumimoji="1" lang="zh-HK" altLang="en-US"/>
           </a:p>
@@ -5777,7 +5750,7 @@
           <a:p>
             <a:fld id="{8102099C-06F5-764E-8D8C-32B506B98079}" type="slidenum">
               <a:rPr kumimoji="1" lang="zh-HK" altLang="en-US" smtClean="0"/>
-              <a:t>7</a:t>
+              <a:t>8</a:t>
             </a:fld>
             <a:endParaRPr kumimoji="1" lang="zh-HK" altLang="en-US"/>
           </a:p>
@@ -6025,7 +5998,7 @@
           <a:p>
             <a:fld id="{6488FF91-0940-194F-9C77-DAE915FA224C}" type="datetime1">
               <a:rPr lang="zh-HK" altLang="en-US" smtClean="0"/>
-              <a:t>24/05/24</a:t>
+              <a:t>28/05/24</a:t>
             </a:fld>
             <a:endParaRPr lang="en-US" dirty="0"/>
           </a:p>
@@ -6355,7 +6328,7 @@
           <a:p>
             <a:fld id="{FA0DF90C-D644-6640-B8E0-8DE46E7F0644}" type="datetime1">
               <a:rPr lang="zh-HK" altLang="en-US" smtClean="0"/>
-              <a:t>24/05/24</a:t>
+              <a:t>28/05/24</a:t>
             </a:fld>
             <a:endParaRPr lang="en-US" dirty="0"/>
           </a:p>
@@ -6629,7 +6602,7 @@
           <a:p>
             <a:fld id="{A3E15762-F46E-5946-89D2-6B3C47526378}" type="datetime1">
               <a:rPr lang="zh-HK" altLang="en-US" smtClean="0"/>
-              <a:t>24/05/24</a:t>
+              <a:t>28/05/24</a:t>
             </a:fld>
             <a:endParaRPr lang="en-US" dirty="0"/>
           </a:p>
@@ -7193,7 +7166,7 @@
           <a:p>
             <a:fld id="{B1B66AF3-55CB-4E4C-8497-9B186D03A391}" type="datetime1">
               <a:rPr lang="zh-HK" altLang="en-US" smtClean="0"/>
-              <a:t>24/05/24</a:t>
+              <a:t>28/05/24</a:t>
             </a:fld>
             <a:endParaRPr lang="en-US" dirty="0"/>
           </a:p>
@@ -7467,7 +7440,7 @@
           <a:p>
             <a:fld id="{AD6D1AB9-DE2E-F74E-B26B-51B4C34E11D7}" type="datetime1">
               <a:rPr lang="zh-HK" altLang="en-US" smtClean="0"/>
-              <a:t>24/05/24</a:t>
+              <a:t>28/05/24</a:t>
             </a:fld>
             <a:endParaRPr lang="en-US" dirty="0"/>
           </a:p>
@@ -8025,7 +7998,7 @@
           <a:p>
             <a:fld id="{C604EF20-0F4F-5D4B-981E-76360C562C67}" type="datetime1">
               <a:rPr lang="zh-HK" altLang="en-US" smtClean="0"/>
-              <a:t>24/05/24</a:t>
+              <a:t>28/05/24</a:t>
             </a:fld>
             <a:endParaRPr lang="en-US" dirty="0"/>
           </a:p>
@@ -8348,7 +8321,7 @@
           <a:p>
             <a:fld id="{3CBAF90F-A823-E34C-A78F-4AE4CC7F67D9}" type="datetime1">
               <a:rPr lang="zh-HK" altLang="en-US" smtClean="0"/>
-              <a:t>24/05/24</a:t>
+              <a:t>28/05/24</a:t>
             </a:fld>
             <a:endParaRPr lang="en-US" dirty="0"/>
           </a:p>
@@ -8521,7 +8494,7 @@
           <a:p>
             <a:fld id="{360D99CF-A52E-1943-B2AF-2BB78B1FDB5F}" type="datetime1">
               <a:rPr lang="zh-HK" altLang="en-US" smtClean="0"/>
-              <a:t>24/05/24</a:t>
+              <a:t>28/05/24</a:t>
             </a:fld>
             <a:endParaRPr lang="en-US" dirty="0"/>
           </a:p>
@@ -8755,7 +8728,7 @@
           <a:p>
             <a:fld id="{8F0553CA-2D29-764D-AA8F-1197C6038739}" type="datetime1">
               <a:rPr lang="zh-HK" altLang="en-US" smtClean="0"/>
-              <a:t>24/05/24</a:t>
+              <a:t>28/05/24</a:t>
             </a:fld>
             <a:endParaRPr lang="en-US" dirty="0"/>
           </a:p>
@@ -8951,7 +8924,7 @@
           <a:p>
             <a:fld id="{090483E7-7DB3-3E42-9AA5-4E286FE4D513}" type="datetime1">
               <a:rPr lang="zh-HK" altLang="en-US" smtClean="0"/>
-              <a:t>24/05/24</a:t>
+              <a:t>28/05/24</a:t>
             </a:fld>
             <a:endParaRPr lang="en-US" dirty="0"/>
           </a:p>
@@ -9223,7 +9196,7 @@
           <a:p>
             <a:fld id="{88E40C52-B9B1-6D4B-AD30-EA6291ADE45B}" type="datetime1">
               <a:rPr lang="zh-HK" altLang="en-US" smtClean="0"/>
-              <a:t>24/05/24</a:t>
+              <a:t>28/05/24</a:t>
             </a:fld>
             <a:endParaRPr lang="en-US" dirty="0"/>
           </a:p>
@@ -9485,7 +9458,7 @@
           <a:p>
             <a:fld id="{B60E899F-DB52-CE42-A56D-2D8EF91025F2}" type="datetime1">
               <a:rPr lang="zh-HK" altLang="en-US" smtClean="0"/>
-              <a:t>24/05/24</a:t>
+              <a:t>28/05/24</a:t>
             </a:fld>
             <a:endParaRPr lang="en-US" dirty="0"/>
           </a:p>
@@ -9855,7 +9828,7 @@
           <a:p>
             <a:fld id="{5FEC8C46-8D78-CD47-8A77-31D3D7DDC27C}" type="datetime1">
               <a:rPr lang="zh-HK" altLang="en-US" smtClean="0"/>
-              <a:t>24/05/24</a:t>
+              <a:t>28/05/24</a:t>
             </a:fld>
             <a:endParaRPr lang="en-US" dirty="0"/>
           </a:p>
@@ -9999,7 +9972,7 @@
           <a:p>
             <a:fld id="{FE08F07B-E490-A64D-A8FD-15A7600DEDC6}" type="datetime1">
               <a:rPr lang="zh-HK" altLang="en-US" smtClean="0"/>
-              <a:t>24/05/24</a:t>
+              <a:t>28/05/24</a:t>
             </a:fld>
             <a:endParaRPr lang="en-US" dirty="0"/>
           </a:p>
@@ -10120,7 +10093,7 @@
           <a:p>
             <a:fld id="{0E7C8759-FE0A-E346-957B-D93FCC1699B5}" type="datetime1">
               <a:rPr lang="zh-HK" altLang="en-US" smtClean="0"/>
-              <a:t>24/05/24</a:t>
+              <a:t>28/05/24</a:t>
             </a:fld>
             <a:endParaRPr lang="en-US" dirty="0"/>
           </a:p>
@@ -10401,7 +10374,7 @@
           <a:p>
             <a:fld id="{D9D2399D-36B5-7243-824A-D8DDB2F38D52}" type="datetime1">
               <a:rPr lang="zh-HK" altLang="en-US" smtClean="0"/>
-              <a:t>24/05/24</a:t>
+              <a:t>28/05/24</a:t>
             </a:fld>
             <a:endParaRPr lang="en-US" dirty="0"/>
           </a:p>
@@ -10721,7 +10694,7 @@
           <a:p>
             <a:fld id="{A75A1BCC-89DB-FD42-9808-1E6C9FD979D2}" type="datetime1">
               <a:rPr lang="zh-HK" altLang="en-US" smtClean="0"/>
-              <a:t>24/05/24</a:t>
+              <a:t>28/05/24</a:t>
             </a:fld>
             <a:endParaRPr lang="en-US" dirty="0"/>
           </a:p>
@@ -10931,7 +10904,7 @@
           <a:p>
             <a:fld id="{6D0A750E-E3A6-1740-A438-6E87315FF5E3}" type="datetime1">
               <a:rPr lang="zh-HK" altLang="en-US" smtClean="0"/>
-              <a:t>24/05/24</a:t>
+              <a:t>28/05/24</a:t>
             </a:fld>
             <a:endParaRPr lang="en-US" dirty="0"/>
           </a:p>
@@ -11650,7 +11623,25 @@
                 <a:ea typeface="Meiryo UI" panose="020B0604030504040204" pitchFamily="34" charset="-128"/>
                 <a:cs typeface="Times New Roman" panose="02020603050405020304" pitchFamily="18" charset="0"/>
               </a:rPr>
-              <a:t>現在、セキュリティーにおいてデータ漏洩事件が多発しています。ブロックチェーンは高いセキュリティ特性を持つ技術であるため、</a:t>
+              <a:t>現在、セキュリティーにおいてデータ漏洩事件が多発</a:t>
+            </a:r>
+            <a:r>
+              <a:rPr lang="zh-HK" altLang="en-US" sz="2800" kern="100" dirty="0">
+                <a:effectLst/>
+                <a:latin typeface="Yu Mincho" panose="02020400000000000000" pitchFamily="18" charset="-128"/>
+                <a:ea typeface="Meiryo UI" panose="020B0604030504040204" pitchFamily="34" charset="-128"/>
+                <a:cs typeface="Times New Roman" panose="02020603050405020304" pitchFamily="18" charset="0"/>
+              </a:rPr>
+              <a:t>され</a:t>
+            </a:r>
+            <a:r>
+              <a:rPr lang="ja-JP" altLang="en-US" sz="2800" kern="100">
+                <a:effectLst/>
+                <a:latin typeface="Yu Mincho" panose="02020400000000000000" pitchFamily="18" charset="-128"/>
+                <a:ea typeface="Meiryo UI" panose="020B0604030504040204" pitchFamily="34" charset="-128"/>
+                <a:cs typeface="Times New Roman" panose="02020603050405020304" pitchFamily="18" charset="0"/>
+              </a:rPr>
+              <a:t>ています。ブロックチェーンは高いセキュリティ特性を持つ技術であるため、</a:t>
             </a:r>
             <a:br>
               <a:rPr lang="en-US" altLang="ja-JP" sz="2800" kern="100" dirty="0">
@@ -11675,7 +11666,25 @@
                 <a:ea typeface="Meiryo UI" panose="020B0604030504040204" pitchFamily="34" charset="-128"/>
                 <a:cs typeface="Times New Roman" panose="02020603050405020304" pitchFamily="18" charset="0"/>
               </a:rPr>
-              <a:t>もし広く普及すれば、セキュリティがある程度強化されると思います。</a:t>
+              <a:t>もし広く普及すれば、セキュリティがある程度強化</a:t>
+            </a:r>
+            <a:r>
+              <a:rPr lang="zh-HK" altLang="en-US" sz="2800" kern="100" dirty="0">
+                <a:effectLst/>
+                <a:latin typeface="Yu Mincho" panose="02020400000000000000" pitchFamily="18" charset="-128"/>
+                <a:ea typeface="Meiryo UI" panose="020B0604030504040204" pitchFamily="34" charset="-128"/>
+                <a:cs typeface="Times New Roman" panose="02020603050405020304" pitchFamily="18" charset="0"/>
+              </a:rPr>
+              <a:t>でき</a:t>
+            </a:r>
+            <a:r>
+              <a:rPr lang="ja-JP" altLang="en-US" sz="2800" kern="100">
+                <a:effectLst/>
+                <a:latin typeface="Yu Mincho" panose="02020400000000000000" pitchFamily="18" charset="-128"/>
+                <a:ea typeface="Meiryo UI" panose="020B0604030504040204" pitchFamily="34" charset="-128"/>
+                <a:cs typeface="Times New Roman" panose="02020603050405020304" pitchFamily="18" charset="0"/>
+              </a:rPr>
+              <a:t>ると思います。</a:t>
             </a:r>
             <a:endParaRPr lang="en-US" altLang="ja-JP" sz="2800" kern="100" dirty="0">
               <a:effectLst/>
@@ -12013,14 +12022,14 @@
             <p:ph idx="1"/>
             <p:extLst>
               <p:ext uri="{D42A27DB-BD31-4B8C-83A1-F6EECF244321}">
-                <p14:modId xmlns:p14="http://schemas.microsoft.com/office/powerpoint/2010/main" val="3475342782"/>
+                <p14:modId xmlns:p14="http://schemas.microsoft.com/office/powerpoint/2010/main" val="2899546754"/>
               </p:ext>
             </p:extLst>
           </p:nvPr>
         </p:nvGraphicFramePr>
         <p:xfrm>
-          <a:off x="0" y="1105320"/>
-          <a:ext cx="12191999" cy="4662434"/>
+          <a:off x="483995" y="1233435"/>
+          <a:ext cx="11224009" cy="4391130"/>
         </p:xfrm>
         <a:graphic>
           <a:graphicData uri="http://schemas.openxmlformats.org/drawingml/2006/diagram">
@@ -12160,7 +12169,7 @@
         </p:blipFill>
         <p:spPr>
           <a:xfrm>
-            <a:off x="1246553" y="-457200"/>
+            <a:off x="1246553" y="609600"/>
             <a:ext cx="9698894" cy="6071616"/>
           </a:xfrm>
         </p:spPr>
@@ -12197,41 +12206,33 @@
       </p:sp>
       <p:sp>
         <p:nvSpPr>
-          <p:cNvPr id="7" name="文字方塊 6">
+          <p:cNvPr id="2" name="標題 1">
             <a:extLst>
               <a:ext uri="{FF2B5EF4-FFF2-40B4-BE49-F238E27FC236}">
-                <a16:creationId xmlns:a16="http://schemas.microsoft.com/office/drawing/2014/main" id="{CBB578C1-C4CE-30DE-05C2-E71B6054F3A4}"/>
+                <a16:creationId xmlns:a16="http://schemas.microsoft.com/office/drawing/2014/main" id="{D5145BD8-4019-8154-2C04-F1071690BFA1}"/>
               </a:ext>
             </a:extLst>
           </p:cNvPr>
-          <p:cNvSpPr txBox="1"/>
-          <p:nvPr/>
+          <p:cNvSpPr>
+            <a:spLocks noGrp="1"/>
+          </p:cNvSpPr>
+          <p:nvPr>
+            <p:ph type="title"/>
+          </p:nvPr>
         </p:nvSpPr>
         <p:spPr>
           <a:xfrm>
-            <a:off x="863600" y="5879068"/>
-            <a:ext cx="8636000" cy="369332"/>
+            <a:off x="685802" y="0"/>
+            <a:ext cx="10131425" cy="1456267"/>
           </a:xfrm>
-          <a:prstGeom prst="rect">
-            <a:avLst/>
-          </a:prstGeom>
-          <a:noFill/>
         </p:spPr>
         <p:txBody>
-          <a:bodyPr wrap="square" rtlCol="0">
-            <a:spAutoFit/>
-          </a:bodyPr>
+          <a:bodyPr/>
           <a:lstStyle/>
           <a:p>
             <a:r>
-              <a:rPr kumimoji="1" lang="en-US" altLang="zh-HK" dirty="0">
-                <a:hlinkClick r:id="rId4"/>
-              </a:rPr>
-              <a:t>https://etherscan.io/token/0xbc4ca0eda7647a8ab7c2061c2e118a18a936f13d#code</a:t>
-            </a:r>
-            <a:r>
               <a:rPr kumimoji="1" lang="en-US" altLang="zh-HK" dirty="0"/>
-              <a:t> .  @ 5</a:t>
+              <a:t>@5</a:t>
             </a:r>
             <a:endParaRPr kumimoji="1" lang="zh-HK" altLang="en-US" dirty="0"/>
           </a:p>
@@ -12272,7 +12273,7 @@
           <p:cNvPr id="2" name="標題 1">
             <a:extLst>
               <a:ext uri="{FF2B5EF4-FFF2-40B4-BE49-F238E27FC236}">
-                <a16:creationId xmlns:a16="http://schemas.microsoft.com/office/drawing/2014/main" id="{5119BE88-FD0B-131B-75F2-DB3D052E7252}"/>
+                <a16:creationId xmlns:a16="http://schemas.microsoft.com/office/drawing/2014/main" id="{56349C7A-9352-C444-E896-9FB335DD8CF1}"/>
               </a:ext>
             </a:extLst>
           </p:cNvPr>
@@ -12285,7 +12286,7 @@
         </p:nvSpPr>
         <p:spPr>
           <a:xfrm>
-            <a:off x="1030287" y="10885"/>
+            <a:off x="685802" y="0"/>
             <a:ext cx="10131425" cy="1456267"/>
           </a:xfrm>
         </p:spPr>
@@ -12294,53 +12295,19 @@
           <a:lstStyle/>
           <a:p>
             <a:r>
-              <a:rPr lang="zh-HK" altLang="en-US" dirty="0">
-                <a:latin typeface="Meiryo UI" panose="020B0604030504040204" pitchFamily="34" charset="-128"/>
-                <a:ea typeface="Meiryo UI" panose="020B0604030504040204" pitchFamily="34" charset="-128"/>
-              </a:rPr>
-              <a:t>今後</a:t>
-            </a:r>
-            <a:r>
-              <a:rPr lang="ja-JP" altLang="en-US">
-                <a:latin typeface="Meiryo UI" panose="020B0604030504040204" pitchFamily="34" charset="-128"/>
-                <a:ea typeface="Meiryo UI" panose="020B0604030504040204" pitchFamily="34" charset="-128"/>
-              </a:rPr>
-              <a:t>の</a:t>
-            </a:r>
-            <a:r>
-              <a:rPr lang="zh-HK" altLang="en-US" dirty="0">
-                <a:latin typeface="Meiryo UI" panose="020B0604030504040204" pitchFamily="34" charset="-128"/>
-                <a:ea typeface="Meiryo UI" panose="020B0604030504040204" pitchFamily="34" charset="-128"/>
-              </a:rPr>
-              <a:t>予定</a:t>
-            </a:r>
-            <a:r>
-              <a:rPr lang="ja-JP" altLang="en-US">
-                <a:latin typeface="Meiryo UI" panose="020B0604030504040204" pitchFamily="34" charset="-128"/>
-                <a:ea typeface="Meiryo UI" panose="020B0604030504040204" pitchFamily="34" charset="-128"/>
-              </a:rPr>
-              <a:t>と</a:t>
-            </a:r>
-            <a:r>
-              <a:rPr lang="zh-HK" altLang="en-US" dirty="0">
-                <a:latin typeface="Meiryo UI" panose="020B0604030504040204" pitchFamily="34" charset="-128"/>
-                <a:ea typeface="Meiryo UI" panose="020B0604030504040204" pitchFamily="34" charset="-128"/>
-              </a:rPr>
-              <a:t>課題</a:t>
-            </a:r>
-            <a:endParaRPr kumimoji="1" lang="zh-HK" altLang="en-US" dirty="0">
-              <a:latin typeface="Meiryo UI" panose="020B0604030504040204" pitchFamily="34" charset="-128"/>
-              <a:ea typeface="Meiryo UI" panose="020B0604030504040204" pitchFamily="34" charset="-128"/>
-            </a:endParaRPr>
-          </a:p>
-        </p:txBody>
-      </p:sp>
-      <p:sp>
-        <p:nvSpPr>
-          <p:cNvPr id="3" name="內容版面配置區 2">
+              <a:rPr kumimoji="1" lang="en-US" altLang="zh-HK" dirty="0"/>
+              <a:t>@6</a:t>
+            </a:r>
+            <a:endParaRPr kumimoji="1" lang="zh-HK" altLang="en-US" dirty="0"/>
+          </a:p>
+        </p:txBody>
+      </p:sp>
+      <p:sp>
+        <p:nvSpPr>
+          <p:cNvPr id="4" name="投影片編號版面配置區 3">
             <a:extLst>
               <a:ext uri="{FF2B5EF4-FFF2-40B4-BE49-F238E27FC236}">
-                <a16:creationId xmlns:a16="http://schemas.microsoft.com/office/drawing/2014/main" id="{5FF3DE65-3E07-AE0F-83F1-1DB3CA622EA3}"/>
+                <a16:creationId xmlns:a16="http://schemas.microsoft.com/office/drawing/2014/main" id="{BB87F0D8-1466-18BE-D56F-32823F9ACEE5}"/>
               </a:ext>
             </a:extLst>
           </p:cNvPr>
@@ -12348,215 +12315,86 @@
             <a:spLocks noGrp="1"/>
           </p:cNvSpPr>
           <p:nvPr>
-            <p:ph idx="1"/>
-          </p:nvPr>
-        </p:nvSpPr>
-        <p:spPr>
-          <a:xfrm>
-            <a:off x="1030287" y="1543352"/>
-            <a:ext cx="10131425" cy="4327223"/>
-          </a:xfrm>
-        </p:spPr>
-        <p:txBody>
-          <a:bodyPr>
-            <a:normAutofit/>
-          </a:bodyPr>
+            <p:ph type="sldNum" sz="quarter" idx="12"/>
+          </p:nvPr>
+        </p:nvSpPr>
+        <p:spPr/>
+        <p:txBody>
+          <a:bodyPr/>
           <a:lstStyle/>
           <a:p>
-            <a:pPr marL="0" indent="0">
-              <a:buNone/>
-            </a:pPr>
-            <a:r>
-              <a:rPr kumimoji="1" lang="zh-HK" altLang="en-US" sz="2400" dirty="0">
-                <a:latin typeface="Meiryo UI" panose="020B0604030504040204" pitchFamily="34" charset="-128"/>
-                <a:ea typeface="Meiryo UI" panose="020B0604030504040204" pitchFamily="34" charset="-128"/>
-              </a:rPr>
-              <a:t>実践するアイディア：</a:t>
-            </a:r>
-            <a:br>
-              <a:rPr kumimoji="1" lang="en-US" altLang="zh-HK" sz="2400" dirty="0">
-                <a:latin typeface="Meiryo UI" panose="020B0604030504040204" pitchFamily="34" charset="-128"/>
-                <a:ea typeface="Meiryo UI" panose="020B0604030504040204" pitchFamily="34" charset="-128"/>
-              </a:rPr>
-            </a:br>
-            <a:br>
-              <a:rPr kumimoji="1" lang="en-US" altLang="ja-JP" sz="2400" dirty="0">
-                <a:latin typeface="Meiryo UI" panose="020B0604030504040204" pitchFamily="34" charset="-128"/>
-                <a:ea typeface="Meiryo UI" panose="020B0604030504040204" pitchFamily="34" charset="-128"/>
-              </a:rPr>
-            </a:br>
-            <a:r>
-              <a:rPr kumimoji="1" lang="ja-JP" altLang="en-US" sz="2400">
-                <a:latin typeface="Meiryo UI" panose="020B0604030504040204" pitchFamily="34" charset="-128"/>
-                <a:ea typeface="Meiryo UI" panose="020B0604030504040204" pitchFamily="34" charset="-128"/>
-              </a:rPr>
-              <a:t>ポートフォリオにウォレットのようなボタンを設置し、そのボタンを押すと</a:t>
-            </a:r>
-            <a:r>
-              <a:rPr kumimoji="1" lang="en-US" altLang="ja-JP" sz="2400" dirty="0">
-                <a:latin typeface="Meiryo UI" panose="020B0604030504040204" pitchFamily="34" charset="-128"/>
-                <a:ea typeface="Meiryo UI" panose="020B0604030504040204" pitchFamily="34" charset="-128"/>
-              </a:rPr>
-              <a:t>QR</a:t>
-            </a:r>
-            <a:r>
-              <a:rPr kumimoji="1" lang="ja-JP" altLang="en-US" sz="2400">
-                <a:latin typeface="Meiryo UI" panose="020B0604030504040204" pitchFamily="34" charset="-128"/>
-                <a:ea typeface="Meiryo UI" panose="020B0604030504040204" pitchFamily="34" charset="-128"/>
-              </a:rPr>
-              <a:t>コードが</a:t>
-            </a:r>
-            <a:r>
-              <a:rPr kumimoji="1" lang="en-US" altLang="ja-JP" sz="2400" dirty="0">
-                <a:latin typeface="Meiryo UI" panose="020B0604030504040204" pitchFamily="34" charset="-128"/>
-                <a:ea typeface="Meiryo UI" panose="020B0604030504040204" pitchFamily="34" charset="-128"/>
-              </a:rPr>
-              <a:t>	</a:t>
-            </a:r>
-            <a:r>
-              <a:rPr kumimoji="1" lang="ja-JP" altLang="en-US" sz="2400">
-                <a:latin typeface="Meiryo UI" panose="020B0604030504040204" pitchFamily="34" charset="-128"/>
-                <a:ea typeface="Meiryo UI" panose="020B0604030504040204" pitchFamily="34" charset="-128"/>
-              </a:rPr>
-              <a:t>表示されます。</a:t>
-            </a:r>
-            <a:r>
-              <a:rPr kumimoji="1" lang="en-US" altLang="ja-JP" sz="2400" dirty="0">
-                <a:latin typeface="Meiryo UI" panose="020B0604030504040204" pitchFamily="34" charset="-128"/>
-                <a:ea typeface="Meiryo UI" panose="020B0604030504040204" pitchFamily="34" charset="-128"/>
-              </a:rPr>
-              <a:t>QR</a:t>
-            </a:r>
-            <a:r>
-              <a:rPr kumimoji="1" lang="ja-JP" altLang="en-US" sz="2400">
-                <a:latin typeface="Meiryo UI" panose="020B0604030504040204" pitchFamily="34" charset="-128"/>
-                <a:ea typeface="Meiryo UI" panose="020B0604030504040204" pitchFamily="34" charset="-128"/>
-              </a:rPr>
-              <a:t>コードをスキャンすると、個人の過去の書類にアクセスできる仕</a:t>
-            </a:r>
-            <a:r>
-              <a:rPr kumimoji="1" lang="en-US" altLang="ja-JP" sz="2400" dirty="0">
-                <a:latin typeface="Meiryo UI" panose="020B0604030504040204" pitchFamily="34" charset="-128"/>
-                <a:ea typeface="Meiryo UI" panose="020B0604030504040204" pitchFamily="34" charset="-128"/>
-              </a:rPr>
-              <a:t>	</a:t>
-            </a:r>
-            <a:r>
-              <a:rPr kumimoji="1" lang="ja-JP" altLang="en-US" sz="2400">
-                <a:latin typeface="Meiryo UI" panose="020B0604030504040204" pitchFamily="34" charset="-128"/>
-                <a:ea typeface="Meiryo UI" panose="020B0604030504040204" pitchFamily="34" charset="-128"/>
-              </a:rPr>
-              <a:t>組み</a:t>
-            </a:r>
-            <a:endParaRPr kumimoji="1" lang="en-US" altLang="ja-JP" sz="2400" dirty="0">
-              <a:latin typeface="Meiryo UI" panose="020B0604030504040204" pitchFamily="34" charset="-128"/>
-              <a:ea typeface="Meiryo UI" panose="020B0604030504040204" pitchFamily="34" charset="-128"/>
-            </a:endParaRPr>
-          </a:p>
-          <a:p>
-            <a:pPr marL="0" indent="0">
-              <a:buNone/>
-            </a:pPr>
-            <a:endParaRPr kumimoji="1" lang="en-US" altLang="zh-HK" sz="2400" dirty="0">
-              <a:latin typeface="Meiryo UI" panose="020B0604030504040204" pitchFamily="34" charset="-128"/>
-              <a:ea typeface="Meiryo UI" panose="020B0604030504040204" pitchFamily="34" charset="-128"/>
-            </a:endParaRPr>
-          </a:p>
-          <a:p>
-            <a:r>
-              <a:rPr kumimoji="1" lang="en-US" altLang="zh-HK" sz="2400" dirty="0">
-                <a:latin typeface="Meiryo UI" panose="020B0604030504040204" pitchFamily="34" charset="-128"/>
-                <a:ea typeface="Meiryo UI" panose="020B0604030504040204" pitchFamily="34" charset="-128"/>
-              </a:rPr>
-              <a:t>Golang</a:t>
-            </a:r>
-            <a:r>
-              <a:rPr kumimoji="1" lang="zh-HK" altLang="en-US" sz="2400" dirty="0">
-                <a:latin typeface="Meiryo UI" panose="020B0604030504040204" pitchFamily="34" charset="-128"/>
-                <a:ea typeface="Meiryo UI" panose="020B0604030504040204" pitchFamily="34" charset="-128"/>
-              </a:rPr>
-              <a:t>でブロックチェーンを作成</a:t>
-            </a:r>
-            <a:endParaRPr kumimoji="1" lang="en-US" altLang="zh-HK" sz="2400" dirty="0">
-              <a:latin typeface="Meiryo UI" panose="020B0604030504040204" pitchFamily="34" charset="-128"/>
-              <a:ea typeface="Meiryo UI" panose="020B0604030504040204" pitchFamily="34" charset="-128"/>
-            </a:endParaRPr>
-          </a:p>
-          <a:p>
-            <a:r>
-              <a:rPr kumimoji="1" lang="en-US" altLang="zh-HK" sz="2400" dirty="0">
-                <a:latin typeface="Meiryo UI" panose="020B0604030504040204" pitchFamily="34" charset="-128"/>
-                <a:ea typeface="Meiryo UI" panose="020B0604030504040204" pitchFamily="34" charset="-128"/>
-              </a:rPr>
-              <a:t>DSL</a:t>
-            </a:r>
-            <a:r>
-              <a:rPr kumimoji="1" lang="zh-HK" altLang="en-US" sz="2400" dirty="0">
-                <a:latin typeface="Meiryo UI" panose="020B0604030504040204" pitchFamily="34" charset="-128"/>
-                <a:ea typeface="Meiryo UI" panose="020B0604030504040204" pitchFamily="34" charset="-128"/>
-              </a:rPr>
-              <a:t>言語について研修</a:t>
-            </a:r>
-            <a:endParaRPr kumimoji="1" lang="en-US" altLang="zh-HK" sz="2400" dirty="0">
-              <a:latin typeface="Meiryo UI" panose="020B0604030504040204" pitchFamily="34" charset="-128"/>
-              <a:ea typeface="Meiryo UI" panose="020B0604030504040204" pitchFamily="34" charset="-128"/>
-            </a:endParaRPr>
-          </a:p>
-          <a:p>
-            <a:r>
-              <a:rPr kumimoji="1" lang="zh-HK" altLang="en-US" sz="2400" dirty="0">
-                <a:latin typeface="Meiryo UI" panose="020B0604030504040204" pitchFamily="34" charset="-128"/>
-                <a:ea typeface="Meiryo UI" panose="020B0604030504040204" pitchFamily="34" charset="-128"/>
-              </a:rPr>
-              <a:t>ポートフォリオに追加し、過去の書類（例：成績書の写真）で実践</a:t>
-            </a:r>
-            <a:endParaRPr kumimoji="1" lang="en-US" altLang="zh-HK" sz="2400" dirty="0">
-              <a:latin typeface="Meiryo UI" panose="020B0604030504040204" pitchFamily="34" charset="-128"/>
-              <a:ea typeface="Meiryo UI" panose="020B0604030504040204" pitchFamily="34" charset="-128"/>
-            </a:endParaRPr>
-          </a:p>
-          <a:p>
-            <a:endParaRPr kumimoji="1" lang="zh-HK" altLang="en-US" sz="2400" dirty="0">
-              <a:latin typeface="Meiryo UI" panose="020B0604030504040204" pitchFamily="34" charset="-128"/>
-              <a:ea typeface="Meiryo UI" panose="020B0604030504040204" pitchFamily="34" charset="-128"/>
-            </a:endParaRPr>
-          </a:p>
-        </p:txBody>
-      </p:sp>
-      <p:sp>
-        <p:nvSpPr>
-          <p:cNvPr id="4" name="投影片編號版面配置區 3">
+            <a:fld id="{D57F1E4F-1CFF-5643-939E-217C01CDF565}" type="slidenum">
+              <a:rPr lang="en-US" smtClean="0"/>
+              <a:pPr/>
+              <a:t>6</a:t>
+            </a:fld>
+            <a:endParaRPr lang="en-US" dirty="0"/>
+          </a:p>
+        </p:txBody>
+      </p:sp>
+      <p:pic>
+        <p:nvPicPr>
+          <p:cNvPr id="7" name="圖片 6" descr="一張含有 文字, 螢幕擷取畫面, 字型 的圖片&#10;&#10;自動產生的描述">
             <a:extLst>
               <a:ext uri="{FF2B5EF4-FFF2-40B4-BE49-F238E27FC236}">
-                <a16:creationId xmlns:a16="http://schemas.microsoft.com/office/drawing/2014/main" id="{95D11E82-3436-AC05-85E9-467AF1D1E575}"/>
+                <a16:creationId xmlns:a16="http://schemas.microsoft.com/office/drawing/2014/main" id="{47614535-4367-BD13-4A73-51F0A415112C}"/>
               </a:ext>
             </a:extLst>
           </p:cNvPr>
-          <p:cNvSpPr>
-            <a:spLocks noGrp="1"/>
-          </p:cNvSpPr>
-          <p:nvPr>
-            <p:ph type="sldNum" sz="quarter" idx="12"/>
-          </p:nvPr>
-        </p:nvSpPr>
-        <p:spPr/>
-        <p:txBody>
-          <a:bodyPr/>
-          <a:lstStyle/>
-          <a:p>
-            <a:fld id="{D57F1E4F-1CFF-5643-939E-217C01CDF565}" type="slidenum">
-              <a:rPr lang="en-US" sz="3000" smtClean="0"/>
-              <a:pPr/>
-              <a:t>6</a:t>
-            </a:fld>
-            <a:endParaRPr lang="en-US" sz="3000" dirty="0"/>
-          </a:p>
-        </p:txBody>
-      </p:sp>
+          <p:cNvPicPr>
+            <a:picLocks noChangeAspect="1"/>
+          </p:cNvPicPr>
+          <p:nvPr/>
+        </p:nvPicPr>
+        <p:blipFill>
+          <a:blip r:embed="rId2"/>
+          <a:stretch>
+            <a:fillRect/>
+          </a:stretch>
+        </p:blipFill>
+        <p:spPr>
+          <a:xfrm>
+            <a:off x="2157413" y="1456267"/>
+            <a:ext cx="7188200" cy="1295400"/>
+          </a:xfrm>
+          <a:prstGeom prst="rect">
+            <a:avLst/>
+          </a:prstGeom>
+        </p:spPr>
+      </p:pic>
+      <p:pic>
+        <p:nvPicPr>
+          <p:cNvPr id="11" name="內容版面配置區 10" descr="一張含有 文字, 螢幕擷取畫面, 字型 的圖片&#10;&#10;自動產生的描述">
+            <a:extLst>
+              <a:ext uri="{FF2B5EF4-FFF2-40B4-BE49-F238E27FC236}">
+                <a16:creationId xmlns:a16="http://schemas.microsoft.com/office/drawing/2014/main" id="{707EC432-71EC-10C8-F760-1B97490C016F}"/>
+              </a:ext>
+            </a:extLst>
+          </p:cNvPr>
+          <p:cNvPicPr>
+            <a:picLocks noGrp="1" noChangeAspect="1"/>
+          </p:cNvPicPr>
+          <p:nvPr>
+            <p:ph idx="1"/>
+          </p:nvPr>
+        </p:nvPicPr>
+        <p:blipFill>
+          <a:blip r:embed="rId3"/>
+          <a:stretch>
+            <a:fillRect/>
+          </a:stretch>
+        </p:blipFill>
+        <p:spPr>
+          <a:xfrm>
+            <a:off x="2189163" y="3570287"/>
+            <a:ext cx="7124700" cy="2489200"/>
+          </a:xfrm>
+        </p:spPr>
+      </p:pic>
     </p:spTree>
     <p:extLst>
       <p:ext uri="{BB962C8B-B14F-4D97-AF65-F5344CB8AC3E}">
-        <p14:creationId xmlns:p14="http://schemas.microsoft.com/office/powerpoint/2010/main" val="4167462772"/>
+        <p14:creationId xmlns:p14="http://schemas.microsoft.com/office/powerpoint/2010/main" val="4210053098"/>
       </p:ext>
     </p:extLst>
   </p:cSld>
@@ -12588,6 +12426,258 @@
           <p:cNvPr id="2" name="標題 1">
             <a:extLst>
               <a:ext uri="{FF2B5EF4-FFF2-40B4-BE49-F238E27FC236}">
+                <a16:creationId xmlns:a16="http://schemas.microsoft.com/office/drawing/2014/main" id="{5119BE88-FD0B-131B-75F2-DB3D052E7252}"/>
+              </a:ext>
+            </a:extLst>
+          </p:cNvPr>
+          <p:cNvSpPr>
+            <a:spLocks noGrp="1"/>
+          </p:cNvSpPr>
+          <p:nvPr>
+            <p:ph type="title"/>
+          </p:nvPr>
+        </p:nvSpPr>
+        <p:spPr>
+          <a:xfrm>
+            <a:off x="1030287" y="10885"/>
+            <a:ext cx="10131425" cy="1456267"/>
+          </a:xfrm>
+        </p:spPr>
+        <p:txBody>
+          <a:bodyPr/>
+          <a:lstStyle/>
+          <a:p>
+            <a:r>
+              <a:rPr lang="zh-HK" altLang="en-US" dirty="0">
+                <a:latin typeface="Meiryo UI" panose="020B0604030504040204" pitchFamily="34" charset="-128"/>
+                <a:ea typeface="Meiryo UI" panose="020B0604030504040204" pitchFamily="34" charset="-128"/>
+              </a:rPr>
+              <a:t>今後</a:t>
+            </a:r>
+            <a:r>
+              <a:rPr lang="ja-JP" altLang="en-US">
+                <a:latin typeface="Meiryo UI" panose="020B0604030504040204" pitchFamily="34" charset="-128"/>
+                <a:ea typeface="Meiryo UI" panose="020B0604030504040204" pitchFamily="34" charset="-128"/>
+              </a:rPr>
+              <a:t>の</a:t>
+            </a:r>
+            <a:r>
+              <a:rPr lang="zh-HK" altLang="en-US" dirty="0">
+                <a:latin typeface="Meiryo UI" panose="020B0604030504040204" pitchFamily="34" charset="-128"/>
+                <a:ea typeface="Meiryo UI" panose="020B0604030504040204" pitchFamily="34" charset="-128"/>
+              </a:rPr>
+              <a:t>予定</a:t>
+            </a:r>
+            <a:r>
+              <a:rPr lang="ja-JP" altLang="en-US">
+                <a:latin typeface="Meiryo UI" panose="020B0604030504040204" pitchFamily="34" charset="-128"/>
+                <a:ea typeface="Meiryo UI" panose="020B0604030504040204" pitchFamily="34" charset="-128"/>
+              </a:rPr>
+              <a:t>と</a:t>
+            </a:r>
+            <a:r>
+              <a:rPr lang="zh-HK" altLang="en-US" dirty="0">
+                <a:latin typeface="Meiryo UI" panose="020B0604030504040204" pitchFamily="34" charset="-128"/>
+                <a:ea typeface="Meiryo UI" panose="020B0604030504040204" pitchFamily="34" charset="-128"/>
+              </a:rPr>
+              <a:t>課題</a:t>
+            </a:r>
+            <a:endParaRPr kumimoji="1" lang="zh-HK" altLang="en-US" dirty="0">
+              <a:latin typeface="Meiryo UI" panose="020B0604030504040204" pitchFamily="34" charset="-128"/>
+              <a:ea typeface="Meiryo UI" panose="020B0604030504040204" pitchFamily="34" charset="-128"/>
+            </a:endParaRPr>
+          </a:p>
+        </p:txBody>
+      </p:sp>
+      <p:sp>
+        <p:nvSpPr>
+          <p:cNvPr id="3" name="內容版面配置區 2">
+            <a:extLst>
+              <a:ext uri="{FF2B5EF4-FFF2-40B4-BE49-F238E27FC236}">
+                <a16:creationId xmlns:a16="http://schemas.microsoft.com/office/drawing/2014/main" id="{5FF3DE65-3E07-AE0F-83F1-1DB3CA622EA3}"/>
+              </a:ext>
+            </a:extLst>
+          </p:cNvPr>
+          <p:cNvSpPr>
+            <a:spLocks noGrp="1"/>
+          </p:cNvSpPr>
+          <p:nvPr>
+            <p:ph idx="1"/>
+          </p:nvPr>
+        </p:nvSpPr>
+        <p:spPr>
+          <a:xfrm>
+            <a:off x="1030287" y="1543352"/>
+            <a:ext cx="10131425" cy="4327223"/>
+          </a:xfrm>
+        </p:spPr>
+        <p:txBody>
+          <a:bodyPr>
+            <a:normAutofit/>
+          </a:bodyPr>
+          <a:lstStyle/>
+          <a:p>
+            <a:pPr marL="0" indent="0">
+              <a:buNone/>
+            </a:pPr>
+            <a:endParaRPr kumimoji="1" lang="en-US" altLang="zh-HK" sz="2400" dirty="0">
+              <a:latin typeface="Meiryo UI" panose="020B0604030504040204" pitchFamily="34" charset="-128"/>
+              <a:ea typeface="Meiryo UI" panose="020B0604030504040204" pitchFamily="34" charset="-128"/>
+            </a:endParaRPr>
+          </a:p>
+          <a:p>
+            <a:r>
+              <a:rPr kumimoji="1" lang="en-US" altLang="zh-HK" sz="2400" dirty="0">
+                <a:latin typeface="Meiryo UI" panose="020B0604030504040204" pitchFamily="34" charset="-128"/>
+                <a:ea typeface="Meiryo UI" panose="020B0604030504040204" pitchFamily="34" charset="-128"/>
+              </a:rPr>
+              <a:t>Golang</a:t>
+            </a:r>
+            <a:r>
+              <a:rPr kumimoji="1" lang="zh-HK" altLang="en-US" sz="2400" dirty="0">
+                <a:latin typeface="Meiryo UI" panose="020B0604030504040204" pitchFamily="34" charset="-128"/>
+                <a:ea typeface="Meiryo UI" panose="020B0604030504040204" pitchFamily="34" charset="-128"/>
+              </a:rPr>
+              <a:t>でブロックチェーンを作成</a:t>
+            </a:r>
+            <a:endParaRPr kumimoji="1" lang="en-US" altLang="zh-HK" sz="2400" dirty="0">
+              <a:latin typeface="Meiryo UI" panose="020B0604030504040204" pitchFamily="34" charset="-128"/>
+              <a:ea typeface="Meiryo UI" panose="020B0604030504040204" pitchFamily="34" charset="-128"/>
+            </a:endParaRPr>
+          </a:p>
+          <a:p>
+            <a:r>
+              <a:rPr kumimoji="1" lang="en-US" altLang="zh-HK" sz="2400" dirty="0">
+                <a:latin typeface="Meiryo UI" panose="020B0604030504040204" pitchFamily="34" charset="-128"/>
+                <a:ea typeface="Meiryo UI" panose="020B0604030504040204" pitchFamily="34" charset="-128"/>
+              </a:rPr>
+              <a:t>DSL</a:t>
+            </a:r>
+            <a:r>
+              <a:rPr kumimoji="1" lang="zh-HK" altLang="en-US" sz="2400" dirty="0">
+                <a:latin typeface="Meiryo UI" panose="020B0604030504040204" pitchFamily="34" charset="-128"/>
+                <a:ea typeface="Meiryo UI" panose="020B0604030504040204" pitchFamily="34" charset="-128"/>
+              </a:rPr>
+              <a:t>言語について合う言語を探す</a:t>
+            </a:r>
+            <a:endParaRPr kumimoji="1" lang="en-US" altLang="zh-HK" sz="2400" dirty="0">
+              <a:latin typeface="Meiryo UI" panose="020B0604030504040204" pitchFamily="34" charset="-128"/>
+              <a:ea typeface="Meiryo UI" panose="020B0604030504040204" pitchFamily="34" charset="-128"/>
+            </a:endParaRPr>
+          </a:p>
+          <a:p>
+            <a:r>
+              <a:rPr kumimoji="1" lang="zh-HK" altLang="en-US" sz="2400" dirty="0">
+                <a:latin typeface="Meiryo UI" panose="020B0604030504040204" pitchFamily="34" charset="-128"/>
+                <a:ea typeface="Meiryo UI" panose="020B0604030504040204" pitchFamily="34" charset="-128"/>
+              </a:rPr>
+              <a:t>ポートフォリオに</a:t>
+            </a:r>
+            <a:r>
+              <a:rPr kumimoji="1" lang="ja-JP" altLang="en-US" sz="2400">
+                <a:latin typeface="Meiryo UI" panose="020B0604030504040204" pitchFamily="34" charset="-128"/>
+                <a:ea typeface="Meiryo UI" panose="020B0604030504040204" pitchFamily="34" charset="-128"/>
+              </a:rPr>
+              <a:t>ウォレットのようなボタンを設置し</a:t>
+            </a:r>
+            <a:r>
+              <a:rPr kumimoji="1" lang="zh-HK" altLang="en-US" sz="2400" dirty="0">
+                <a:latin typeface="Meiryo UI" panose="020B0604030504040204" pitchFamily="34" charset="-128"/>
+                <a:ea typeface="Meiryo UI" panose="020B0604030504040204" pitchFamily="34" charset="-128"/>
+              </a:rPr>
+              <a:t>、</a:t>
+            </a:r>
+            <a:br>
+              <a:rPr kumimoji="1" lang="en-US" altLang="zh-HK" sz="2400" dirty="0">
+                <a:latin typeface="Meiryo UI" panose="020B0604030504040204" pitchFamily="34" charset="-128"/>
+                <a:ea typeface="Meiryo UI" panose="020B0604030504040204" pitchFamily="34" charset="-128"/>
+              </a:rPr>
+            </a:br>
+            <a:r>
+              <a:rPr kumimoji="1" lang="zh-HK" altLang="en-US" sz="2400" dirty="0">
+                <a:latin typeface="Meiryo UI" panose="020B0604030504040204" pitchFamily="34" charset="-128"/>
+                <a:ea typeface="Meiryo UI" panose="020B0604030504040204" pitchFamily="34" charset="-128"/>
+              </a:rPr>
+              <a:t>過去の書類（例：成績書の写真）で実践</a:t>
+            </a:r>
+            <a:endParaRPr kumimoji="1" lang="en-US" altLang="zh-HK" sz="2400" dirty="0">
+              <a:latin typeface="Meiryo UI" panose="020B0604030504040204" pitchFamily="34" charset="-128"/>
+              <a:ea typeface="Meiryo UI" panose="020B0604030504040204" pitchFamily="34" charset="-128"/>
+            </a:endParaRPr>
+          </a:p>
+          <a:p>
+            <a:endParaRPr kumimoji="1" lang="zh-HK" altLang="en-US" sz="2400" dirty="0">
+              <a:latin typeface="Meiryo UI" panose="020B0604030504040204" pitchFamily="34" charset="-128"/>
+              <a:ea typeface="Meiryo UI" panose="020B0604030504040204" pitchFamily="34" charset="-128"/>
+            </a:endParaRPr>
+          </a:p>
+        </p:txBody>
+      </p:sp>
+      <p:sp>
+        <p:nvSpPr>
+          <p:cNvPr id="4" name="投影片編號版面配置區 3">
+            <a:extLst>
+              <a:ext uri="{FF2B5EF4-FFF2-40B4-BE49-F238E27FC236}">
+                <a16:creationId xmlns:a16="http://schemas.microsoft.com/office/drawing/2014/main" id="{95D11E82-3436-AC05-85E9-467AF1D1E575}"/>
+              </a:ext>
+            </a:extLst>
+          </p:cNvPr>
+          <p:cNvSpPr>
+            <a:spLocks noGrp="1"/>
+          </p:cNvSpPr>
+          <p:nvPr>
+            <p:ph type="sldNum" sz="quarter" idx="12"/>
+          </p:nvPr>
+        </p:nvSpPr>
+        <p:spPr/>
+        <p:txBody>
+          <a:bodyPr/>
+          <a:lstStyle/>
+          <a:p>
+            <a:fld id="{D57F1E4F-1CFF-5643-939E-217C01CDF565}" type="slidenum">
+              <a:rPr lang="en-US" sz="3000" smtClean="0"/>
+              <a:pPr/>
+              <a:t>7</a:t>
+            </a:fld>
+            <a:endParaRPr lang="en-US" sz="3000" dirty="0"/>
+          </a:p>
+        </p:txBody>
+      </p:sp>
+    </p:spTree>
+    <p:extLst>
+      <p:ext uri="{BB962C8B-B14F-4D97-AF65-F5344CB8AC3E}">
+        <p14:creationId xmlns:p14="http://schemas.microsoft.com/office/powerpoint/2010/main" val="4167462772"/>
+      </p:ext>
+    </p:extLst>
+  </p:cSld>
+  <p:clrMapOvr>
+    <a:masterClrMapping/>
+  </p:clrMapOvr>
+</p:sld>
+</file>
+
+<file path=ppt/slides/slide8.xml><?xml version="1.0" encoding="utf-8"?>
+<p:sld xmlns:a="http://schemas.openxmlformats.org/drawingml/2006/main" xmlns:r="http://schemas.openxmlformats.org/officeDocument/2006/relationships" xmlns:p="http://schemas.openxmlformats.org/presentationml/2006/main">
+  <p:cSld>
+    <p:spTree>
+      <p:nvGrpSpPr>
+        <p:cNvPr id="1" name=""/>
+        <p:cNvGrpSpPr/>
+        <p:nvPr/>
+      </p:nvGrpSpPr>
+      <p:grpSpPr>
+        <a:xfrm>
+          <a:off x="0" y="0"/>
+          <a:ext cx="0" cy="0"/>
+          <a:chOff x="0" y="0"/>
+          <a:chExt cx="0" cy="0"/>
+        </a:xfrm>
+      </p:grpSpPr>
+      <p:sp>
+        <p:nvSpPr>
+          <p:cNvPr id="2" name="標題 1">
+            <a:extLst>
+              <a:ext uri="{FF2B5EF4-FFF2-40B4-BE49-F238E27FC236}">
                 <a16:creationId xmlns:a16="http://schemas.microsoft.com/office/drawing/2014/main" id="{B230DE05-40CE-4C36-0AA9-175FD1CE9B42}"/>
               </a:ext>
             </a:extLst>
@@ -12674,6 +12764,13 @@
                 <a:ea typeface="Meiryo UI" panose="020B0604030504040204" pitchFamily="34" charset="-128"/>
               </a:rPr>
               <a:t>CoinEx</a:t>
+            </a:r>
+            <a:r>
+              <a:rPr kumimoji="1" lang="en-US" altLang="zh-HK" sz="1400" dirty="0">
+                <a:latin typeface="Meiryo UI" panose="020B0604030504040204" pitchFamily="34" charset="-128"/>
+                <a:ea typeface="Meiryo UI" panose="020B0604030504040204" pitchFamily="34" charset="-128"/>
+              </a:rPr>
+              <a:t> </a:t>
             </a:r>
             <a:r>
               <a:rPr kumimoji="1" lang="ja-JP" altLang="en-US" sz="1400">
@@ -13070,7 +13167,7 @@
             <a:fld id="{D57F1E4F-1CFF-5643-939E-217C01CDF565}" type="slidenum">
               <a:rPr lang="en-US" sz="3000" smtClean="0"/>
               <a:pPr/>
-              <a:t>7</a:t>
+              <a:t>8</a:t>
             </a:fld>
             <a:endParaRPr lang="en-US" sz="3000" dirty="0"/>
           </a:p>
